--- a/fig.pptx
+++ b/fig.pptx
@@ -6,6 +6,7 @@
   </p:sldMasterIdLst>
   <p:sldIdLst>
     <p:sldId id="257" r:id="rId2"/>
+    <p:sldId id="258" r:id="rId3"/>
   </p:sldIdLst>
   <p:sldSz cx="12192000" cy="6858000"/>
   <p:notesSz cx="6858000" cy="9144000"/>
@@ -4063,6 +4064,319 @@
 </p:sld>
 </file>
 
+<file path=ppt/slides/slide2.xml><?xml version="1.0" encoding="utf-8"?>
+<p:sld xmlns:a="http://schemas.openxmlformats.org/drawingml/2006/main" xmlns:r="http://schemas.openxmlformats.org/officeDocument/2006/relationships" xmlns:p="http://schemas.openxmlformats.org/presentationml/2006/main">
+  <p:cSld>
+    <p:spTree>
+      <p:nvGrpSpPr>
+        <p:cNvPr id="1" name=""/>
+        <p:cNvGrpSpPr/>
+        <p:nvPr/>
+      </p:nvGrpSpPr>
+      <p:grpSpPr>
+        <a:xfrm>
+          <a:off x="0" y="0"/>
+          <a:ext cx="0" cy="0"/>
+          <a:chOff x="0" y="0"/>
+          <a:chExt cx="0" cy="0"/>
+        </a:xfrm>
+      </p:grpSpPr>
+      <p:grpSp>
+        <p:nvGrpSpPr>
+          <p:cNvPr id="47" name="グループ化 46">
+            <a:extLst>
+              <a:ext uri="{FF2B5EF4-FFF2-40B4-BE49-F238E27FC236}">
+                <a16:creationId xmlns:a16="http://schemas.microsoft.com/office/drawing/2014/main" id="{9DC388E8-743F-7A4D-6C55-2A07AAF4A742}"/>
+              </a:ext>
+            </a:extLst>
+          </p:cNvPr>
+          <p:cNvGrpSpPr/>
+          <p:nvPr/>
+        </p:nvGrpSpPr>
+        <p:grpSpPr>
+          <a:xfrm>
+            <a:off x="793411" y="1891099"/>
+            <a:ext cx="10605178" cy="3010392"/>
+            <a:chOff x="793411" y="1891099"/>
+            <a:chExt cx="10605178" cy="3010392"/>
+          </a:xfrm>
+        </p:grpSpPr>
+        <p:pic>
+          <p:nvPicPr>
+            <p:cNvPr id="41" name="図 40">
+              <a:extLst>
+                <a:ext uri="{FF2B5EF4-FFF2-40B4-BE49-F238E27FC236}">
+                  <a16:creationId xmlns:a16="http://schemas.microsoft.com/office/drawing/2014/main" id="{D39645B4-E19D-FE12-9921-EE1CBFA1A59B}"/>
+                </a:ext>
+              </a:extLst>
+            </p:cNvPr>
+            <p:cNvPicPr>
+              <a:picLocks noChangeAspect="1"/>
+            </p:cNvPicPr>
+            <p:nvPr/>
+          </p:nvPicPr>
+          <p:blipFill>
+            <a:blip r:embed="rId2"/>
+            <a:stretch>
+              <a:fillRect/>
+            </a:stretch>
+          </p:blipFill>
+          <p:spPr>
+            <a:xfrm>
+              <a:off x="6717852" y="1956508"/>
+              <a:ext cx="4680737" cy="2944983"/>
+            </a:xfrm>
+            <a:prstGeom prst="rect">
+              <a:avLst/>
+            </a:prstGeom>
+          </p:spPr>
+        </p:pic>
+        <p:pic>
+          <p:nvPicPr>
+            <p:cNvPr id="42" name="図 41">
+              <a:extLst>
+                <a:ext uri="{FF2B5EF4-FFF2-40B4-BE49-F238E27FC236}">
+                  <a16:creationId xmlns:a16="http://schemas.microsoft.com/office/drawing/2014/main" id="{A7A12BA2-E74D-9689-47AB-FA199183ACE5}"/>
+                </a:ext>
+              </a:extLst>
+            </p:cNvPr>
+            <p:cNvPicPr>
+              <a:picLocks noChangeAspect="1"/>
+            </p:cNvPicPr>
+            <p:nvPr/>
+          </p:nvPicPr>
+          <p:blipFill>
+            <a:blip r:embed="rId2"/>
+            <a:stretch>
+              <a:fillRect/>
+            </a:stretch>
+          </p:blipFill>
+          <p:spPr>
+            <a:xfrm>
+              <a:off x="793411" y="1891099"/>
+              <a:ext cx="4680737" cy="2944983"/>
+            </a:xfrm>
+            <a:prstGeom prst="rect">
+              <a:avLst/>
+            </a:prstGeom>
+          </p:spPr>
+        </p:pic>
+        <p:sp>
+          <p:nvSpPr>
+            <p:cNvPr id="43" name="矢印: 右 42">
+              <a:extLst>
+                <a:ext uri="{FF2B5EF4-FFF2-40B4-BE49-F238E27FC236}">
+                  <a16:creationId xmlns:a16="http://schemas.microsoft.com/office/drawing/2014/main" id="{EBE099C1-C92A-96F5-38CF-5A317135E90A}"/>
+                </a:ext>
+              </a:extLst>
+            </p:cNvPr>
+            <p:cNvSpPr/>
+            <p:nvPr/>
+          </p:nvSpPr>
+          <p:spPr>
+            <a:xfrm>
+              <a:off x="5876125" y="3208702"/>
+              <a:ext cx="439750" cy="440593"/>
+            </a:xfrm>
+            <a:prstGeom prst="rightArrow">
+              <a:avLst/>
+            </a:prstGeom>
+          </p:spPr>
+          <p:style>
+            <a:lnRef idx="2">
+              <a:schemeClr val="dk1">
+                <a:shade val="15000"/>
+              </a:schemeClr>
+            </a:lnRef>
+            <a:fillRef idx="1">
+              <a:schemeClr val="dk1"/>
+            </a:fillRef>
+            <a:effectRef idx="0">
+              <a:schemeClr val="dk1"/>
+            </a:effectRef>
+            <a:fontRef idx="minor">
+              <a:schemeClr val="lt1"/>
+            </a:fontRef>
+          </p:style>
+          <p:txBody>
+            <a:bodyPr rtlCol="0" anchor="ctr"/>
+            <a:lstStyle/>
+            <a:p>
+              <a:pPr algn="ctr"/>
+              <a:endParaRPr kumimoji="1" lang="ja-JP" altLang="en-US"/>
+            </a:p>
+          </p:txBody>
+        </p:sp>
+        <p:sp>
+          <p:nvSpPr>
+            <p:cNvPr id="44" name="楕円 43">
+              <a:extLst>
+                <a:ext uri="{FF2B5EF4-FFF2-40B4-BE49-F238E27FC236}">
+                  <a16:creationId xmlns:a16="http://schemas.microsoft.com/office/drawing/2014/main" id="{FED2FE45-CF81-BDC1-2C67-B13924E2E429}"/>
+                </a:ext>
+              </a:extLst>
+            </p:cNvPr>
+            <p:cNvSpPr/>
+            <p:nvPr/>
+          </p:nvSpPr>
+          <p:spPr>
+            <a:xfrm>
+              <a:off x="7210499" y="2457012"/>
+              <a:ext cx="1088904" cy="1319249"/>
+            </a:xfrm>
+            <a:prstGeom prst="ellipse">
+              <a:avLst/>
+            </a:prstGeom>
+            <a:noFill/>
+            <a:ln w="57150">
+              <a:solidFill>
+                <a:srgbClr val="00B050"/>
+              </a:solidFill>
+            </a:ln>
+          </p:spPr>
+          <p:style>
+            <a:lnRef idx="2">
+              <a:schemeClr val="accent1">
+                <a:shade val="15000"/>
+              </a:schemeClr>
+            </a:lnRef>
+            <a:fillRef idx="1">
+              <a:schemeClr val="accent1"/>
+            </a:fillRef>
+            <a:effectRef idx="0">
+              <a:schemeClr val="accent1"/>
+            </a:effectRef>
+            <a:fontRef idx="minor">
+              <a:schemeClr val="lt1"/>
+            </a:fontRef>
+          </p:style>
+          <p:txBody>
+            <a:bodyPr rtlCol="0" anchor="ctr"/>
+            <a:lstStyle/>
+            <a:p>
+              <a:pPr algn="ctr"/>
+              <a:endParaRPr kumimoji="1" lang="ja-JP" altLang="en-US"/>
+            </a:p>
+          </p:txBody>
+        </p:sp>
+        <p:sp>
+          <p:nvSpPr>
+            <p:cNvPr id="45" name="楕円 44">
+              <a:extLst>
+                <a:ext uri="{FF2B5EF4-FFF2-40B4-BE49-F238E27FC236}">
+                  <a16:creationId xmlns:a16="http://schemas.microsoft.com/office/drawing/2014/main" id="{A4358F44-0F1C-754D-6182-1DCFB6C7F44F}"/>
+                </a:ext>
+              </a:extLst>
+            </p:cNvPr>
+            <p:cNvSpPr/>
+            <p:nvPr/>
+          </p:nvSpPr>
+          <p:spPr>
+            <a:xfrm>
+              <a:off x="9304543" y="2457012"/>
+              <a:ext cx="1179645" cy="1319249"/>
+            </a:xfrm>
+            <a:prstGeom prst="ellipse">
+              <a:avLst/>
+            </a:prstGeom>
+            <a:noFill/>
+            <a:ln w="57150">
+              <a:solidFill>
+                <a:schemeClr val="accent4"/>
+              </a:solidFill>
+            </a:ln>
+          </p:spPr>
+          <p:style>
+            <a:lnRef idx="2">
+              <a:schemeClr val="accent1">
+                <a:shade val="15000"/>
+              </a:schemeClr>
+            </a:lnRef>
+            <a:fillRef idx="1">
+              <a:schemeClr val="accent1"/>
+            </a:fillRef>
+            <a:effectRef idx="0">
+              <a:schemeClr val="accent1"/>
+            </a:effectRef>
+            <a:fontRef idx="minor">
+              <a:schemeClr val="lt1"/>
+            </a:fontRef>
+          </p:style>
+          <p:txBody>
+            <a:bodyPr rtlCol="0" anchor="ctr"/>
+            <a:lstStyle/>
+            <a:p>
+              <a:pPr algn="ctr"/>
+              <a:endParaRPr kumimoji="1" lang="ja-JP" altLang="en-US"/>
+            </a:p>
+          </p:txBody>
+        </p:sp>
+        <p:sp>
+          <p:nvSpPr>
+            <p:cNvPr id="46" name="楕円 45">
+              <a:extLst>
+                <a:ext uri="{FF2B5EF4-FFF2-40B4-BE49-F238E27FC236}">
+                  <a16:creationId xmlns:a16="http://schemas.microsoft.com/office/drawing/2014/main" id="{DD98421A-A8E2-FB69-0B2C-6A12322DA745}"/>
+                </a:ext>
+              </a:extLst>
+            </p:cNvPr>
+            <p:cNvSpPr/>
+            <p:nvPr/>
+          </p:nvSpPr>
+          <p:spPr>
+            <a:xfrm rot="2324616">
+              <a:off x="8097061" y="3752696"/>
+              <a:ext cx="1314963" cy="1085691"/>
+            </a:xfrm>
+            <a:prstGeom prst="ellipse">
+              <a:avLst/>
+            </a:prstGeom>
+            <a:noFill/>
+            <a:ln w="57150">
+              <a:solidFill>
+                <a:srgbClr val="FF0000"/>
+              </a:solidFill>
+            </a:ln>
+          </p:spPr>
+          <p:style>
+            <a:lnRef idx="2">
+              <a:schemeClr val="accent1">
+                <a:shade val="15000"/>
+              </a:schemeClr>
+            </a:lnRef>
+            <a:fillRef idx="1">
+              <a:schemeClr val="accent1"/>
+            </a:fillRef>
+            <a:effectRef idx="0">
+              <a:schemeClr val="accent1"/>
+            </a:effectRef>
+            <a:fontRef idx="minor">
+              <a:schemeClr val="lt1"/>
+            </a:fontRef>
+          </p:style>
+          <p:txBody>
+            <a:bodyPr rtlCol="0" anchor="ctr"/>
+            <a:lstStyle/>
+            <a:p>
+              <a:pPr algn="ctr"/>
+              <a:endParaRPr kumimoji="1" lang="ja-JP" altLang="en-US"/>
+            </a:p>
+          </p:txBody>
+        </p:sp>
+      </p:grpSp>
+    </p:spTree>
+    <p:extLst>
+      <p:ext uri="{BB962C8B-B14F-4D97-AF65-F5344CB8AC3E}">
+        <p14:creationId xmlns:p14="http://schemas.microsoft.com/office/powerpoint/2010/main" val="3115592415"/>
+      </p:ext>
+    </p:extLst>
+  </p:cSld>
+  <p:clrMapOvr>
+    <a:masterClrMapping/>
+  </p:clrMapOvr>
+</p:sld>
+</file>
+
 <file path=ppt/theme/theme1.xml><?xml version="1.0" encoding="utf-8"?>
 <a:theme xmlns:a="http://schemas.openxmlformats.org/drawingml/2006/main" name="Office テーマ">
   <a:themeElements>

--- a/fig.pptx
+++ b/fig.pptx
@@ -7,6 +7,7 @@
   <p:sldIdLst>
     <p:sldId id="257" r:id="rId2"/>
     <p:sldId id="258" r:id="rId3"/>
+    <p:sldId id="259" r:id="rId4"/>
   </p:sldIdLst>
   <p:sldSz cx="12192000" cy="6858000"/>
   <p:notesSz cx="6858000" cy="9144000"/>
@@ -105,6 +106,11 @@
       </a:defRPr>
     </a:lvl9pPr>
   </p:defaultTextStyle>
+  <p:extLst>
+    <p:ext uri="{EFAFB233-063F-42B5-8137-9DF3F51BA10A}">
+      <p15:sldGuideLst xmlns:p15="http://schemas.microsoft.com/office/powerpoint/2012/main"/>
+    </p:ext>
+  </p:extLst>
 </p:presentation>
 </file>
 
@@ -255,7 +261,7 @@
           <a:p>
             <a:fld id="{E19C4585-8E74-4D09-901E-7DCDB3F49738}" type="datetimeFigureOut">
               <a:rPr kumimoji="1" lang="ja-JP" altLang="en-US" smtClean="0"/>
-              <a:t>2025/8/11</a:t>
+              <a:t>2025/8/16</a:t>
             </a:fld>
             <a:endParaRPr kumimoji="1" lang="ja-JP" altLang="en-US"/>
           </a:p>
@@ -485,7 +491,7 @@
           <a:p>
             <a:fld id="{E19C4585-8E74-4D09-901E-7DCDB3F49738}" type="datetimeFigureOut">
               <a:rPr kumimoji="1" lang="ja-JP" altLang="en-US" smtClean="0"/>
-              <a:t>2025/8/11</a:t>
+              <a:t>2025/8/16</a:t>
             </a:fld>
             <a:endParaRPr kumimoji="1" lang="ja-JP" altLang="en-US"/>
           </a:p>
@@ -725,7 +731,7 @@
           <a:p>
             <a:fld id="{E19C4585-8E74-4D09-901E-7DCDB3F49738}" type="datetimeFigureOut">
               <a:rPr kumimoji="1" lang="ja-JP" altLang="en-US" smtClean="0"/>
-              <a:t>2025/8/11</a:t>
+              <a:t>2025/8/16</a:t>
             </a:fld>
             <a:endParaRPr kumimoji="1" lang="ja-JP" altLang="en-US"/>
           </a:p>
@@ -955,7 +961,7 @@
           <a:p>
             <a:fld id="{E19C4585-8E74-4D09-901E-7DCDB3F49738}" type="datetimeFigureOut">
               <a:rPr kumimoji="1" lang="ja-JP" altLang="en-US" smtClean="0"/>
-              <a:t>2025/8/11</a:t>
+              <a:t>2025/8/16</a:t>
             </a:fld>
             <a:endParaRPr kumimoji="1" lang="ja-JP" altLang="en-US"/>
           </a:p>
@@ -1230,7 +1236,7 @@
           <a:p>
             <a:fld id="{E19C4585-8E74-4D09-901E-7DCDB3F49738}" type="datetimeFigureOut">
               <a:rPr kumimoji="1" lang="ja-JP" altLang="en-US" smtClean="0"/>
-              <a:t>2025/8/11</a:t>
+              <a:t>2025/8/16</a:t>
             </a:fld>
             <a:endParaRPr kumimoji="1" lang="ja-JP" altLang="en-US"/>
           </a:p>
@@ -1559,7 +1565,7 @@
           <a:p>
             <a:fld id="{E19C4585-8E74-4D09-901E-7DCDB3F49738}" type="datetimeFigureOut">
               <a:rPr kumimoji="1" lang="ja-JP" altLang="en-US" smtClean="0"/>
-              <a:t>2025/8/11</a:t>
+              <a:t>2025/8/16</a:t>
             </a:fld>
             <a:endParaRPr kumimoji="1" lang="ja-JP" altLang="en-US"/>
           </a:p>
@@ -2035,7 +2041,7 @@
           <a:p>
             <a:fld id="{E19C4585-8E74-4D09-901E-7DCDB3F49738}" type="datetimeFigureOut">
               <a:rPr kumimoji="1" lang="ja-JP" altLang="en-US" smtClean="0"/>
-              <a:t>2025/8/11</a:t>
+              <a:t>2025/8/16</a:t>
             </a:fld>
             <a:endParaRPr kumimoji="1" lang="ja-JP" altLang="en-US"/>
           </a:p>
@@ -2176,7 +2182,7 @@
           <a:p>
             <a:fld id="{E19C4585-8E74-4D09-901E-7DCDB3F49738}" type="datetimeFigureOut">
               <a:rPr kumimoji="1" lang="ja-JP" altLang="en-US" smtClean="0"/>
-              <a:t>2025/8/11</a:t>
+              <a:t>2025/8/16</a:t>
             </a:fld>
             <a:endParaRPr kumimoji="1" lang="ja-JP" altLang="en-US"/>
           </a:p>
@@ -2289,7 +2295,7 @@
           <a:p>
             <a:fld id="{E19C4585-8E74-4D09-901E-7DCDB3F49738}" type="datetimeFigureOut">
               <a:rPr kumimoji="1" lang="ja-JP" altLang="en-US" smtClean="0"/>
-              <a:t>2025/8/11</a:t>
+              <a:t>2025/8/16</a:t>
             </a:fld>
             <a:endParaRPr kumimoji="1" lang="ja-JP" altLang="en-US"/>
           </a:p>
@@ -2632,7 +2638,7 @@
           <a:p>
             <a:fld id="{E19C4585-8E74-4D09-901E-7DCDB3F49738}" type="datetimeFigureOut">
               <a:rPr kumimoji="1" lang="ja-JP" altLang="en-US" smtClean="0"/>
-              <a:t>2025/8/11</a:t>
+              <a:t>2025/8/16</a:t>
             </a:fld>
             <a:endParaRPr kumimoji="1" lang="ja-JP" altLang="en-US"/>
           </a:p>
@@ -2920,7 +2926,7 @@
           <a:p>
             <a:fld id="{E19C4585-8E74-4D09-901E-7DCDB3F49738}" type="datetimeFigureOut">
               <a:rPr kumimoji="1" lang="ja-JP" altLang="en-US" smtClean="0"/>
-              <a:t>2025/8/11</a:t>
+              <a:t>2025/8/16</a:t>
             </a:fld>
             <a:endParaRPr kumimoji="1" lang="ja-JP" altLang="en-US"/>
           </a:p>
@@ -3193,7 +3199,7 @@
           <a:p>
             <a:fld id="{E19C4585-8E74-4D09-901E-7DCDB3F49738}" type="datetimeFigureOut">
               <a:rPr kumimoji="1" lang="ja-JP" altLang="en-US" smtClean="0"/>
-              <a:t>2025/8/11</a:t>
+              <a:t>2025/8/16</a:t>
             </a:fld>
             <a:endParaRPr kumimoji="1" lang="ja-JP" altLang="en-US"/>
           </a:p>
@@ -4081,293 +4087,1404 @@
           <a:chExt cx="0" cy="0"/>
         </a:xfrm>
       </p:grpSpPr>
-      <p:grpSp>
-        <p:nvGrpSpPr>
-          <p:cNvPr id="47" name="グループ化 46">
-            <a:extLst>
-              <a:ext uri="{FF2B5EF4-FFF2-40B4-BE49-F238E27FC236}">
-                <a16:creationId xmlns:a16="http://schemas.microsoft.com/office/drawing/2014/main" id="{9DC388E8-743F-7A4D-6C55-2A07AAF4A742}"/>
-              </a:ext>
-            </a:extLst>
-          </p:cNvPr>
-          <p:cNvGrpSpPr/>
+      <p:pic>
+        <p:nvPicPr>
+          <p:cNvPr id="41" name="図 40">
+            <a:extLst>
+              <a:ext uri="{FF2B5EF4-FFF2-40B4-BE49-F238E27FC236}">
+                <a16:creationId xmlns:a16="http://schemas.microsoft.com/office/drawing/2014/main" id="{D39645B4-E19D-FE12-9921-EE1CBFA1A59B}"/>
+              </a:ext>
+            </a:extLst>
+          </p:cNvPr>
+          <p:cNvPicPr>
+            <a:picLocks noChangeAspect="1"/>
+          </p:cNvPicPr>
           <p:nvPr/>
-        </p:nvGrpSpPr>
-        <p:grpSpPr>
+        </p:nvPicPr>
+        <p:blipFill>
+          <a:blip r:embed="rId2"/>
+          <a:stretch>
+            <a:fillRect/>
+          </a:stretch>
+        </p:blipFill>
+        <p:spPr>
+          <a:xfrm>
+            <a:off x="6717852" y="1956508"/>
+            <a:ext cx="4680737" cy="2944983"/>
+          </a:xfrm>
+          <a:prstGeom prst="rect">
+            <a:avLst/>
+          </a:prstGeom>
+        </p:spPr>
+      </p:pic>
+      <p:pic>
+        <p:nvPicPr>
+          <p:cNvPr id="42" name="図 41">
+            <a:extLst>
+              <a:ext uri="{FF2B5EF4-FFF2-40B4-BE49-F238E27FC236}">
+                <a16:creationId xmlns:a16="http://schemas.microsoft.com/office/drawing/2014/main" id="{A7A12BA2-E74D-9689-47AB-FA199183ACE5}"/>
+              </a:ext>
+            </a:extLst>
+          </p:cNvPr>
+          <p:cNvPicPr>
+            <a:picLocks noChangeAspect="1"/>
+          </p:cNvPicPr>
+          <p:nvPr/>
+        </p:nvPicPr>
+        <p:blipFill>
+          <a:blip r:embed="rId2"/>
+          <a:stretch>
+            <a:fillRect/>
+          </a:stretch>
+        </p:blipFill>
+        <p:spPr>
           <a:xfrm>
             <a:off x="793411" y="1891099"/>
-            <a:ext cx="10605178" cy="3010392"/>
-            <a:chOff x="793411" y="1891099"/>
-            <a:chExt cx="10605178" cy="3010392"/>
+            <a:ext cx="4680737" cy="2944983"/>
           </a:xfrm>
-        </p:grpSpPr>
-        <p:pic>
-          <p:nvPicPr>
-            <p:cNvPr id="41" name="図 40">
-              <a:extLst>
-                <a:ext uri="{FF2B5EF4-FFF2-40B4-BE49-F238E27FC236}">
-                  <a16:creationId xmlns:a16="http://schemas.microsoft.com/office/drawing/2014/main" id="{D39645B4-E19D-FE12-9921-EE1CBFA1A59B}"/>
-                </a:ext>
-              </a:extLst>
-            </p:cNvPr>
-            <p:cNvPicPr>
-              <a:picLocks noChangeAspect="1"/>
-            </p:cNvPicPr>
-            <p:nvPr/>
-          </p:nvPicPr>
-          <p:blipFill>
-            <a:blip r:embed="rId2"/>
-            <a:stretch>
-              <a:fillRect/>
-            </a:stretch>
-          </p:blipFill>
-          <p:spPr>
-            <a:xfrm>
-              <a:off x="6717852" y="1956508"/>
-              <a:ext cx="4680737" cy="2944983"/>
-            </a:xfrm>
-            <a:prstGeom prst="rect">
-              <a:avLst/>
-            </a:prstGeom>
-          </p:spPr>
-        </p:pic>
-        <p:pic>
-          <p:nvPicPr>
-            <p:cNvPr id="42" name="図 41">
-              <a:extLst>
-                <a:ext uri="{FF2B5EF4-FFF2-40B4-BE49-F238E27FC236}">
-                  <a16:creationId xmlns:a16="http://schemas.microsoft.com/office/drawing/2014/main" id="{A7A12BA2-E74D-9689-47AB-FA199183ACE5}"/>
-                </a:ext>
-              </a:extLst>
-            </p:cNvPr>
-            <p:cNvPicPr>
-              <a:picLocks noChangeAspect="1"/>
-            </p:cNvPicPr>
-            <p:nvPr/>
-          </p:nvPicPr>
-          <p:blipFill>
-            <a:blip r:embed="rId2"/>
-            <a:stretch>
-              <a:fillRect/>
-            </a:stretch>
-          </p:blipFill>
-          <p:spPr>
-            <a:xfrm>
-              <a:off x="793411" y="1891099"/>
-              <a:ext cx="4680737" cy="2944983"/>
-            </a:xfrm>
-            <a:prstGeom prst="rect">
-              <a:avLst/>
-            </a:prstGeom>
-          </p:spPr>
-        </p:pic>
-        <p:sp>
-          <p:nvSpPr>
-            <p:cNvPr id="43" name="矢印: 右 42">
-              <a:extLst>
-                <a:ext uri="{FF2B5EF4-FFF2-40B4-BE49-F238E27FC236}">
-                  <a16:creationId xmlns:a16="http://schemas.microsoft.com/office/drawing/2014/main" id="{EBE099C1-C92A-96F5-38CF-5A317135E90A}"/>
-                </a:ext>
-              </a:extLst>
-            </p:cNvPr>
-            <p:cNvSpPr/>
-            <p:nvPr/>
-          </p:nvSpPr>
-          <p:spPr>
-            <a:xfrm>
-              <a:off x="5876125" y="3208702"/>
-              <a:ext cx="439750" cy="440593"/>
-            </a:xfrm>
-            <a:prstGeom prst="rightArrow">
-              <a:avLst/>
-            </a:prstGeom>
-          </p:spPr>
-          <p:style>
-            <a:lnRef idx="2">
-              <a:schemeClr val="dk1">
-                <a:shade val="15000"/>
-              </a:schemeClr>
-            </a:lnRef>
-            <a:fillRef idx="1">
-              <a:schemeClr val="dk1"/>
-            </a:fillRef>
-            <a:effectRef idx="0">
-              <a:schemeClr val="dk1"/>
-            </a:effectRef>
-            <a:fontRef idx="minor">
-              <a:schemeClr val="lt1"/>
-            </a:fontRef>
-          </p:style>
-          <p:txBody>
-            <a:bodyPr rtlCol="0" anchor="ctr"/>
-            <a:lstStyle/>
-            <a:p>
-              <a:pPr algn="ctr"/>
-              <a:endParaRPr kumimoji="1" lang="ja-JP" altLang="en-US"/>
-            </a:p>
-          </p:txBody>
-        </p:sp>
-        <p:sp>
-          <p:nvSpPr>
-            <p:cNvPr id="44" name="楕円 43">
-              <a:extLst>
-                <a:ext uri="{FF2B5EF4-FFF2-40B4-BE49-F238E27FC236}">
-                  <a16:creationId xmlns:a16="http://schemas.microsoft.com/office/drawing/2014/main" id="{FED2FE45-CF81-BDC1-2C67-B13924E2E429}"/>
-                </a:ext>
-              </a:extLst>
-            </p:cNvPr>
-            <p:cNvSpPr/>
-            <p:nvPr/>
-          </p:nvSpPr>
-          <p:spPr>
-            <a:xfrm>
-              <a:off x="7210499" y="2457012"/>
-              <a:ext cx="1088904" cy="1319249"/>
-            </a:xfrm>
-            <a:prstGeom prst="ellipse">
-              <a:avLst/>
-            </a:prstGeom>
-            <a:noFill/>
-            <a:ln w="57150">
-              <a:solidFill>
-                <a:srgbClr val="00B050"/>
-              </a:solidFill>
-            </a:ln>
-          </p:spPr>
-          <p:style>
-            <a:lnRef idx="2">
-              <a:schemeClr val="accent1">
-                <a:shade val="15000"/>
-              </a:schemeClr>
-            </a:lnRef>
-            <a:fillRef idx="1">
-              <a:schemeClr val="accent1"/>
-            </a:fillRef>
-            <a:effectRef idx="0">
-              <a:schemeClr val="accent1"/>
-            </a:effectRef>
-            <a:fontRef idx="minor">
-              <a:schemeClr val="lt1"/>
-            </a:fontRef>
-          </p:style>
-          <p:txBody>
-            <a:bodyPr rtlCol="0" anchor="ctr"/>
-            <a:lstStyle/>
-            <a:p>
-              <a:pPr algn="ctr"/>
-              <a:endParaRPr kumimoji="1" lang="ja-JP" altLang="en-US"/>
-            </a:p>
-          </p:txBody>
-        </p:sp>
-        <p:sp>
-          <p:nvSpPr>
-            <p:cNvPr id="45" name="楕円 44">
-              <a:extLst>
-                <a:ext uri="{FF2B5EF4-FFF2-40B4-BE49-F238E27FC236}">
-                  <a16:creationId xmlns:a16="http://schemas.microsoft.com/office/drawing/2014/main" id="{A4358F44-0F1C-754D-6182-1DCFB6C7F44F}"/>
-                </a:ext>
-              </a:extLst>
-            </p:cNvPr>
-            <p:cNvSpPr/>
-            <p:nvPr/>
-          </p:nvSpPr>
-          <p:spPr>
-            <a:xfrm>
-              <a:off x="9304543" y="2457012"/>
-              <a:ext cx="1179645" cy="1319249"/>
-            </a:xfrm>
-            <a:prstGeom prst="ellipse">
-              <a:avLst/>
-            </a:prstGeom>
-            <a:noFill/>
-            <a:ln w="57150">
-              <a:solidFill>
-                <a:schemeClr val="accent4"/>
-              </a:solidFill>
-            </a:ln>
-          </p:spPr>
-          <p:style>
-            <a:lnRef idx="2">
-              <a:schemeClr val="accent1">
-                <a:shade val="15000"/>
-              </a:schemeClr>
-            </a:lnRef>
-            <a:fillRef idx="1">
-              <a:schemeClr val="accent1"/>
-            </a:fillRef>
-            <a:effectRef idx="0">
-              <a:schemeClr val="accent1"/>
-            </a:effectRef>
-            <a:fontRef idx="minor">
-              <a:schemeClr val="lt1"/>
-            </a:fontRef>
-          </p:style>
-          <p:txBody>
-            <a:bodyPr rtlCol="0" anchor="ctr"/>
-            <a:lstStyle/>
-            <a:p>
-              <a:pPr algn="ctr"/>
-              <a:endParaRPr kumimoji="1" lang="ja-JP" altLang="en-US"/>
-            </a:p>
-          </p:txBody>
-        </p:sp>
-        <p:sp>
-          <p:nvSpPr>
-            <p:cNvPr id="46" name="楕円 45">
-              <a:extLst>
-                <a:ext uri="{FF2B5EF4-FFF2-40B4-BE49-F238E27FC236}">
-                  <a16:creationId xmlns:a16="http://schemas.microsoft.com/office/drawing/2014/main" id="{DD98421A-A8E2-FB69-0B2C-6A12322DA745}"/>
-                </a:ext>
-              </a:extLst>
-            </p:cNvPr>
-            <p:cNvSpPr/>
-            <p:nvPr/>
-          </p:nvSpPr>
-          <p:spPr>
-            <a:xfrm rot="2324616">
-              <a:off x="8097061" y="3752696"/>
-              <a:ext cx="1314963" cy="1085691"/>
-            </a:xfrm>
-            <a:prstGeom prst="ellipse">
-              <a:avLst/>
-            </a:prstGeom>
-            <a:noFill/>
-            <a:ln w="57150">
-              <a:solidFill>
-                <a:srgbClr val="FF0000"/>
-              </a:solidFill>
-            </a:ln>
-          </p:spPr>
-          <p:style>
-            <a:lnRef idx="2">
-              <a:schemeClr val="accent1">
-                <a:shade val="15000"/>
-              </a:schemeClr>
-            </a:lnRef>
-            <a:fillRef idx="1">
-              <a:schemeClr val="accent1"/>
-            </a:fillRef>
-            <a:effectRef idx="0">
-              <a:schemeClr val="accent1"/>
-            </a:effectRef>
-            <a:fontRef idx="minor">
-              <a:schemeClr val="lt1"/>
-            </a:fontRef>
-          </p:style>
-          <p:txBody>
-            <a:bodyPr rtlCol="0" anchor="ctr"/>
-            <a:lstStyle/>
-            <a:p>
-              <a:pPr algn="ctr"/>
-              <a:endParaRPr kumimoji="1" lang="ja-JP" altLang="en-US"/>
-            </a:p>
-          </p:txBody>
-        </p:sp>
-      </p:grpSp>
+          <a:prstGeom prst="rect">
+            <a:avLst/>
+          </a:prstGeom>
+        </p:spPr>
+      </p:pic>
+      <p:sp>
+        <p:nvSpPr>
+          <p:cNvPr id="43" name="矢印: 右 42">
+            <a:extLst>
+              <a:ext uri="{FF2B5EF4-FFF2-40B4-BE49-F238E27FC236}">
+                <a16:creationId xmlns:a16="http://schemas.microsoft.com/office/drawing/2014/main" id="{EBE099C1-C92A-96F5-38CF-5A317135E90A}"/>
+              </a:ext>
+            </a:extLst>
+          </p:cNvPr>
+          <p:cNvSpPr/>
+          <p:nvPr/>
+        </p:nvSpPr>
+        <p:spPr>
+          <a:xfrm>
+            <a:off x="5876125" y="3208702"/>
+            <a:ext cx="439750" cy="440593"/>
+          </a:xfrm>
+          <a:prstGeom prst="rightArrow">
+            <a:avLst/>
+          </a:prstGeom>
+        </p:spPr>
+        <p:style>
+          <a:lnRef idx="2">
+            <a:schemeClr val="dk1">
+              <a:shade val="15000"/>
+            </a:schemeClr>
+          </a:lnRef>
+          <a:fillRef idx="1">
+            <a:schemeClr val="dk1"/>
+          </a:fillRef>
+          <a:effectRef idx="0">
+            <a:schemeClr val="dk1"/>
+          </a:effectRef>
+          <a:fontRef idx="minor">
+            <a:schemeClr val="lt1"/>
+          </a:fontRef>
+        </p:style>
+        <p:txBody>
+          <a:bodyPr rtlCol="0" anchor="ctr"/>
+          <a:lstStyle/>
+          <a:p>
+            <a:pPr algn="ctr"/>
+            <a:endParaRPr kumimoji="1" lang="ja-JP" altLang="en-US"/>
+          </a:p>
+        </p:txBody>
+      </p:sp>
+      <p:sp>
+        <p:nvSpPr>
+          <p:cNvPr id="44" name="楕円 43">
+            <a:extLst>
+              <a:ext uri="{FF2B5EF4-FFF2-40B4-BE49-F238E27FC236}">
+                <a16:creationId xmlns:a16="http://schemas.microsoft.com/office/drawing/2014/main" id="{FED2FE45-CF81-BDC1-2C67-B13924E2E429}"/>
+              </a:ext>
+            </a:extLst>
+          </p:cNvPr>
+          <p:cNvSpPr/>
+          <p:nvPr/>
+        </p:nvSpPr>
+        <p:spPr>
+          <a:xfrm>
+            <a:off x="7210499" y="2457012"/>
+            <a:ext cx="1088904" cy="1319249"/>
+          </a:xfrm>
+          <a:prstGeom prst="ellipse">
+            <a:avLst/>
+          </a:prstGeom>
+          <a:noFill/>
+          <a:ln w="57150">
+            <a:solidFill>
+              <a:srgbClr val="00B050"/>
+            </a:solidFill>
+          </a:ln>
+        </p:spPr>
+        <p:style>
+          <a:lnRef idx="2">
+            <a:schemeClr val="accent1">
+              <a:shade val="15000"/>
+            </a:schemeClr>
+          </a:lnRef>
+          <a:fillRef idx="1">
+            <a:schemeClr val="accent1"/>
+          </a:fillRef>
+          <a:effectRef idx="0">
+            <a:schemeClr val="accent1"/>
+          </a:effectRef>
+          <a:fontRef idx="minor">
+            <a:schemeClr val="lt1"/>
+          </a:fontRef>
+        </p:style>
+        <p:txBody>
+          <a:bodyPr rtlCol="0" anchor="ctr"/>
+          <a:lstStyle/>
+          <a:p>
+            <a:pPr algn="ctr"/>
+            <a:endParaRPr kumimoji="1" lang="ja-JP" altLang="en-US"/>
+          </a:p>
+        </p:txBody>
+      </p:sp>
+      <p:sp>
+        <p:nvSpPr>
+          <p:cNvPr id="45" name="楕円 44">
+            <a:extLst>
+              <a:ext uri="{FF2B5EF4-FFF2-40B4-BE49-F238E27FC236}">
+                <a16:creationId xmlns:a16="http://schemas.microsoft.com/office/drawing/2014/main" id="{A4358F44-0F1C-754D-6182-1DCFB6C7F44F}"/>
+              </a:ext>
+            </a:extLst>
+          </p:cNvPr>
+          <p:cNvSpPr/>
+          <p:nvPr/>
+        </p:nvSpPr>
+        <p:spPr>
+          <a:xfrm>
+            <a:off x="9304543" y="2457012"/>
+            <a:ext cx="1179645" cy="1319249"/>
+          </a:xfrm>
+          <a:prstGeom prst="ellipse">
+            <a:avLst/>
+          </a:prstGeom>
+          <a:noFill/>
+          <a:ln w="57150">
+            <a:solidFill>
+              <a:schemeClr val="accent4"/>
+            </a:solidFill>
+          </a:ln>
+        </p:spPr>
+        <p:style>
+          <a:lnRef idx="2">
+            <a:schemeClr val="accent1">
+              <a:shade val="15000"/>
+            </a:schemeClr>
+          </a:lnRef>
+          <a:fillRef idx="1">
+            <a:schemeClr val="accent1"/>
+          </a:fillRef>
+          <a:effectRef idx="0">
+            <a:schemeClr val="accent1"/>
+          </a:effectRef>
+          <a:fontRef idx="minor">
+            <a:schemeClr val="lt1"/>
+          </a:fontRef>
+        </p:style>
+        <p:txBody>
+          <a:bodyPr rtlCol="0" anchor="ctr"/>
+          <a:lstStyle/>
+          <a:p>
+            <a:pPr algn="ctr"/>
+            <a:endParaRPr kumimoji="1" lang="ja-JP" altLang="en-US"/>
+          </a:p>
+        </p:txBody>
+      </p:sp>
+      <p:sp>
+        <p:nvSpPr>
+          <p:cNvPr id="46" name="楕円 45">
+            <a:extLst>
+              <a:ext uri="{FF2B5EF4-FFF2-40B4-BE49-F238E27FC236}">
+                <a16:creationId xmlns:a16="http://schemas.microsoft.com/office/drawing/2014/main" id="{DD98421A-A8E2-FB69-0B2C-6A12322DA745}"/>
+              </a:ext>
+            </a:extLst>
+          </p:cNvPr>
+          <p:cNvSpPr/>
+          <p:nvPr/>
+        </p:nvSpPr>
+        <p:spPr>
+          <a:xfrm rot="2324616">
+            <a:off x="8097061" y="3752696"/>
+            <a:ext cx="1314963" cy="1085691"/>
+          </a:xfrm>
+          <a:prstGeom prst="ellipse">
+            <a:avLst/>
+          </a:prstGeom>
+          <a:noFill/>
+          <a:ln w="57150">
+            <a:solidFill>
+              <a:srgbClr val="FF0000"/>
+            </a:solidFill>
+          </a:ln>
+        </p:spPr>
+        <p:style>
+          <a:lnRef idx="2">
+            <a:schemeClr val="accent1">
+              <a:shade val="15000"/>
+            </a:schemeClr>
+          </a:lnRef>
+          <a:fillRef idx="1">
+            <a:schemeClr val="accent1"/>
+          </a:fillRef>
+          <a:effectRef idx="0">
+            <a:schemeClr val="accent1"/>
+          </a:effectRef>
+          <a:fontRef idx="minor">
+            <a:schemeClr val="lt1"/>
+          </a:fontRef>
+        </p:style>
+        <p:txBody>
+          <a:bodyPr rtlCol="0" anchor="ctr"/>
+          <a:lstStyle/>
+          <a:p>
+            <a:pPr algn="ctr"/>
+            <a:endParaRPr kumimoji="1" lang="ja-JP" altLang="en-US"/>
+          </a:p>
+        </p:txBody>
+      </p:sp>
     </p:spTree>
     <p:extLst>
       <p:ext uri="{BB962C8B-B14F-4D97-AF65-F5344CB8AC3E}">
         <p14:creationId xmlns:p14="http://schemas.microsoft.com/office/powerpoint/2010/main" val="3115592415"/>
+      </p:ext>
+    </p:extLst>
+  </p:cSld>
+  <p:clrMapOvr>
+    <a:masterClrMapping/>
+  </p:clrMapOvr>
+</p:sld>
+</file>
+
+<file path=ppt/slides/slide3.xml><?xml version="1.0" encoding="utf-8"?>
+<p:sld xmlns:a="http://schemas.openxmlformats.org/drawingml/2006/main" xmlns:r="http://schemas.openxmlformats.org/officeDocument/2006/relationships" xmlns:p="http://schemas.openxmlformats.org/presentationml/2006/main">
+  <p:cSld>
+    <p:spTree>
+      <p:nvGrpSpPr>
+        <p:cNvPr id="1" name=""/>
+        <p:cNvGrpSpPr/>
+        <p:nvPr/>
+      </p:nvGrpSpPr>
+      <p:grpSpPr>
+        <a:xfrm>
+          <a:off x="0" y="0"/>
+          <a:ext cx="0" cy="0"/>
+          <a:chOff x="0" y="0"/>
+          <a:chExt cx="0" cy="0"/>
+        </a:xfrm>
+      </p:grpSpPr>
+      <p:cxnSp>
+        <p:nvCxnSpPr>
+          <p:cNvPr id="3" name="直線矢印コネクタ 2">
+            <a:extLst>
+              <a:ext uri="{FF2B5EF4-FFF2-40B4-BE49-F238E27FC236}">
+                <a16:creationId xmlns:a16="http://schemas.microsoft.com/office/drawing/2014/main" id="{F02B36C5-A2CD-F01E-9DB3-72746AA9F329}"/>
+              </a:ext>
+            </a:extLst>
+          </p:cNvPr>
+          <p:cNvCxnSpPr>
+            <a:cxnSpLocks/>
+          </p:cNvCxnSpPr>
+          <p:nvPr/>
+        </p:nvCxnSpPr>
+        <p:spPr>
+          <a:xfrm>
+            <a:off x="739896" y="5186254"/>
+            <a:ext cx="4285814" cy="0"/>
+          </a:xfrm>
+          <a:prstGeom prst="straightConnector1">
+            <a:avLst/>
+          </a:prstGeom>
+          <a:ln w="19050">
+            <a:tailEnd type="triangle"/>
+          </a:ln>
+        </p:spPr>
+        <p:style>
+          <a:lnRef idx="1">
+            <a:schemeClr val="dk1"/>
+          </a:lnRef>
+          <a:fillRef idx="0">
+            <a:schemeClr val="dk1"/>
+          </a:fillRef>
+          <a:effectRef idx="0">
+            <a:schemeClr val="dk1"/>
+          </a:effectRef>
+          <a:fontRef idx="minor">
+            <a:schemeClr val="tx1"/>
+          </a:fontRef>
+        </p:style>
+      </p:cxnSp>
+      <p:cxnSp>
+        <p:nvCxnSpPr>
+          <p:cNvPr id="6" name="直線矢印コネクタ 5">
+            <a:extLst>
+              <a:ext uri="{FF2B5EF4-FFF2-40B4-BE49-F238E27FC236}">
+                <a16:creationId xmlns:a16="http://schemas.microsoft.com/office/drawing/2014/main" id="{46BA5A33-0267-D86B-A153-E61E334C0E18}"/>
+              </a:ext>
+            </a:extLst>
+          </p:cNvPr>
+          <p:cNvCxnSpPr>
+            <a:cxnSpLocks/>
+          </p:cNvCxnSpPr>
+          <p:nvPr/>
+        </p:nvCxnSpPr>
+        <p:spPr>
+          <a:xfrm flipV="1">
+            <a:off x="850415" y="2268549"/>
+            <a:ext cx="0" cy="3063124"/>
+          </a:xfrm>
+          <a:prstGeom prst="straightConnector1">
+            <a:avLst/>
+          </a:prstGeom>
+          <a:ln w="19050">
+            <a:tailEnd type="triangle"/>
+          </a:ln>
+        </p:spPr>
+        <p:style>
+          <a:lnRef idx="1">
+            <a:schemeClr val="dk1"/>
+          </a:lnRef>
+          <a:fillRef idx="0">
+            <a:schemeClr val="dk1"/>
+          </a:fillRef>
+          <a:effectRef idx="0">
+            <a:schemeClr val="dk1"/>
+          </a:effectRef>
+          <a:fontRef idx="minor">
+            <a:schemeClr val="tx1"/>
+          </a:fontRef>
+        </p:style>
+      </p:cxnSp>
+      <p:sp>
+        <p:nvSpPr>
+          <p:cNvPr id="9" name="楕円 8">
+            <a:extLst>
+              <a:ext uri="{FF2B5EF4-FFF2-40B4-BE49-F238E27FC236}">
+                <a16:creationId xmlns:a16="http://schemas.microsoft.com/office/drawing/2014/main" id="{79724C2C-4B82-78AC-E5FE-FBA3A4B91C51}"/>
+              </a:ext>
+            </a:extLst>
+          </p:cNvPr>
+          <p:cNvSpPr/>
+          <p:nvPr/>
+        </p:nvSpPr>
+        <p:spPr>
+          <a:xfrm>
+            <a:off x="1877661" y="3043346"/>
+            <a:ext cx="180000" cy="180000"/>
+          </a:xfrm>
+          <a:prstGeom prst="ellipse">
+            <a:avLst/>
+          </a:prstGeom>
+          <a:ln>
+            <a:noFill/>
+          </a:ln>
+        </p:spPr>
+        <p:style>
+          <a:lnRef idx="2">
+            <a:schemeClr val="accent1">
+              <a:shade val="15000"/>
+            </a:schemeClr>
+          </a:lnRef>
+          <a:fillRef idx="1">
+            <a:schemeClr val="accent1"/>
+          </a:fillRef>
+          <a:effectRef idx="0">
+            <a:schemeClr val="accent1"/>
+          </a:effectRef>
+          <a:fontRef idx="minor">
+            <a:schemeClr val="lt1"/>
+          </a:fontRef>
+        </p:style>
+        <p:txBody>
+          <a:bodyPr rtlCol="0" anchor="ctr"/>
+          <a:lstStyle/>
+          <a:p>
+            <a:pPr algn="ctr"/>
+            <a:endParaRPr kumimoji="1" lang="ja-JP" altLang="en-US"/>
+          </a:p>
+        </p:txBody>
+      </p:sp>
+      <p:sp>
+        <p:nvSpPr>
+          <p:cNvPr id="10" name="楕円 9">
+            <a:extLst>
+              <a:ext uri="{FF2B5EF4-FFF2-40B4-BE49-F238E27FC236}">
+                <a16:creationId xmlns:a16="http://schemas.microsoft.com/office/drawing/2014/main" id="{6D097CEE-276B-5760-63B2-CB61232A9FEB}"/>
+              </a:ext>
+            </a:extLst>
+          </p:cNvPr>
+          <p:cNvSpPr/>
+          <p:nvPr/>
+        </p:nvSpPr>
+        <p:spPr>
+          <a:xfrm>
+            <a:off x="1450709" y="4375392"/>
+            <a:ext cx="180000" cy="180000"/>
+          </a:xfrm>
+          <a:prstGeom prst="ellipse">
+            <a:avLst/>
+          </a:prstGeom>
+          <a:ln>
+            <a:noFill/>
+          </a:ln>
+        </p:spPr>
+        <p:style>
+          <a:lnRef idx="2">
+            <a:schemeClr val="accent1">
+              <a:shade val="15000"/>
+            </a:schemeClr>
+          </a:lnRef>
+          <a:fillRef idx="1">
+            <a:schemeClr val="accent1"/>
+          </a:fillRef>
+          <a:effectRef idx="0">
+            <a:schemeClr val="accent1"/>
+          </a:effectRef>
+          <a:fontRef idx="minor">
+            <a:schemeClr val="lt1"/>
+          </a:fontRef>
+        </p:style>
+        <p:txBody>
+          <a:bodyPr rtlCol="0" anchor="ctr"/>
+          <a:lstStyle/>
+          <a:p>
+            <a:pPr algn="ctr"/>
+            <a:endParaRPr kumimoji="1" lang="ja-JP" altLang="en-US"/>
+          </a:p>
+        </p:txBody>
+      </p:sp>
+      <p:sp>
+        <p:nvSpPr>
+          <p:cNvPr id="11" name="楕円 10">
+            <a:extLst>
+              <a:ext uri="{FF2B5EF4-FFF2-40B4-BE49-F238E27FC236}">
+                <a16:creationId xmlns:a16="http://schemas.microsoft.com/office/drawing/2014/main" id="{F4C4D390-1AC7-2911-A9DE-00C7377BEFBF}"/>
+              </a:ext>
+            </a:extLst>
+          </p:cNvPr>
+          <p:cNvSpPr/>
+          <p:nvPr/>
+        </p:nvSpPr>
+        <p:spPr>
+          <a:xfrm>
+            <a:off x="2397261" y="3973452"/>
+            <a:ext cx="180000" cy="180000"/>
+          </a:xfrm>
+          <a:prstGeom prst="ellipse">
+            <a:avLst/>
+          </a:prstGeom>
+          <a:ln>
+            <a:noFill/>
+          </a:ln>
+        </p:spPr>
+        <p:style>
+          <a:lnRef idx="2">
+            <a:schemeClr val="accent1">
+              <a:shade val="15000"/>
+            </a:schemeClr>
+          </a:lnRef>
+          <a:fillRef idx="1">
+            <a:schemeClr val="accent1"/>
+          </a:fillRef>
+          <a:effectRef idx="0">
+            <a:schemeClr val="accent1"/>
+          </a:effectRef>
+          <a:fontRef idx="minor">
+            <a:schemeClr val="lt1"/>
+          </a:fontRef>
+        </p:style>
+        <p:txBody>
+          <a:bodyPr rtlCol="0" anchor="ctr"/>
+          <a:lstStyle/>
+          <a:p>
+            <a:pPr algn="ctr"/>
+            <a:endParaRPr kumimoji="1" lang="ja-JP" altLang="en-US"/>
+          </a:p>
+        </p:txBody>
+      </p:sp>
+      <p:sp>
+        <p:nvSpPr>
+          <p:cNvPr id="12" name="楕円 11">
+            <a:extLst>
+              <a:ext uri="{FF2B5EF4-FFF2-40B4-BE49-F238E27FC236}">
+                <a16:creationId xmlns:a16="http://schemas.microsoft.com/office/drawing/2014/main" id="{5AA1B68F-EBDA-CF7B-F6E8-250428C22A75}"/>
+              </a:ext>
+            </a:extLst>
+          </p:cNvPr>
+          <p:cNvSpPr/>
+          <p:nvPr/>
+        </p:nvSpPr>
+        <p:spPr>
+          <a:xfrm>
+            <a:off x="4124107" y="2863346"/>
+            <a:ext cx="180000" cy="180000"/>
+          </a:xfrm>
+          <a:prstGeom prst="ellipse">
+            <a:avLst/>
+          </a:prstGeom>
+          <a:ln>
+            <a:noFill/>
+          </a:ln>
+        </p:spPr>
+        <p:style>
+          <a:lnRef idx="2">
+            <a:schemeClr val="accent1">
+              <a:shade val="15000"/>
+            </a:schemeClr>
+          </a:lnRef>
+          <a:fillRef idx="1">
+            <a:schemeClr val="accent1"/>
+          </a:fillRef>
+          <a:effectRef idx="0">
+            <a:schemeClr val="accent1"/>
+          </a:effectRef>
+          <a:fontRef idx="minor">
+            <a:schemeClr val="lt1"/>
+          </a:fontRef>
+        </p:style>
+        <p:txBody>
+          <a:bodyPr rtlCol="0" anchor="ctr"/>
+          <a:lstStyle/>
+          <a:p>
+            <a:pPr algn="ctr"/>
+            <a:endParaRPr kumimoji="1" lang="ja-JP" altLang="en-US"/>
+          </a:p>
+        </p:txBody>
+      </p:sp>
+      <p:sp>
+        <p:nvSpPr>
+          <p:cNvPr id="13" name="楕円 12">
+            <a:extLst>
+              <a:ext uri="{FF2B5EF4-FFF2-40B4-BE49-F238E27FC236}">
+                <a16:creationId xmlns:a16="http://schemas.microsoft.com/office/drawing/2014/main" id="{24F88A9B-BE19-D2B7-BD6A-E96DC7B11A1E}"/>
+              </a:ext>
+            </a:extLst>
+          </p:cNvPr>
+          <p:cNvSpPr/>
+          <p:nvPr/>
+        </p:nvSpPr>
+        <p:spPr>
+          <a:xfrm>
+            <a:off x="2882803" y="3339000"/>
+            <a:ext cx="180000" cy="180000"/>
+          </a:xfrm>
+          <a:prstGeom prst="ellipse">
+            <a:avLst/>
+          </a:prstGeom>
+          <a:solidFill>
+            <a:srgbClr val="FF0000"/>
+          </a:solidFill>
+          <a:ln>
+            <a:noFill/>
+          </a:ln>
+        </p:spPr>
+        <p:style>
+          <a:lnRef idx="2">
+            <a:schemeClr val="accent1">
+              <a:shade val="15000"/>
+            </a:schemeClr>
+          </a:lnRef>
+          <a:fillRef idx="1">
+            <a:schemeClr val="accent1"/>
+          </a:fillRef>
+          <a:effectRef idx="0">
+            <a:schemeClr val="accent1"/>
+          </a:effectRef>
+          <a:fontRef idx="minor">
+            <a:schemeClr val="lt1"/>
+          </a:fontRef>
+        </p:style>
+        <p:txBody>
+          <a:bodyPr rtlCol="0" anchor="ctr"/>
+          <a:lstStyle/>
+          <a:p>
+            <a:pPr algn="ctr"/>
+            <a:endParaRPr kumimoji="1" lang="ja-JP" altLang="en-US"/>
+          </a:p>
+        </p:txBody>
+      </p:sp>
+      <p:sp>
+        <p:nvSpPr>
+          <p:cNvPr id="14" name="楕円 13">
+            <a:extLst>
+              <a:ext uri="{FF2B5EF4-FFF2-40B4-BE49-F238E27FC236}">
+                <a16:creationId xmlns:a16="http://schemas.microsoft.com/office/drawing/2014/main" id="{A747B895-B33A-53B4-FF46-2382D9598BBA}"/>
+              </a:ext>
+            </a:extLst>
+          </p:cNvPr>
+          <p:cNvSpPr/>
+          <p:nvPr/>
+        </p:nvSpPr>
+        <p:spPr>
+          <a:xfrm>
+            <a:off x="3663416" y="4465392"/>
+            <a:ext cx="180000" cy="180000"/>
+          </a:xfrm>
+          <a:prstGeom prst="ellipse">
+            <a:avLst/>
+          </a:prstGeom>
+          <a:ln>
+            <a:noFill/>
+          </a:ln>
+        </p:spPr>
+        <p:style>
+          <a:lnRef idx="2">
+            <a:schemeClr val="accent1">
+              <a:shade val="15000"/>
+            </a:schemeClr>
+          </a:lnRef>
+          <a:fillRef idx="1">
+            <a:schemeClr val="accent1"/>
+          </a:fillRef>
+          <a:effectRef idx="0">
+            <a:schemeClr val="accent1"/>
+          </a:effectRef>
+          <a:fontRef idx="minor">
+            <a:schemeClr val="lt1"/>
+          </a:fontRef>
+        </p:style>
+        <p:txBody>
+          <a:bodyPr rtlCol="0" anchor="ctr"/>
+          <a:lstStyle/>
+          <a:p>
+            <a:pPr algn="ctr"/>
+            <a:endParaRPr kumimoji="1" lang="ja-JP" altLang="en-US"/>
+          </a:p>
+        </p:txBody>
+      </p:sp>
+      <p:cxnSp>
+        <p:nvCxnSpPr>
+          <p:cNvPr id="16" name="直線矢印コネクタ 15">
+            <a:extLst>
+              <a:ext uri="{FF2B5EF4-FFF2-40B4-BE49-F238E27FC236}">
+                <a16:creationId xmlns:a16="http://schemas.microsoft.com/office/drawing/2014/main" id="{89B6299C-6028-5C90-EE49-EEB983A634C6}"/>
+              </a:ext>
+            </a:extLst>
+          </p:cNvPr>
+          <p:cNvCxnSpPr>
+            <a:cxnSpLocks/>
+          </p:cNvCxnSpPr>
+          <p:nvPr/>
+        </p:nvCxnSpPr>
+        <p:spPr>
+          <a:xfrm>
+            <a:off x="6750128" y="5186254"/>
+            <a:ext cx="4285814" cy="0"/>
+          </a:xfrm>
+          <a:prstGeom prst="straightConnector1">
+            <a:avLst/>
+          </a:prstGeom>
+          <a:ln w="19050">
+            <a:tailEnd type="triangle"/>
+          </a:ln>
+        </p:spPr>
+        <p:style>
+          <a:lnRef idx="1">
+            <a:schemeClr val="dk1"/>
+          </a:lnRef>
+          <a:fillRef idx="0">
+            <a:schemeClr val="dk1"/>
+          </a:fillRef>
+          <a:effectRef idx="0">
+            <a:schemeClr val="dk1"/>
+          </a:effectRef>
+          <a:fontRef idx="minor">
+            <a:schemeClr val="tx1"/>
+          </a:fontRef>
+        </p:style>
+      </p:cxnSp>
+      <p:cxnSp>
+        <p:nvCxnSpPr>
+          <p:cNvPr id="17" name="直線矢印コネクタ 16">
+            <a:extLst>
+              <a:ext uri="{FF2B5EF4-FFF2-40B4-BE49-F238E27FC236}">
+                <a16:creationId xmlns:a16="http://schemas.microsoft.com/office/drawing/2014/main" id="{D62017BA-3297-AFAE-37BD-F158584EE17F}"/>
+              </a:ext>
+            </a:extLst>
+          </p:cNvPr>
+          <p:cNvCxnSpPr>
+            <a:cxnSpLocks/>
+          </p:cNvCxnSpPr>
+          <p:nvPr/>
+        </p:nvCxnSpPr>
+        <p:spPr>
+          <a:xfrm flipV="1">
+            <a:off x="6860647" y="2268549"/>
+            <a:ext cx="0" cy="3063124"/>
+          </a:xfrm>
+          <a:prstGeom prst="straightConnector1">
+            <a:avLst/>
+          </a:prstGeom>
+          <a:ln w="19050">
+            <a:tailEnd type="triangle"/>
+          </a:ln>
+        </p:spPr>
+        <p:style>
+          <a:lnRef idx="1">
+            <a:schemeClr val="dk1"/>
+          </a:lnRef>
+          <a:fillRef idx="0">
+            <a:schemeClr val="dk1"/>
+          </a:fillRef>
+          <a:effectRef idx="0">
+            <a:schemeClr val="dk1"/>
+          </a:effectRef>
+          <a:fontRef idx="minor">
+            <a:schemeClr val="tx1"/>
+          </a:fontRef>
+        </p:style>
+      </p:cxnSp>
+      <p:sp>
+        <p:nvSpPr>
+          <p:cNvPr id="18" name="楕円 17">
+            <a:extLst>
+              <a:ext uri="{FF2B5EF4-FFF2-40B4-BE49-F238E27FC236}">
+                <a16:creationId xmlns:a16="http://schemas.microsoft.com/office/drawing/2014/main" id="{55E968DF-695C-2B1C-063D-C8B322B0D9F7}"/>
+              </a:ext>
+            </a:extLst>
+          </p:cNvPr>
+          <p:cNvSpPr/>
+          <p:nvPr/>
+        </p:nvSpPr>
+        <p:spPr>
+          <a:xfrm>
+            <a:off x="7887893" y="3043346"/>
+            <a:ext cx="180000" cy="180000"/>
+          </a:xfrm>
+          <a:prstGeom prst="ellipse">
+            <a:avLst/>
+          </a:prstGeom>
+          <a:ln>
+            <a:noFill/>
+          </a:ln>
+        </p:spPr>
+        <p:style>
+          <a:lnRef idx="2">
+            <a:schemeClr val="accent1">
+              <a:shade val="15000"/>
+            </a:schemeClr>
+          </a:lnRef>
+          <a:fillRef idx="1">
+            <a:schemeClr val="accent1"/>
+          </a:fillRef>
+          <a:effectRef idx="0">
+            <a:schemeClr val="accent1"/>
+          </a:effectRef>
+          <a:fontRef idx="minor">
+            <a:schemeClr val="lt1"/>
+          </a:fontRef>
+        </p:style>
+        <p:txBody>
+          <a:bodyPr rtlCol="0" anchor="ctr"/>
+          <a:lstStyle/>
+          <a:p>
+            <a:pPr algn="ctr"/>
+            <a:endParaRPr kumimoji="1" lang="ja-JP" altLang="en-US"/>
+          </a:p>
+        </p:txBody>
+      </p:sp>
+      <p:sp>
+        <p:nvSpPr>
+          <p:cNvPr id="19" name="楕円 18">
+            <a:extLst>
+              <a:ext uri="{FF2B5EF4-FFF2-40B4-BE49-F238E27FC236}">
+                <a16:creationId xmlns:a16="http://schemas.microsoft.com/office/drawing/2014/main" id="{027708A2-D68F-86C9-905E-47B780CF3F7D}"/>
+              </a:ext>
+            </a:extLst>
+          </p:cNvPr>
+          <p:cNvSpPr/>
+          <p:nvPr/>
+        </p:nvSpPr>
+        <p:spPr>
+          <a:xfrm>
+            <a:off x="7460941" y="4375392"/>
+            <a:ext cx="180000" cy="180000"/>
+          </a:xfrm>
+          <a:prstGeom prst="ellipse">
+            <a:avLst/>
+          </a:prstGeom>
+          <a:ln>
+            <a:noFill/>
+          </a:ln>
+        </p:spPr>
+        <p:style>
+          <a:lnRef idx="2">
+            <a:schemeClr val="accent1">
+              <a:shade val="15000"/>
+            </a:schemeClr>
+          </a:lnRef>
+          <a:fillRef idx="1">
+            <a:schemeClr val="accent1"/>
+          </a:fillRef>
+          <a:effectRef idx="0">
+            <a:schemeClr val="accent1"/>
+          </a:effectRef>
+          <a:fontRef idx="minor">
+            <a:schemeClr val="lt1"/>
+          </a:fontRef>
+        </p:style>
+        <p:txBody>
+          <a:bodyPr rtlCol="0" anchor="ctr"/>
+          <a:lstStyle/>
+          <a:p>
+            <a:pPr algn="ctr"/>
+            <a:endParaRPr kumimoji="1" lang="ja-JP" altLang="en-US"/>
+          </a:p>
+        </p:txBody>
+      </p:sp>
+      <p:sp>
+        <p:nvSpPr>
+          <p:cNvPr id="20" name="楕円 19">
+            <a:extLst>
+              <a:ext uri="{FF2B5EF4-FFF2-40B4-BE49-F238E27FC236}">
+                <a16:creationId xmlns:a16="http://schemas.microsoft.com/office/drawing/2014/main" id="{F4B22A5F-0322-CA96-A19D-3528D0FC9CA2}"/>
+              </a:ext>
+            </a:extLst>
+          </p:cNvPr>
+          <p:cNvSpPr/>
+          <p:nvPr/>
+        </p:nvSpPr>
+        <p:spPr>
+          <a:xfrm>
+            <a:off x="8407493" y="3973452"/>
+            <a:ext cx="180000" cy="180000"/>
+          </a:xfrm>
+          <a:prstGeom prst="ellipse">
+            <a:avLst/>
+          </a:prstGeom>
+          <a:ln>
+            <a:noFill/>
+          </a:ln>
+        </p:spPr>
+        <p:style>
+          <a:lnRef idx="2">
+            <a:schemeClr val="accent1">
+              <a:shade val="15000"/>
+            </a:schemeClr>
+          </a:lnRef>
+          <a:fillRef idx="1">
+            <a:schemeClr val="accent1"/>
+          </a:fillRef>
+          <a:effectRef idx="0">
+            <a:schemeClr val="accent1"/>
+          </a:effectRef>
+          <a:fontRef idx="minor">
+            <a:schemeClr val="lt1"/>
+          </a:fontRef>
+        </p:style>
+        <p:txBody>
+          <a:bodyPr rtlCol="0" anchor="ctr"/>
+          <a:lstStyle/>
+          <a:p>
+            <a:pPr algn="ctr"/>
+            <a:endParaRPr kumimoji="1" lang="ja-JP" altLang="en-US"/>
+          </a:p>
+        </p:txBody>
+      </p:sp>
+      <p:sp>
+        <p:nvSpPr>
+          <p:cNvPr id="21" name="楕円 20">
+            <a:extLst>
+              <a:ext uri="{FF2B5EF4-FFF2-40B4-BE49-F238E27FC236}">
+                <a16:creationId xmlns:a16="http://schemas.microsoft.com/office/drawing/2014/main" id="{9D7B4CA6-6848-8D89-17C3-2D9872704C75}"/>
+              </a:ext>
+            </a:extLst>
+          </p:cNvPr>
+          <p:cNvSpPr/>
+          <p:nvPr/>
+        </p:nvSpPr>
+        <p:spPr>
+          <a:xfrm>
+            <a:off x="10134339" y="2863346"/>
+            <a:ext cx="180000" cy="180000"/>
+          </a:xfrm>
+          <a:prstGeom prst="ellipse">
+            <a:avLst/>
+          </a:prstGeom>
+          <a:ln>
+            <a:noFill/>
+          </a:ln>
+        </p:spPr>
+        <p:style>
+          <a:lnRef idx="2">
+            <a:schemeClr val="accent1">
+              <a:shade val="15000"/>
+            </a:schemeClr>
+          </a:lnRef>
+          <a:fillRef idx="1">
+            <a:schemeClr val="accent1"/>
+          </a:fillRef>
+          <a:effectRef idx="0">
+            <a:schemeClr val="accent1"/>
+          </a:effectRef>
+          <a:fontRef idx="minor">
+            <a:schemeClr val="lt1"/>
+          </a:fontRef>
+        </p:style>
+        <p:txBody>
+          <a:bodyPr rtlCol="0" anchor="ctr"/>
+          <a:lstStyle/>
+          <a:p>
+            <a:pPr algn="ctr"/>
+            <a:endParaRPr kumimoji="1" lang="ja-JP" altLang="en-US"/>
+          </a:p>
+        </p:txBody>
+      </p:sp>
+      <p:sp>
+        <p:nvSpPr>
+          <p:cNvPr id="22" name="楕円 21">
+            <a:extLst>
+              <a:ext uri="{FF2B5EF4-FFF2-40B4-BE49-F238E27FC236}">
+                <a16:creationId xmlns:a16="http://schemas.microsoft.com/office/drawing/2014/main" id="{30C4DA3F-C364-0992-D927-30EEA94EA019}"/>
+              </a:ext>
+            </a:extLst>
+          </p:cNvPr>
+          <p:cNvSpPr/>
+          <p:nvPr/>
+        </p:nvSpPr>
+        <p:spPr>
+          <a:xfrm>
+            <a:off x="8893035" y="3339000"/>
+            <a:ext cx="180000" cy="180000"/>
+          </a:xfrm>
+          <a:prstGeom prst="ellipse">
+            <a:avLst/>
+          </a:prstGeom>
+          <a:ln>
+            <a:noFill/>
+          </a:ln>
+        </p:spPr>
+        <p:style>
+          <a:lnRef idx="2">
+            <a:schemeClr val="accent1">
+              <a:shade val="15000"/>
+            </a:schemeClr>
+          </a:lnRef>
+          <a:fillRef idx="1">
+            <a:schemeClr val="accent1"/>
+          </a:fillRef>
+          <a:effectRef idx="0">
+            <a:schemeClr val="accent1"/>
+          </a:effectRef>
+          <a:fontRef idx="minor">
+            <a:schemeClr val="lt1"/>
+          </a:fontRef>
+        </p:style>
+        <p:txBody>
+          <a:bodyPr rtlCol="0" anchor="ctr"/>
+          <a:lstStyle/>
+          <a:p>
+            <a:pPr algn="ctr"/>
+            <a:endParaRPr kumimoji="1" lang="ja-JP" altLang="en-US"/>
+          </a:p>
+        </p:txBody>
+      </p:sp>
+      <p:sp>
+        <p:nvSpPr>
+          <p:cNvPr id="23" name="楕円 22">
+            <a:extLst>
+              <a:ext uri="{FF2B5EF4-FFF2-40B4-BE49-F238E27FC236}">
+                <a16:creationId xmlns:a16="http://schemas.microsoft.com/office/drawing/2014/main" id="{7E5E7862-0795-6B3B-11E8-4AD72199242C}"/>
+              </a:ext>
+            </a:extLst>
+          </p:cNvPr>
+          <p:cNvSpPr/>
+          <p:nvPr/>
+        </p:nvSpPr>
+        <p:spPr>
+          <a:xfrm>
+            <a:off x="9673648" y="4465392"/>
+            <a:ext cx="180000" cy="180000"/>
+          </a:xfrm>
+          <a:prstGeom prst="ellipse">
+            <a:avLst/>
+          </a:prstGeom>
+          <a:ln>
+            <a:noFill/>
+          </a:ln>
+        </p:spPr>
+        <p:style>
+          <a:lnRef idx="2">
+            <a:schemeClr val="accent1">
+              <a:shade val="15000"/>
+            </a:schemeClr>
+          </a:lnRef>
+          <a:fillRef idx="1">
+            <a:schemeClr val="accent1"/>
+          </a:fillRef>
+          <a:effectRef idx="0">
+            <a:schemeClr val="accent1"/>
+          </a:effectRef>
+          <a:fontRef idx="minor">
+            <a:schemeClr val="lt1"/>
+          </a:fontRef>
+        </p:style>
+        <p:txBody>
+          <a:bodyPr rtlCol="0" anchor="ctr"/>
+          <a:lstStyle/>
+          <a:p>
+            <a:pPr algn="ctr"/>
+            <a:endParaRPr kumimoji="1" lang="ja-JP" altLang="en-US"/>
+          </a:p>
+        </p:txBody>
+      </p:sp>
+      <p:sp>
+        <p:nvSpPr>
+          <p:cNvPr id="24" name="四角形: 角を丸くする 23">
+            <a:extLst>
+              <a:ext uri="{FF2B5EF4-FFF2-40B4-BE49-F238E27FC236}">
+                <a16:creationId xmlns:a16="http://schemas.microsoft.com/office/drawing/2014/main" id="{E57BBCD9-2F25-583D-A595-E7261BF0803E}"/>
+              </a:ext>
+            </a:extLst>
+          </p:cNvPr>
+          <p:cNvSpPr/>
+          <p:nvPr/>
+        </p:nvSpPr>
+        <p:spPr>
+          <a:xfrm>
+            <a:off x="1810709" y="5481908"/>
+            <a:ext cx="2493398" cy="432769"/>
+          </a:xfrm>
+          <a:prstGeom prst="roundRect">
+            <a:avLst/>
+          </a:prstGeom>
+          <a:solidFill>
+            <a:schemeClr val="accent2">
+              <a:lumMod val="60000"/>
+              <a:lumOff val="40000"/>
+            </a:schemeClr>
+          </a:solidFill>
+          <a:ln>
+            <a:noFill/>
+          </a:ln>
+        </p:spPr>
+        <p:style>
+          <a:lnRef idx="2">
+            <a:schemeClr val="accent1">
+              <a:shade val="15000"/>
+            </a:schemeClr>
+          </a:lnRef>
+          <a:fillRef idx="1">
+            <a:schemeClr val="accent1"/>
+          </a:fillRef>
+          <a:effectRef idx="0">
+            <a:schemeClr val="accent1"/>
+          </a:effectRef>
+          <a:fontRef idx="minor">
+            <a:schemeClr val="lt1"/>
+          </a:fontRef>
+        </p:style>
+        <p:txBody>
+          <a:bodyPr rtlCol="0" anchor="ctr"/>
+          <a:lstStyle/>
+          <a:p>
+            <a:pPr algn="ctr"/>
+            <a:r>
+              <a:rPr lang="en-US" altLang="ja-JP" sz="2400" b="1" dirty="0">
+                <a:solidFill>
+                  <a:schemeClr val="tx1"/>
+                </a:solidFill>
+                <a:latin typeface="ＭＳ Ｐゴシック" panose="020B0600070205080204" pitchFamily="50" charset="-128"/>
+                <a:ea typeface="ＭＳ Ｐゴシック" panose="020B0600070205080204" pitchFamily="50" charset="-128"/>
+              </a:rPr>
+              <a:t>k</a:t>
+            </a:r>
+            <a:r>
+              <a:rPr kumimoji="1" lang="en-US" altLang="ja-JP" sz="2400" b="1" dirty="0">
+                <a:solidFill>
+                  <a:schemeClr val="tx1"/>
+                </a:solidFill>
+                <a:latin typeface="ＭＳ Ｐゴシック" panose="020B0600070205080204" pitchFamily="50" charset="-128"/>
+                <a:ea typeface="ＭＳ Ｐゴシック" panose="020B0600070205080204" pitchFamily="50" charset="-128"/>
+              </a:rPr>
+              <a:t>-medoids</a:t>
+            </a:r>
+            <a:r>
+              <a:rPr kumimoji="1" lang="ja-JP" altLang="en-US" sz="2400" b="1" dirty="0">
+                <a:solidFill>
+                  <a:schemeClr val="tx1"/>
+                </a:solidFill>
+                <a:latin typeface="ＭＳ Ｐゴシック" panose="020B0600070205080204" pitchFamily="50" charset="-128"/>
+                <a:ea typeface="ＭＳ Ｐゴシック" panose="020B0600070205080204" pitchFamily="50" charset="-128"/>
+              </a:rPr>
+              <a:t>法</a:t>
+            </a:r>
+          </a:p>
+        </p:txBody>
+      </p:sp>
+      <p:sp>
+        <p:nvSpPr>
+          <p:cNvPr id="25" name="四角形: 角を丸くする 24">
+            <a:extLst>
+              <a:ext uri="{FF2B5EF4-FFF2-40B4-BE49-F238E27FC236}">
+                <a16:creationId xmlns:a16="http://schemas.microsoft.com/office/drawing/2014/main" id="{C806F202-D13B-ECA5-66DD-0FC6B4C246FC}"/>
+              </a:ext>
+            </a:extLst>
+          </p:cNvPr>
+          <p:cNvSpPr/>
+          <p:nvPr/>
+        </p:nvSpPr>
+        <p:spPr>
+          <a:xfrm>
+            <a:off x="7820941" y="5481908"/>
+            <a:ext cx="2493398" cy="432769"/>
+          </a:xfrm>
+          <a:prstGeom prst="roundRect">
+            <a:avLst/>
+          </a:prstGeom>
+          <a:solidFill>
+            <a:schemeClr val="accent2">
+              <a:lumMod val="20000"/>
+              <a:lumOff val="80000"/>
+            </a:schemeClr>
+          </a:solidFill>
+          <a:ln>
+            <a:noFill/>
+          </a:ln>
+        </p:spPr>
+        <p:style>
+          <a:lnRef idx="2">
+            <a:schemeClr val="accent1">
+              <a:shade val="15000"/>
+            </a:schemeClr>
+          </a:lnRef>
+          <a:fillRef idx="1">
+            <a:schemeClr val="accent1"/>
+          </a:fillRef>
+          <a:effectRef idx="0">
+            <a:schemeClr val="accent1"/>
+          </a:effectRef>
+          <a:fontRef idx="minor">
+            <a:schemeClr val="lt1"/>
+          </a:fontRef>
+        </p:style>
+        <p:txBody>
+          <a:bodyPr rtlCol="0" anchor="ctr"/>
+          <a:lstStyle/>
+          <a:p>
+            <a:pPr algn="ctr"/>
+            <a:r>
+              <a:rPr lang="en-US" altLang="ja-JP" sz="2400" b="1" dirty="0">
+                <a:solidFill>
+                  <a:schemeClr val="tx1"/>
+                </a:solidFill>
+                <a:latin typeface="ＭＳ Ｐゴシック" panose="020B0600070205080204" pitchFamily="50" charset="-128"/>
+                <a:ea typeface="ＭＳ Ｐゴシック" panose="020B0600070205080204" pitchFamily="50" charset="-128"/>
+              </a:rPr>
+              <a:t>k</a:t>
+            </a:r>
+            <a:r>
+              <a:rPr kumimoji="1" lang="en-US" altLang="ja-JP" sz="2400" b="1" dirty="0">
+                <a:solidFill>
+                  <a:schemeClr val="tx1"/>
+                </a:solidFill>
+                <a:latin typeface="ＭＳ Ｐゴシック" panose="020B0600070205080204" pitchFamily="50" charset="-128"/>
+                <a:ea typeface="ＭＳ Ｐゴシック" panose="020B0600070205080204" pitchFamily="50" charset="-128"/>
+              </a:rPr>
+              <a:t>-means</a:t>
+            </a:r>
+            <a:r>
+              <a:rPr kumimoji="1" lang="ja-JP" altLang="en-US" sz="2400" b="1" dirty="0">
+                <a:solidFill>
+                  <a:schemeClr val="tx1"/>
+                </a:solidFill>
+                <a:latin typeface="ＭＳ Ｐゴシック" panose="020B0600070205080204" pitchFamily="50" charset="-128"/>
+                <a:ea typeface="ＭＳ Ｐゴシック" panose="020B0600070205080204" pitchFamily="50" charset="-128"/>
+              </a:rPr>
+              <a:t>法</a:t>
+            </a:r>
+          </a:p>
+        </p:txBody>
+      </p:sp>
+      <p:sp>
+        <p:nvSpPr>
+          <p:cNvPr id="26" name="テキスト ボックス 25">
+            <a:extLst>
+              <a:ext uri="{FF2B5EF4-FFF2-40B4-BE49-F238E27FC236}">
+                <a16:creationId xmlns:a16="http://schemas.microsoft.com/office/drawing/2014/main" id="{D4A304D5-B044-D235-D162-471D926DBC12}"/>
+              </a:ext>
+            </a:extLst>
+          </p:cNvPr>
+          <p:cNvSpPr txBox="1"/>
+          <p:nvPr/>
+        </p:nvSpPr>
+        <p:spPr>
+          <a:xfrm>
+            <a:off x="2902478" y="3482161"/>
+            <a:ext cx="1930337" cy="369332"/>
+          </a:xfrm>
+          <a:prstGeom prst="rect">
+            <a:avLst/>
+          </a:prstGeom>
+          <a:noFill/>
+        </p:spPr>
+        <p:txBody>
+          <a:bodyPr wrap="none" rtlCol="0">
+            <a:spAutoFit/>
+          </a:bodyPr>
+          <a:lstStyle/>
+          <a:p>
+            <a:r>
+              <a:rPr kumimoji="1" lang="ja-JP" altLang="en-US" dirty="0">
+                <a:latin typeface="ＭＳ Ｐゴシック" panose="020B0600070205080204" pitchFamily="50" charset="-128"/>
+                <a:ea typeface="ＭＳ Ｐゴシック" panose="020B0600070205080204" pitchFamily="50" charset="-128"/>
+              </a:rPr>
+              <a:t>メドイド </a:t>
+            </a:r>
+            <a:r>
+              <a:rPr kumimoji="1" lang="en-US" altLang="ja-JP" dirty="0">
+                <a:latin typeface="ＭＳ Ｐゴシック" panose="020B0600070205080204" pitchFamily="50" charset="-128"/>
+                <a:ea typeface="ＭＳ Ｐゴシック" panose="020B0600070205080204" pitchFamily="50" charset="-128"/>
+              </a:rPr>
+              <a:t>(</a:t>
+            </a:r>
+            <a:r>
+              <a:rPr kumimoji="1" lang="ja-JP" altLang="en-US" dirty="0">
+                <a:latin typeface="ＭＳ Ｐゴシック" panose="020B0600070205080204" pitchFamily="50" charset="-128"/>
+                <a:ea typeface="ＭＳ Ｐゴシック" panose="020B0600070205080204" pitchFamily="50" charset="-128"/>
+              </a:rPr>
+              <a:t>実データ</a:t>
+            </a:r>
+            <a:r>
+              <a:rPr kumimoji="1" lang="en-US" altLang="ja-JP" dirty="0">
+                <a:latin typeface="ＭＳ Ｐゴシック" panose="020B0600070205080204" pitchFamily="50" charset="-128"/>
+                <a:ea typeface="ＭＳ Ｐゴシック" panose="020B0600070205080204" pitchFamily="50" charset="-128"/>
+              </a:rPr>
+              <a:t>)</a:t>
+            </a:r>
+            <a:endParaRPr kumimoji="1" lang="ja-JP" altLang="en-US" dirty="0">
+              <a:latin typeface="ＭＳ Ｐゴシック" panose="020B0600070205080204" pitchFamily="50" charset="-128"/>
+              <a:ea typeface="ＭＳ Ｐゴシック" panose="020B0600070205080204" pitchFamily="50" charset="-128"/>
+            </a:endParaRPr>
+          </a:p>
+        </p:txBody>
+      </p:sp>
+      <p:sp>
+        <p:nvSpPr>
+          <p:cNvPr id="27" name="楕円 26">
+            <a:extLst>
+              <a:ext uri="{FF2B5EF4-FFF2-40B4-BE49-F238E27FC236}">
+                <a16:creationId xmlns:a16="http://schemas.microsoft.com/office/drawing/2014/main" id="{0DB82AD2-1B28-24D8-9BAA-4DC47D2E58E2}"/>
+              </a:ext>
+            </a:extLst>
+          </p:cNvPr>
+          <p:cNvSpPr/>
+          <p:nvPr/>
+        </p:nvSpPr>
+        <p:spPr>
+          <a:xfrm>
+            <a:off x="8977640" y="3761493"/>
+            <a:ext cx="180000" cy="180000"/>
+          </a:xfrm>
+          <a:prstGeom prst="ellipse">
+            <a:avLst/>
+          </a:prstGeom>
+          <a:noFill/>
+          <a:ln w="19050">
+            <a:solidFill>
+              <a:srgbClr val="FF0000"/>
+            </a:solidFill>
+            <a:prstDash val="dash"/>
+          </a:ln>
+        </p:spPr>
+        <p:style>
+          <a:lnRef idx="2">
+            <a:schemeClr val="accent1">
+              <a:shade val="15000"/>
+            </a:schemeClr>
+          </a:lnRef>
+          <a:fillRef idx="1">
+            <a:schemeClr val="accent1"/>
+          </a:fillRef>
+          <a:effectRef idx="0">
+            <a:schemeClr val="accent1"/>
+          </a:effectRef>
+          <a:fontRef idx="minor">
+            <a:schemeClr val="lt1"/>
+          </a:fontRef>
+        </p:style>
+        <p:txBody>
+          <a:bodyPr rtlCol="0" anchor="ctr"/>
+          <a:lstStyle/>
+          <a:p>
+            <a:pPr algn="ctr"/>
+            <a:endParaRPr kumimoji="1" lang="ja-JP" altLang="en-US"/>
+          </a:p>
+        </p:txBody>
+      </p:sp>
+      <p:sp>
+        <p:nvSpPr>
+          <p:cNvPr id="28" name="テキスト ボックス 27">
+            <a:extLst>
+              <a:ext uri="{FF2B5EF4-FFF2-40B4-BE49-F238E27FC236}">
+                <a16:creationId xmlns:a16="http://schemas.microsoft.com/office/drawing/2014/main" id="{D88E2201-4C74-DB69-5D94-CA5CA7319967}"/>
+              </a:ext>
+            </a:extLst>
+          </p:cNvPr>
+          <p:cNvSpPr txBox="1"/>
+          <p:nvPr/>
+        </p:nvSpPr>
+        <p:spPr>
+          <a:xfrm>
+            <a:off x="9067640" y="3956714"/>
+            <a:ext cx="2589170" cy="369332"/>
+          </a:xfrm>
+          <a:prstGeom prst="rect">
+            <a:avLst/>
+          </a:prstGeom>
+          <a:noFill/>
+        </p:spPr>
+        <p:txBody>
+          <a:bodyPr wrap="none" rtlCol="0">
+            <a:spAutoFit/>
+          </a:bodyPr>
+          <a:lstStyle/>
+          <a:p>
+            <a:r>
+              <a:rPr kumimoji="1" lang="ja-JP" altLang="en-US">
+                <a:latin typeface="ＭＳ Ｐゴシック" panose="020B0600070205080204" pitchFamily="50" charset="-128"/>
+                <a:ea typeface="ＭＳ Ｐゴシック" panose="020B0600070205080204" pitchFamily="50" charset="-128"/>
+              </a:rPr>
+              <a:t>セントロイド </a:t>
+            </a:r>
+            <a:r>
+              <a:rPr kumimoji="1" lang="en-US" altLang="ja-JP" dirty="0">
+                <a:latin typeface="ＭＳ Ｐゴシック" panose="020B0600070205080204" pitchFamily="50" charset="-128"/>
+                <a:ea typeface="ＭＳ Ｐゴシック" panose="020B0600070205080204" pitchFamily="50" charset="-128"/>
+              </a:rPr>
+              <a:t>(</a:t>
+            </a:r>
+            <a:r>
+              <a:rPr kumimoji="1" lang="ja-JP" altLang="en-US" dirty="0">
+                <a:latin typeface="ＭＳ Ｐゴシック" panose="020B0600070205080204" pitchFamily="50" charset="-128"/>
+                <a:ea typeface="ＭＳ Ｐゴシック" panose="020B0600070205080204" pitchFamily="50" charset="-128"/>
+              </a:rPr>
+              <a:t>仮想データ</a:t>
+            </a:r>
+            <a:r>
+              <a:rPr kumimoji="1" lang="en-US" altLang="ja-JP" dirty="0">
+                <a:latin typeface="ＭＳ Ｐゴシック" panose="020B0600070205080204" pitchFamily="50" charset="-128"/>
+                <a:ea typeface="ＭＳ Ｐゴシック" panose="020B0600070205080204" pitchFamily="50" charset="-128"/>
+              </a:rPr>
+              <a:t>)</a:t>
+            </a:r>
+            <a:endParaRPr kumimoji="1" lang="ja-JP" altLang="en-US" dirty="0">
+              <a:latin typeface="ＭＳ Ｐゴシック" panose="020B0600070205080204" pitchFamily="50" charset="-128"/>
+              <a:ea typeface="ＭＳ Ｐゴシック" panose="020B0600070205080204" pitchFamily="50" charset="-128"/>
+            </a:endParaRPr>
+          </a:p>
+        </p:txBody>
+      </p:sp>
+    </p:spTree>
+    <p:extLst>
+      <p:ext uri="{BB962C8B-B14F-4D97-AF65-F5344CB8AC3E}">
+        <p14:creationId xmlns:p14="http://schemas.microsoft.com/office/powerpoint/2010/main" val="4280743720"/>
       </p:ext>
     </p:extLst>
   </p:cSld>

--- a/fig.pptx
+++ b/fig.pptx
@@ -4379,1108 +4379,1129 @@
           <a:chExt cx="0" cy="0"/>
         </a:xfrm>
       </p:grpSpPr>
-      <p:cxnSp>
-        <p:nvCxnSpPr>
-          <p:cNvPr id="3" name="直線矢印コネクタ 2">
-            <a:extLst>
-              <a:ext uri="{FF2B5EF4-FFF2-40B4-BE49-F238E27FC236}">
-                <a16:creationId xmlns:a16="http://schemas.microsoft.com/office/drawing/2014/main" id="{F02B36C5-A2CD-F01E-9DB3-72746AA9F329}"/>
-              </a:ext>
-            </a:extLst>
-          </p:cNvPr>
-          <p:cNvCxnSpPr>
-            <a:cxnSpLocks/>
-          </p:cNvCxnSpPr>
+      <p:grpSp>
+        <p:nvGrpSpPr>
+          <p:cNvPr id="29" name="グループ化 28">
+            <a:extLst>
+              <a:ext uri="{FF2B5EF4-FFF2-40B4-BE49-F238E27FC236}">
+                <a16:creationId xmlns:a16="http://schemas.microsoft.com/office/drawing/2014/main" id="{4E093858-6FE3-A4AA-CB5A-44C5245A8BAA}"/>
+              </a:ext>
+            </a:extLst>
+          </p:cNvPr>
+          <p:cNvGrpSpPr/>
           <p:nvPr/>
-        </p:nvCxnSpPr>
-        <p:spPr>
+        </p:nvGrpSpPr>
+        <p:grpSpPr>
           <a:xfrm>
-            <a:off x="739896" y="5186254"/>
-            <a:ext cx="4285814" cy="0"/>
+            <a:off x="739896" y="2268549"/>
+            <a:ext cx="10916914" cy="3646128"/>
+            <a:chOff x="739896" y="2268549"/>
+            <a:chExt cx="10916914" cy="3646128"/>
           </a:xfrm>
-          <a:prstGeom prst="straightConnector1">
-            <a:avLst/>
-          </a:prstGeom>
-          <a:ln w="19050">
-            <a:tailEnd type="triangle"/>
-          </a:ln>
-        </p:spPr>
-        <p:style>
-          <a:lnRef idx="1">
-            <a:schemeClr val="dk1"/>
-          </a:lnRef>
-          <a:fillRef idx="0">
-            <a:schemeClr val="dk1"/>
-          </a:fillRef>
-          <a:effectRef idx="0">
-            <a:schemeClr val="dk1"/>
-          </a:effectRef>
-          <a:fontRef idx="minor">
-            <a:schemeClr val="tx1"/>
-          </a:fontRef>
-        </p:style>
-      </p:cxnSp>
-      <p:cxnSp>
-        <p:nvCxnSpPr>
-          <p:cNvPr id="6" name="直線矢印コネクタ 5">
-            <a:extLst>
-              <a:ext uri="{FF2B5EF4-FFF2-40B4-BE49-F238E27FC236}">
-                <a16:creationId xmlns:a16="http://schemas.microsoft.com/office/drawing/2014/main" id="{46BA5A33-0267-D86B-A153-E61E334C0E18}"/>
-              </a:ext>
-            </a:extLst>
-          </p:cNvPr>
-          <p:cNvCxnSpPr>
-            <a:cxnSpLocks/>
-          </p:cNvCxnSpPr>
-          <p:nvPr/>
-        </p:nvCxnSpPr>
-        <p:spPr>
-          <a:xfrm flipV="1">
-            <a:off x="850415" y="2268549"/>
-            <a:ext cx="0" cy="3063124"/>
-          </a:xfrm>
-          <a:prstGeom prst="straightConnector1">
-            <a:avLst/>
-          </a:prstGeom>
-          <a:ln w="19050">
-            <a:tailEnd type="triangle"/>
-          </a:ln>
-        </p:spPr>
-        <p:style>
-          <a:lnRef idx="1">
-            <a:schemeClr val="dk1"/>
-          </a:lnRef>
-          <a:fillRef idx="0">
-            <a:schemeClr val="dk1"/>
-          </a:fillRef>
-          <a:effectRef idx="0">
-            <a:schemeClr val="dk1"/>
-          </a:effectRef>
-          <a:fontRef idx="minor">
-            <a:schemeClr val="tx1"/>
-          </a:fontRef>
-        </p:style>
-      </p:cxnSp>
-      <p:sp>
-        <p:nvSpPr>
-          <p:cNvPr id="9" name="楕円 8">
-            <a:extLst>
-              <a:ext uri="{FF2B5EF4-FFF2-40B4-BE49-F238E27FC236}">
-                <a16:creationId xmlns:a16="http://schemas.microsoft.com/office/drawing/2014/main" id="{79724C2C-4B82-78AC-E5FE-FBA3A4B91C51}"/>
-              </a:ext>
-            </a:extLst>
-          </p:cNvPr>
-          <p:cNvSpPr/>
-          <p:nvPr/>
-        </p:nvSpPr>
-        <p:spPr>
-          <a:xfrm>
-            <a:off x="1877661" y="3043346"/>
-            <a:ext cx="180000" cy="180000"/>
-          </a:xfrm>
-          <a:prstGeom prst="ellipse">
-            <a:avLst/>
-          </a:prstGeom>
-          <a:ln>
-            <a:noFill/>
-          </a:ln>
-        </p:spPr>
-        <p:style>
-          <a:lnRef idx="2">
-            <a:schemeClr val="accent1">
-              <a:shade val="15000"/>
-            </a:schemeClr>
-          </a:lnRef>
-          <a:fillRef idx="1">
-            <a:schemeClr val="accent1"/>
-          </a:fillRef>
-          <a:effectRef idx="0">
-            <a:schemeClr val="accent1"/>
-          </a:effectRef>
-          <a:fontRef idx="minor">
-            <a:schemeClr val="lt1"/>
-          </a:fontRef>
-        </p:style>
-        <p:txBody>
-          <a:bodyPr rtlCol="0" anchor="ctr"/>
-          <a:lstStyle/>
-          <a:p>
-            <a:pPr algn="ctr"/>
-            <a:endParaRPr kumimoji="1" lang="ja-JP" altLang="en-US"/>
-          </a:p>
-        </p:txBody>
-      </p:sp>
-      <p:sp>
-        <p:nvSpPr>
-          <p:cNvPr id="10" name="楕円 9">
-            <a:extLst>
-              <a:ext uri="{FF2B5EF4-FFF2-40B4-BE49-F238E27FC236}">
-                <a16:creationId xmlns:a16="http://schemas.microsoft.com/office/drawing/2014/main" id="{6D097CEE-276B-5760-63B2-CB61232A9FEB}"/>
-              </a:ext>
-            </a:extLst>
-          </p:cNvPr>
-          <p:cNvSpPr/>
-          <p:nvPr/>
-        </p:nvSpPr>
-        <p:spPr>
-          <a:xfrm>
-            <a:off x="1450709" y="4375392"/>
-            <a:ext cx="180000" cy="180000"/>
-          </a:xfrm>
-          <a:prstGeom prst="ellipse">
-            <a:avLst/>
-          </a:prstGeom>
-          <a:ln>
-            <a:noFill/>
-          </a:ln>
-        </p:spPr>
-        <p:style>
-          <a:lnRef idx="2">
-            <a:schemeClr val="accent1">
-              <a:shade val="15000"/>
-            </a:schemeClr>
-          </a:lnRef>
-          <a:fillRef idx="1">
-            <a:schemeClr val="accent1"/>
-          </a:fillRef>
-          <a:effectRef idx="0">
-            <a:schemeClr val="accent1"/>
-          </a:effectRef>
-          <a:fontRef idx="minor">
-            <a:schemeClr val="lt1"/>
-          </a:fontRef>
-        </p:style>
-        <p:txBody>
-          <a:bodyPr rtlCol="0" anchor="ctr"/>
-          <a:lstStyle/>
-          <a:p>
-            <a:pPr algn="ctr"/>
-            <a:endParaRPr kumimoji="1" lang="ja-JP" altLang="en-US"/>
-          </a:p>
-        </p:txBody>
-      </p:sp>
-      <p:sp>
-        <p:nvSpPr>
-          <p:cNvPr id="11" name="楕円 10">
-            <a:extLst>
-              <a:ext uri="{FF2B5EF4-FFF2-40B4-BE49-F238E27FC236}">
-                <a16:creationId xmlns:a16="http://schemas.microsoft.com/office/drawing/2014/main" id="{F4C4D390-1AC7-2911-A9DE-00C7377BEFBF}"/>
-              </a:ext>
-            </a:extLst>
-          </p:cNvPr>
-          <p:cNvSpPr/>
-          <p:nvPr/>
-        </p:nvSpPr>
-        <p:spPr>
-          <a:xfrm>
-            <a:off x="2397261" y="3973452"/>
-            <a:ext cx="180000" cy="180000"/>
-          </a:xfrm>
-          <a:prstGeom prst="ellipse">
-            <a:avLst/>
-          </a:prstGeom>
-          <a:ln>
-            <a:noFill/>
-          </a:ln>
-        </p:spPr>
-        <p:style>
-          <a:lnRef idx="2">
-            <a:schemeClr val="accent1">
-              <a:shade val="15000"/>
-            </a:schemeClr>
-          </a:lnRef>
-          <a:fillRef idx="1">
-            <a:schemeClr val="accent1"/>
-          </a:fillRef>
-          <a:effectRef idx="0">
-            <a:schemeClr val="accent1"/>
-          </a:effectRef>
-          <a:fontRef idx="minor">
-            <a:schemeClr val="lt1"/>
-          </a:fontRef>
-        </p:style>
-        <p:txBody>
-          <a:bodyPr rtlCol="0" anchor="ctr"/>
-          <a:lstStyle/>
-          <a:p>
-            <a:pPr algn="ctr"/>
-            <a:endParaRPr kumimoji="1" lang="ja-JP" altLang="en-US"/>
-          </a:p>
-        </p:txBody>
-      </p:sp>
-      <p:sp>
-        <p:nvSpPr>
-          <p:cNvPr id="12" name="楕円 11">
-            <a:extLst>
-              <a:ext uri="{FF2B5EF4-FFF2-40B4-BE49-F238E27FC236}">
-                <a16:creationId xmlns:a16="http://schemas.microsoft.com/office/drawing/2014/main" id="{5AA1B68F-EBDA-CF7B-F6E8-250428C22A75}"/>
-              </a:ext>
-            </a:extLst>
-          </p:cNvPr>
-          <p:cNvSpPr/>
-          <p:nvPr/>
-        </p:nvSpPr>
-        <p:spPr>
-          <a:xfrm>
-            <a:off x="4124107" y="2863346"/>
-            <a:ext cx="180000" cy="180000"/>
-          </a:xfrm>
-          <a:prstGeom prst="ellipse">
-            <a:avLst/>
-          </a:prstGeom>
-          <a:ln>
-            <a:noFill/>
-          </a:ln>
-        </p:spPr>
-        <p:style>
-          <a:lnRef idx="2">
-            <a:schemeClr val="accent1">
-              <a:shade val="15000"/>
-            </a:schemeClr>
-          </a:lnRef>
-          <a:fillRef idx="1">
-            <a:schemeClr val="accent1"/>
-          </a:fillRef>
-          <a:effectRef idx="0">
-            <a:schemeClr val="accent1"/>
-          </a:effectRef>
-          <a:fontRef idx="minor">
-            <a:schemeClr val="lt1"/>
-          </a:fontRef>
-        </p:style>
-        <p:txBody>
-          <a:bodyPr rtlCol="0" anchor="ctr"/>
-          <a:lstStyle/>
-          <a:p>
-            <a:pPr algn="ctr"/>
-            <a:endParaRPr kumimoji="1" lang="ja-JP" altLang="en-US"/>
-          </a:p>
-        </p:txBody>
-      </p:sp>
-      <p:sp>
-        <p:nvSpPr>
-          <p:cNvPr id="13" name="楕円 12">
-            <a:extLst>
-              <a:ext uri="{FF2B5EF4-FFF2-40B4-BE49-F238E27FC236}">
-                <a16:creationId xmlns:a16="http://schemas.microsoft.com/office/drawing/2014/main" id="{24F88A9B-BE19-D2B7-BD6A-E96DC7B11A1E}"/>
-              </a:ext>
-            </a:extLst>
-          </p:cNvPr>
-          <p:cNvSpPr/>
-          <p:nvPr/>
-        </p:nvSpPr>
-        <p:spPr>
-          <a:xfrm>
-            <a:off x="2882803" y="3339000"/>
-            <a:ext cx="180000" cy="180000"/>
-          </a:xfrm>
-          <a:prstGeom prst="ellipse">
-            <a:avLst/>
-          </a:prstGeom>
-          <a:solidFill>
-            <a:srgbClr val="FF0000"/>
-          </a:solidFill>
-          <a:ln>
-            <a:noFill/>
-          </a:ln>
-        </p:spPr>
-        <p:style>
-          <a:lnRef idx="2">
-            <a:schemeClr val="accent1">
-              <a:shade val="15000"/>
-            </a:schemeClr>
-          </a:lnRef>
-          <a:fillRef idx="1">
-            <a:schemeClr val="accent1"/>
-          </a:fillRef>
-          <a:effectRef idx="0">
-            <a:schemeClr val="accent1"/>
-          </a:effectRef>
-          <a:fontRef idx="minor">
-            <a:schemeClr val="lt1"/>
-          </a:fontRef>
-        </p:style>
-        <p:txBody>
-          <a:bodyPr rtlCol="0" anchor="ctr"/>
-          <a:lstStyle/>
-          <a:p>
-            <a:pPr algn="ctr"/>
-            <a:endParaRPr kumimoji="1" lang="ja-JP" altLang="en-US"/>
-          </a:p>
-        </p:txBody>
-      </p:sp>
-      <p:sp>
-        <p:nvSpPr>
-          <p:cNvPr id="14" name="楕円 13">
-            <a:extLst>
-              <a:ext uri="{FF2B5EF4-FFF2-40B4-BE49-F238E27FC236}">
-                <a16:creationId xmlns:a16="http://schemas.microsoft.com/office/drawing/2014/main" id="{A747B895-B33A-53B4-FF46-2382D9598BBA}"/>
-              </a:ext>
-            </a:extLst>
-          </p:cNvPr>
-          <p:cNvSpPr/>
-          <p:nvPr/>
-        </p:nvSpPr>
-        <p:spPr>
-          <a:xfrm>
-            <a:off x="3663416" y="4465392"/>
-            <a:ext cx="180000" cy="180000"/>
-          </a:xfrm>
-          <a:prstGeom prst="ellipse">
-            <a:avLst/>
-          </a:prstGeom>
-          <a:ln>
-            <a:noFill/>
-          </a:ln>
-        </p:spPr>
-        <p:style>
-          <a:lnRef idx="2">
-            <a:schemeClr val="accent1">
-              <a:shade val="15000"/>
-            </a:schemeClr>
-          </a:lnRef>
-          <a:fillRef idx="1">
-            <a:schemeClr val="accent1"/>
-          </a:fillRef>
-          <a:effectRef idx="0">
-            <a:schemeClr val="accent1"/>
-          </a:effectRef>
-          <a:fontRef idx="minor">
-            <a:schemeClr val="lt1"/>
-          </a:fontRef>
-        </p:style>
-        <p:txBody>
-          <a:bodyPr rtlCol="0" anchor="ctr"/>
-          <a:lstStyle/>
-          <a:p>
-            <a:pPr algn="ctr"/>
-            <a:endParaRPr kumimoji="1" lang="ja-JP" altLang="en-US"/>
-          </a:p>
-        </p:txBody>
-      </p:sp>
-      <p:cxnSp>
-        <p:nvCxnSpPr>
-          <p:cNvPr id="16" name="直線矢印コネクタ 15">
-            <a:extLst>
-              <a:ext uri="{FF2B5EF4-FFF2-40B4-BE49-F238E27FC236}">
-                <a16:creationId xmlns:a16="http://schemas.microsoft.com/office/drawing/2014/main" id="{89B6299C-6028-5C90-EE49-EEB983A634C6}"/>
-              </a:ext>
-            </a:extLst>
-          </p:cNvPr>
-          <p:cNvCxnSpPr>
-            <a:cxnSpLocks/>
-          </p:cNvCxnSpPr>
-          <p:nvPr/>
-        </p:nvCxnSpPr>
-        <p:spPr>
-          <a:xfrm>
-            <a:off x="6750128" y="5186254"/>
-            <a:ext cx="4285814" cy="0"/>
-          </a:xfrm>
-          <a:prstGeom prst="straightConnector1">
-            <a:avLst/>
-          </a:prstGeom>
-          <a:ln w="19050">
-            <a:tailEnd type="triangle"/>
-          </a:ln>
-        </p:spPr>
-        <p:style>
-          <a:lnRef idx="1">
-            <a:schemeClr val="dk1"/>
-          </a:lnRef>
-          <a:fillRef idx="0">
-            <a:schemeClr val="dk1"/>
-          </a:fillRef>
-          <a:effectRef idx="0">
-            <a:schemeClr val="dk1"/>
-          </a:effectRef>
-          <a:fontRef idx="minor">
-            <a:schemeClr val="tx1"/>
-          </a:fontRef>
-        </p:style>
-      </p:cxnSp>
-      <p:cxnSp>
-        <p:nvCxnSpPr>
-          <p:cNvPr id="17" name="直線矢印コネクタ 16">
-            <a:extLst>
-              <a:ext uri="{FF2B5EF4-FFF2-40B4-BE49-F238E27FC236}">
-                <a16:creationId xmlns:a16="http://schemas.microsoft.com/office/drawing/2014/main" id="{D62017BA-3297-AFAE-37BD-F158584EE17F}"/>
-              </a:ext>
-            </a:extLst>
-          </p:cNvPr>
-          <p:cNvCxnSpPr>
-            <a:cxnSpLocks/>
-          </p:cNvCxnSpPr>
-          <p:nvPr/>
-        </p:nvCxnSpPr>
-        <p:spPr>
-          <a:xfrm flipV="1">
-            <a:off x="6860647" y="2268549"/>
-            <a:ext cx="0" cy="3063124"/>
-          </a:xfrm>
-          <a:prstGeom prst="straightConnector1">
-            <a:avLst/>
-          </a:prstGeom>
-          <a:ln w="19050">
-            <a:tailEnd type="triangle"/>
-          </a:ln>
-        </p:spPr>
-        <p:style>
-          <a:lnRef idx="1">
-            <a:schemeClr val="dk1"/>
-          </a:lnRef>
-          <a:fillRef idx="0">
-            <a:schemeClr val="dk1"/>
-          </a:fillRef>
-          <a:effectRef idx="0">
-            <a:schemeClr val="dk1"/>
-          </a:effectRef>
-          <a:fontRef idx="minor">
-            <a:schemeClr val="tx1"/>
-          </a:fontRef>
-        </p:style>
-      </p:cxnSp>
-      <p:sp>
-        <p:nvSpPr>
-          <p:cNvPr id="18" name="楕円 17">
-            <a:extLst>
-              <a:ext uri="{FF2B5EF4-FFF2-40B4-BE49-F238E27FC236}">
-                <a16:creationId xmlns:a16="http://schemas.microsoft.com/office/drawing/2014/main" id="{55E968DF-695C-2B1C-063D-C8B322B0D9F7}"/>
-              </a:ext>
-            </a:extLst>
-          </p:cNvPr>
-          <p:cNvSpPr/>
-          <p:nvPr/>
-        </p:nvSpPr>
-        <p:spPr>
-          <a:xfrm>
-            <a:off x="7887893" y="3043346"/>
-            <a:ext cx="180000" cy="180000"/>
-          </a:xfrm>
-          <a:prstGeom prst="ellipse">
-            <a:avLst/>
-          </a:prstGeom>
-          <a:ln>
-            <a:noFill/>
-          </a:ln>
-        </p:spPr>
-        <p:style>
-          <a:lnRef idx="2">
-            <a:schemeClr val="accent1">
-              <a:shade val="15000"/>
-            </a:schemeClr>
-          </a:lnRef>
-          <a:fillRef idx="1">
-            <a:schemeClr val="accent1"/>
-          </a:fillRef>
-          <a:effectRef idx="0">
-            <a:schemeClr val="accent1"/>
-          </a:effectRef>
-          <a:fontRef idx="minor">
-            <a:schemeClr val="lt1"/>
-          </a:fontRef>
-        </p:style>
-        <p:txBody>
-          <a:bodyPr rtlCol="0" anchor="ctr"/>
-          <a:lstStyle/>
-          <a:p>
-            <a:pPr algn="ctr"/>
-            <a:endParaRPr kumimoji="1" lang="ja-JP" altLang="en-US"/>
-          </a:p>
-        </p:txBody>
-      </p:sp>
-      <p:sp>
-        <p:nvSpPr>
-          <p:cNvPr id="19" name="楕円 18">
-            <a:extLst>
-              <a:ext uri="{FF2B5EF4-FFF2-40B4-BE49-F238E27FC236}">
-                <a16:creationId xmlns:a16="http://schemas.microsoft.com/office/drawing/2014/main" id="{027708A2-D68F-86C9-905E-47B780CF3F7D}"/>
-              </a:ext>
-            </a:extLst>
-          </p:cNvPr>
-          <p:cNvSpPr/>
-          <p:nvPr/>
-        </p:nvSpPr>
-        <p:spPr>
-          <a:xfrm>
-            <a:off x="7460941" y="4375392"/>
-            <a:ext cx="180000" cy="180000"/>
-          </a:xfrm>
-          <a:prstGeom prst="ellipse">
-            <a:avLst/>
-          </a:prstGeom>
-          <a:ln>
-            <a:noFill/>
-          </a:ln>
-        </p:spPr>
-        <p:style>
-          <a:lnRef idx="2">
-            <a:schemeClr val="accent1">
-              <a:shade val="15000"/>
-            </a:schemeClr>
-          </a:lnRef>
-          <a:fillRef idx="1">
-            <a:schemeClr val="accent1"/>
-          </a:fillRef>
-          <a:effectRef idx="0">
-            <a:schemeClr val="accent1"/>
-          </a:effectRef>
-          <a:fontRef idx="minor">
-            <a:schemeClr val="lt1"/>
-          </a:fontRef>
-        </p:style>
-        <p:txBody>
-          <a:bodyPr rtlCol="0" anchor="ctr"/>
-          <a:lstStyle/>
-          <a:p>
-            <a:pPr algn="ctr"/>
-            <a:endParaRPr kumimoji="1" lang="ja-JP" altLang="en-US"/>
-          </a:p>
-        </p:txBody>
-      </p:sp>
-      <p:sp>
-        <p:nvSpPr>
-          <p:cNvPr id="20" name="楕円 19">
-            <a:extLst>
-              <a:ext uri="{FF2B5EF4-FFF2-40B4-BE49-F238E27FC236}">
-                <a16:creationId xmlns:a16="http://schemas.microsoft.com/office/drawing/2014/main" id="{F4B22A5F-0322-CA96-A19D-3528D0FC9CA2}"/>
-              </a:ext>
-            </a:extLst>
-          </p:cNvPr>
-          <p:cNvSpPr/>
-          <p:nvPr/>
-        </p:nvSpPr>
-        <p:spPr>
-          <a:xfrm>
-            <a:off x="8407493" y="3973452"/>
-            <a:ext cx="180000" cy="180000"/>
-          </a:xfrm>
-          <a:prstGeom prst="ellipse">
-            <a:avLst/>
-          </a:prstGeom>
-          <a:ln>
-            <a:noFill/>
-          </a:ln>
-        </p:spPr>
-        <p:style>
-          <a:lnRef idx="2">
-            <a:schemeClr val="accent1">
-              <a:shade val="15000"/>
-            </a:schemeClr>
-          </a:lnRef>
-          <a:fillRef idx="1">
-            <a:schemeClr val="accent1"/>
-          </a:fillRef>
-          <a:effectRef idx="0">
-            <a:schemeClr val="accent1"/>
-          </a:effectRef>
-          <a:fontRef idx="minor">
-            <a:schemeClr val="lt1"/>
-          </a:fontRef>
-        </p:style>
-        <p:txBody>
-          <a:bodyPr rtlCol="0" anchor="ctr"/>
-          <a:lstStyle/>
-          <a:p>
-            <a:pPr algn="ctr"/>
-            <a:endParaRPr kumimoji="1" lang="ja-JP" altLang="en-US"/>
-          </a:p>
-        </p:txBody>
-      </p:sp>
-      <p:sp>
-        <p:nvSpPr>
-          <p:cNvPr id="21" name="楕円 20">
-            <a:extLst>
-              <a:ext uri="{FF2B5EF4-FFF2-40B4-BE49-F238E27FC236}">
-                <a16:creationId xmlns:a16="http://schemas.microsoft.com/office/drawing/2014/main" id="{9D7B4CA6-6848-8D89-17C3-2D9872704C75}"/>
-              </a:ext>
-            </a:extLst>
-          </p:cNvPr>
-          <p:cNvSpPr/>
-          <p:nvPr/>
-        </p:nvSpPr>
-        <p:spPr>
-          <a:xfrm>
-            <a:off x="10134339" y="2863346"/>
-            <a:ext cx="180000" cy="180000"/>
-          </a:xfrm>
-          <a:prstGeom prst="ellipse">
-            <a:avLst/>
-          </a:prstGeom>
-          <a:ln>
-            <a:noFill/>
-          </a:ln>
-        </p:spPr>
-        <p:style>
-          <a:lnRef idx="2">
-            <a:schemeClr val="accent1">
-              <a:shade val="15000"/>
-            </a:schemeClr>
-          </a:lnRef>
-          <a:fillRef idx="1">
-            <a:schemeClr val="accent1"/>
-          </a:fillRef>
-          <a:effectRef idx="0">
-            <a:schemeClr val="accent1"/>
-          </a:effectRef>
-          <a:fontRef idx="minor">
-            <a:schemeClr val="lt1"/>
-          </a:fontRef>
-        </p:style>
-        <p:txBody>
-          <a:bodyPr rtlCol="0" anchor="ctr"/>
-          <a:lstStyle/>
-          <a:p>
-            <a:pPr algn="ctr"/>
-            <a:endParaRPr kumimoji="1" lang="ja-JP" altLang="en-US"/>
-          </a:p>
-        </p:txBody>
-      </p:sp>
-      <p:sp>
-        <p:nvSpPr>
-          <p:cNvPr id="22" name="楕円 21">
-            <a:extLst>
-              <a:ext uri="{FF2B5EF4-FFF2-40B4-BE49-F238E27FC236}">
-                <a16:creationId xmlns:a16="http://schemas.microsoft.com/office/drawing/2014/main" id="{30C4DA3F-C364-0992-D927-30EEA94EA019}"/>
-              </a:ext>
-            </a:extLst>
-          </p:cNvPr>
-          <p:cNvSpPr/>
-          <p:nvPr/>
-        </p:nvSpPr>
-        <p:spPr>
-          <a:xfrm>
-            <a:off x="8893035" y="3339000"/>
-            <a:ext cx="180000" cy="180000"/>
-          </a:xfrm>
-          <a:prstGeom prst="ellipse">
-            <a:avLst/>
-          </a:prstGeom>
-          <a:ln>
-            <a:noFill/>
-          </a:ln>
-        </p:spPr>
-        <p:style>
-          <a:lnRef idx="2">
-            <a:schemeClr val="accent1">
-              <a:shade val="15000"/>
-            </a:schemeClr>
-          </a:lnRef>
-          <a:fillRef idx="1">
-            <a:schemeClr val="accent1"/>
-          </a:fillRef>
-          <a:effectRef idx="0">
-            <a:schemeClr val="accent1"/>
-          </a:effectRef>
-          <a:fontRef idx="minor">
-            <a:schemeClr val="lt1"/>
-          </a:fontRef>
-        </p:style>
-        <p:txBody>
-          <a:bodyPr rtlCol="0" anchor="ctr"/>
-          <a:lstStyle/>
-          <a:p>
-            <a:pPr algn="ctr"/>
-            <a:endParaRPr kumimoji="1" lang="ja-JP" altLang="en-US"/>
-          </a:p>
-        </p:txBody>
-      </p:sp>
-      <p:sp>
-        <p:nvSpPr>
-          <p:cNvPr id="23" name="楕円 22">
-            <a:extLst>
-              <a:ext uri="{FF2B5EF4-FFF2-40B4-BE49-F238E27FC236}">
-                <a16:creationId xmlns:a16="http://schemas.microsoft.com/office/drawing/2014/main" id="{7E5E7862-0795-6B3B-11E8-4AD72199242C}"/>
-              </a:ext>
-            </a:extLst>
-          </p:cNvPr>
-          <p:cNvSpPr/>
-          <p:nvPr/>
-        </p:nvSpPr>
-        <p:spPr>
-          <a:xfrm>
-            <a:off x="9673648" y="4465392"/>
-            <a:ext cx="180000" cy="180000"/>
-          </a:xfrm>
-          <a:prstGeom prst="ellipse">
-            <a:avLst/>
-          </a:prstGeom>
-          <a:ln>
-            <a:noFill/>
-          </a:ln>
-        </p:spPr>
-        <p:style>
-          <a:lnRef idx="2">
-            <a:schemeClr val="accent1">
-              <a:shade val="15000"/>
-            </a:schemeClr>
-          </a:lnRef>
-          <a:fillRef idx="1">
-            <a:schemeClr val="accent1"/>
-          </a:fillRef>
-          <a:effectRef idx="0">
-            <a:schemeClr val="accent1"/>
-          </a:effectRef>
-          <a:fontRef idx="minor">
-            <a:schemeClr val="lt1"/>
-          </a:fontRef>
-        </p:style>
-        <p:txBody>
-          <a:bodyPr rtlCol="0" anchor="ctr"/>
-          <a:lstStyle/>
-          <a:p>
-            <a:pPr algn="ctr"/>
-            <a:endParaRPr kumimoji="1" lang="ja-JP" altLang="en-US"/>
-          </a:p>
-        </p:txBody>
-      </p:sp>
-      <p:sp>
-        <p:nvSpPr>
-          <p:cNvPr id="24" name="四角形: 角を丸くする 23">
-            <a:extLst>
-              <a:ext uri="{FF2B5EF4-FFF2-40B4-BE49-F238E27FC236}">
-                <a16:creationId xmlns:a16="http://schemas.microsoft.com/office/drawing/2014/main" id="{E57BBCD9-2F25-583D-A595-E7261BF0803E}"/>
-              </a:ext>
-            </a:extLst>
-          </p:cNvPr>
-          <p:cNvSpPr/>
-          <p:nvPr/>
-        </p:nvSpPr>
-        <p:spPr>
-          <a:xfrm>
-            <a:off x="1810709" y="5481908"/>
-            <a:ext cx="2493398" cy="432769"/>
-          </a:xfrm>
-          <a:prstGeom prst="roundRect">
-            <a:avLst/>
-          </a:prstGeom>
-          <a:solidFill>
-            <a:schemeClr val="accent2">
-              <a:lumMod val="60000"/>
-              <a:lumOff val="40000"/>
-            </a:schemeClr>
-          </a:solidFill>
-          <a:ln>
-            <a:noFill/>
-          </a:ln>
-        </p:spPr>
-        <p:style>
-          <a:lnRef idx="2">
-            <a:schemeClr val="accent1">
-              <a:shade val="15000"/>
-            </a:schemeClr>
-          </a:lnRef>
-          <a:fillRef idx="1">
-            <a:schemeClr val="accent1"/>
-          </a:fillRef>
-          <a:effectRef idx="0">
-            <a:schemeClr val="accent1"/>
-          </a:effectRef>
-          <a:fontRef idx="minor">
-            <a:schemeClr val="lt1"/>
-          </a:fontRef>
-        </p:style>
-        <p:txBody>
-          <a:bodyPr rtlCol="0" anchor="ctr"/>
-          <a:lstStyle/>
-          <a:p>
-            <a:pPr algn="ctr"/>
-            <a:r>
-              <a:rPr lang="en-US" altLang="ja-JP" sz="2400" b="1" dirty="0">
-                <a:solidFill>
-                  <a:schemeClr val="tx1"/>
-                </a:solidFill>
-                <a:latin typeface="ＭＳ Ｐゴシック" panose="020B0600070205080204" pitchFamily="50" charset="-128"/>
-                <a:ea typeface="ＭＳ Ｐゴシック" panose="020B0600070205080204" pitchFamily="50" charset="-128"/>
-              </a:rPr>
-              <a:t>k</a:t>
-            </a:r>
-            <a:r>
-              <a:rPr kumimoji="1" lang="en-US" altLang="ja-JP" sz="2400" b="1" dirty="0">
-                <a:solidFill>
-                  <a:schemeClr val="tx1"/>
-                </a:solidFill>
-                <a:latin typeface="ＭＳ Ｐゴシック" panose="020B0600070205080204" pitchFamily="50" charset="-128"/>
-                <a:ea typeface="ＭＳ Ｐゴシック" panose="020B0600070205080204" pitchFamily="50" charset="-128"/>
-              </a:rPr>
-              <a:t>-medoids</a:t>
-            </a:r>
-            <a:r>
-              <a:rPr kumimoji="1" lang="ja-JP" altLang="en-US" sz="2400" b="1" dirty="0">
-                <a:solidFill>
-                  <a:schemeClr val="tx1"/>
-                </a:solidFill>
-                <a:latin typeface="ＭＳ Ｐゴシック" panose="020B0600070205080204" pitchFamily="50" charset="-128"/>
-                <a:ea typeface="ＭＳ Ｐゴシック" panose="020B0600070205080204" pitchFamily="50" charset="-128"/>
-              </a:rPr>
-              <a:t>法</a:t>
-            </a:r>
-          </a:p>
-        </p:txBody>
-      </p:sp>
-      <p:sp>
-        <p:nvSpPr>
-          <p:cNvPr id="25" name="四角形: 角を丸くする 24">
-            <a:extLst>
-              <a:ext uri="{FF2B5EF4-FFF2-40B4-BE49-F238E27FC236}">
-                <a16:creationId xmlns:a16="http://schemas.microsoft.com/office/drawing/2014/main" id="{C806F202-D13B-ECA5-66DD-0FC6B4C246FC}"/>
-              </a:ext>
-            </a:extLst>
-          </p:cNvPr>
-          <p:cNvSpPr/>
-          <p:nvPr/>
-        </p:nvSpPr>
-        <p:spPr>
-          <a:xfrm>
-            <a:off x="7820941" y="5481908"/>
-            <a:ext cx="2493398" cy="432769"/>
-          </a:xfrm>
-          <a:prstGeom prst="roundRect">
-            <a:avLst/>
-          </a:prstGeom>
-          <a:solidFill>
-            <a:schemeClr val="accent2">
-              <a:lumMod val="20000"/>
-              <a:lumOff val="80000"/>
-            </a:schemeClr>
-          </a:solidFill>
-          <a:ln>
-            <a:noFill/>
-          </a:ln>
-        </p:spPr>
-        <p:style>
-          <a:lnRef idx="2">
-            <a:schemeClr val="accent1">
-              <a:shade val="15000"/>
-            </a:schemeClr>
-          </a:lnRef>
-          <a:fillRef idx="1">
-            <a:schemeClr val="accent1"/>
-          </a:fillRef>
-          <a:effectRef idx="0">
-            <a:schemeClr val="accent1"/>
-          </a:effectRef>
-          <a:fontRef idx="minor">
-            <a:schemeClr val="lt1"/>
-          </a:fontRef>
-        </p:style>
-        <p:txBody>
-          <a:bodyPr rtlCol="0" anchor="ctr"/>
-          <a:lstStyle/>
-          <a:p>
-            <a:pPr algn="ctr"/>
-            <a:r>
-              <a:rPr lang="en-US" altLang="ja-JP" sz="2400" b="1" dirty="0">
-                <a:solidFill>
-                  <a:schemeClr val="tx1"/>
-                </a:solidFill>
-                <a:latin typeface="ＭＳ Ｐゴシック" panose="020B0600070205080204" pitchFamily="50" charset="-128"/>
-                <a:ea typeface="ＭＳ Ｐゴシック" panose="020B0600070205080204" pitchFamily="50" charset="-128"/>
-              </a:rPr>
-              <a:t>k</a:t>
-            </a:r>
-            <a:r>
-              <a:rPr kumimoji="1" lang="en-US" altLang="ja-JP" sz="2400" b="1" dirty="0">
-                <a:solidFill>
-                  <a:schemeClr val="tx1"/>
-                </a:solidFill>
-                <a:latin typeface="ＭＳ Ｐゴシック" panose="020B0600070205080204" pitchFamily="50" charset="-128"/>
-                <a:ea typeface="ＭＳ Ｐゴシック" panose="020B0600070205080204" pitchFamily="50" charset="-128"/>
-              </a:rPr>
-              <a:t>-means</a:t>
-            </a:r>
-            <a:r>
-              <a:rPr kumimoji="1" lang="ja-JP" altLang="en-US" sz="2400" b="1" dirty="0">
-                <a:solidFill>
-                  <a:schemeClr val="tx1"/>
-                </a:solidFill>
-                <a:latin typeface="ＭＳ Ｐゴシック" panose="020B0600070205080204" pitchFamily="50" charset="-128"/>
-                <a:ea typeface="ＭＳ Ｐゴシック" panose="020B0600070205080204" pitchFamily="50" charset="-128"/>
-              </a:rPr>
-              <a:t>法</a:t>
-            </a:r>
-          </a:p>
-        </p:txBody>
-      </p:sp>
-      <p:sp>
-        <p:nvSpPr>
-          <p:cNvPr id="26" name="テキスト ボックス 25">
-            <a:extLst>
-              <a:ext uri="{FF2B5EF4-FFF2-40B4-BE49-F238E27FC236}">
-                <a16:creationId xmlns:a16="http://schemas.microsoft.com/office/drawing/2014/main" id="{D4A304D5-B044-D235-D162-471D926DBC12}"/>
-              </a:ext>
-            </a:extLst>
-          </p:cNvPr>
-          <p:cNvSpPr txBox="1"/>
-          <p:nvPr/>
-        </p:nvSpPr>
-        <p:spPr>
-          <a:xfrm>
-            <a:off x="2902478" y="3482161"/>
-            <a:ext cx="1930337" cy="369332"/>
-          </a:xfrm>
-          <a:prstGeom prst="rect">
-            <a:avLst/>
-          </a:prstGeom>
-          <a:noFill/>
-        </p:spPr>
-        <p:txBody>
-          <a:bodyPr wrap="none" rtlCol="0">
-            <a:spAutoFit/>
-          </a:bodyPr>
-          <a:lstStyle/>
-          <a:p>
-            <a:r>
-              <a:rPr kumimoji="1" lang="ja-JP" altLang="en-US" dirty="0">
-                <a:latin typeface="ＭＳ Ｐゴシック" panose="020B0600070205080204" pitchFamily="50" charset="-128"/>
-                <a:ea typeface="ＭＳ Ｐゴシック" panose="020B0600070205080204" pitchFamily="50" charset="-128"/>
-              </a:rPr>
-              <a:t>メドイド </a:t>
-            </a:r>
-            <a:r>
-              <a:rPr kumimoji="1" lang="en-US" altLang="ja-JP" dirty="0">
-                <a:latin typeface="ＭＳ Ｐゴシック" panose="020B0600070205080204" pitchFamily="50" charset="-128"/>
-                <a:ea typeface="ＭＳ Ｐゴシック" panose="020B0600070205080204" pitchFamily="50" charset="-128"/>
-              </a:rPr>
-              <a:t>(</a:t>
-            </a:r>
-            <a:r>
-              <a:rPr kumimoji="1" lang="ja-JP" altLang="en-US" dirty="0">
-                <a:latin typeface="ＭＳ Ｐゴシック" panose="020B0600070205080204" pitchFamily="50" charset="-128"/>
-                <a:ea typeface="ＭＳ Ｐゴシック" panose="020B0600070205080204" pitchFamily="50" charset="-128"/>
-              </a:rPr>
-              <a:t>実データ</a:t>
-            </a:r>
-            <a:r>
-              <a:rPr kumimoji="1" lang="en-US" altLang="ja-JP" dirty="0">
-                <a:latin typeface="ＭＳ Ｐゴシック" panose="020B0600070205080204" pitchFamily="50" charset="-128"/>
-                <a:ea typeface="ＭＳ Ｐゴシック" panose="020B0600070205080204" pitchFamily="50" charset="-128"/>
-              </a:rPr>
-              <a:t>)</a:t>
-            </a:r>
-            <a:endParaRPr kumimoji="1" lang="ja-JP" altLang="en-US" dirty="0">
-              <a:latin typeface="ＭＳ Ｐゴシック" panose="020B0600070205080204" pitchFamily="50" charset="-128"/>
-              <a:ea typeface="ＭＳ Ｐゴシック" panose="020B0600070205080204" pitchFamily="50" charset="-128"/>
-            </a:endParaRPr>
-          </a:p>
-        </p:txBody>
-      </p:sp>
-      <p:sp>
-        <p:nvSpPr>
-          <p:cNvPr id="27" name="楕円 26">
-            <a:extLst>
-              <a:ext uri="{FF2B5EF4-FFF2-40B4-BE49-F238E27FC236}">
-                <a16:creationId xmlns:a16="http://schemas.microsoft.com/office/drawing/2014/main" id="{0DB82AD2-1B28-24D8-9BAA-4DC47D2E58E2}"/>
-              </a:ext>
-            </a:extLst>
-          </p:cNvPr>
-          <p:cNvSpPr/>
-          <p:nvPr/>
-        </p:nvSpPr>
-        <p:spPr>
-          <a:xfrm>
-            <a:off x="8977640" y="3761493"/>
-            <a:ext cx="180000" cy="180000"/>
-          </a:xfrm>
-          <a:prstGeom prst="ellipse">
-            <a:avLst/>
-          </a:prstGeom>
-          <a:noFill/>
-          <a:ln w="19050">
+        </p:grpSpPr>
+        <p:cxnSp>
+          <p:nvCxnSpPr>
+            <p:cNvPr id="3" name="直線矢印コネクタ 2">
+              <a:extLst>
+                <a:ext uri="{FF2B5EF4-FFF2-40B4-BE49-F238E27FC236}">
+                  <a16:creationId xmlns:a16="http://schemas.microsoft.com/office/drawing/2014/main" id="{F02B36C5-A2CD-F01E-9DB3-72746AA9F329}"/>
+                </a:ext>
+              </a:extLst>
+            </p:cNvPr>
+            <p:cNvCxnSpPr>
+              <a:cxnSpLocks/>
+            </p:cNvCxnSpPr>
+            <p:nvPr/>
+          </p:nvCxnSpPr>
+          <p:spPr>
+            <a:xfrm>
+              <a:off x="739896" y="5186254"/>
+              <a:ext cx="4285814" cy="0"/>
+            </a:xfrm>
+            <a:prstGeom prst="straightConnector1">
+              <a:avLst/>
+            </a:prstGeom>
+            <a:ln w="19050">
+              <a:tailEnd type="triangle"/>
+            </a:ln>
+          </p:spPr>
+          <p:style>
+            <a:lnRef idx="1">
+              <a:schemeClr val="dk1"/>
+            </a:lnRef>
+            <a:fillRef idx="0">
+              <a:schemeClr val="dk1"/>
+            </a:fillRef>
+            <a:effectRef idx="0">
+              <a:schemeClr val="dk1"/>
+            </a:effectRef>
+            <a:fontRef idx="minor">
+              <a:schemeClr val="tx1"/>
+            </a:fontRef>
+          </p:style>
+        </p:cxnSp>
+        <p:cxnSp>
+          <p:nvCxnSpPr>
+            <p:cNvPr id="6" name="直線矢印コネクタ 5">
+              <a:extLst>
+                <a:ext uri="{FF2B5EF4-FFF2-40B4-BE49-F238E27FC236}">
+                  <a16:creationId xmlns:a16="http://schemas.microsoft.com/office/drawing/2014/main" id="{46BA5A33-0267-D86B-A153-E61E334C0E18}"/>
+                </a:ext>
+              </a:extLst>
+            </p:cNvPr>
+            <p:cNvCxnSpPr>
+              <a:cxnSpLocks/>
+            </p:cNvCxnSpPr>
+            <p:nvPr/>
+          </p:nvCxnSpPr>
+          <p:spPr>
+            <a:xfrm flipV="1">
+              <a:off x="850415" y="2268549"/>
+              <a:ext cx="0" cy="3063124"/>
+            </a:xfrm>
+            <a:prstGeom prst="straightConnector1">
+              <a:avLst/>
+            </a:prstGeom>
+            <a:ln w="19050">
+              <a:tailEnd type="triangle"/>
+            </a:ln>
+          </p:spPr>
+          <p:style>
+            <a:lnRef idx="1">
+              <a:schemeClr val="dk1"/>
+            </a:lnRef>
+            <a:fillRef idx="0">
+              <a:schemeClr val="dk1"/>
+            </a:fillRef>
+            <a:effectRef idx="0">
+              <a:schemeClr val="dk1"/>
+            </a:effectRef>
+            <a:fontRef idx="minor">
+              <a:schemeClr val="tx1"/>
+            </a:fontRef>
+          </p:style>
+        </p:cxnSp>
+        <p:sp>
+          <p:nvSpPr>
+            <p:cNvPr id="9" name="楕円 8">
+              <a:extLst>
+                <a:ext uri="{FF2B5EF4-FFF2-40B4-BE49-F238E27FC236}">
+                  <a16:creationId xmlns:a16="http://schemas.microsoft.com/office/drawing/2014/main" id="{79724C2C-4B82-78AC-E5FE-FBA3A4B91C51}"/>
+                </a:ext>
+              </a:extLst>
+            </p:cNvPr>
+            <p:cNvSpPr/>
+            <p:nvPr/>
+          </p:nvSpPr>
+          <p:spPr>
+            <a:xfrm>
+              <a:off x="1877661" y="3043346"/>
+              <a:ext cx="180000" cy="180000"/>
+            </a:xfrm>
+            <a:prstGeom prst="ellipse">
+              <a:avLst/>
+            </a:prstGeom>
+            <a:ln>
+              <a:noFill/>
+            </a:ln>
+          </p:spPr>
+          <p:style>
+            <a:lnRef idx="2">
+              <a:schemeClr val="accent1">
+                <a:shade val="15000"/>
+              </a:schemeClr>
+            </a:lnRef>
+            <a:fillRef idx="1">
+              <a:schemeClr val="accent1"/>
+            </a:fillRef>
+            <a:effectRef idx="0">
+              <a:schemeClr val="accent1"/>
+            </a:effectRef>
+            <a:fontRef idx="minor">
+              <a:schemeClr val="lt1"/>
+            </a:fontRef>
+          </p:style>
+          <p:txBody>
+            <a:bodyPr rtlCol="0" anchor="ctr"/>
+            <a:lstStyle/>
+            <a:p>
+              <a:pPr algn="ctr"/>
+              <a:endParaRPr kumimoji="1" lang="ja-JP" altLang="en-US"/>
+            </a:p>
+          </p:txBody>
+        </p:sp>
+        <p:sp>
+          <p:nvSpPr>
+            <p:cNvPr id="10" name="楕円 9">
+              <a:extLst>
+                <a:ext uri="{FF2B5EF4-FFF2-40B4-BE49-F238E27FC236}">
+                  <a16:creationId xmlns:a16="http://schemas.microsoft.com/office/drawing/2014/main" id="{6D097CEE-276B-5760-63B2-CB61232A9FEB}"/>
+                </a:ext>
+              </a:extLst>
+            </p:cNvPr>
+            <p:cNvSpPr/>
+            <p:nvPr/>
+          </p:nvSpPr>
+          <p:spPr>
+            <a:xfrm>
+              <a:off x="1450709" y="4375392"/>
+              <a:ext cx="180000" cy="180000"/>
+            </a:xfrm>
+            <a:prstGeom prst="ellipse">
+              <a:avLst/>
+            </a:prstGeom>
+            <a:ln>
+              <a:noFill/>
+            </a:ln>
+          </p:spPr>
+          <p:style>
+            <a:lnRef idx="2">
+              <a:schemeClr val="accent1">
+                <a:shade val="15000"/>
+              </a:schemeClr>
+            </a:lnRef>
+            <a:fillRef idx="1">
+              <a:schemeClr val="accent1"/>
+            </a:fillRef>
+            <a:effectRef idx="0">
+              <a:schemeClr val="accent1"/>
+            </a:effectRef>
+            <a:fontRef idx="minor">
+              <a:schemeClr val="lt1"/>
+            </a:fontRef>
+          </p:style>
+          <p:txBody>
+            <a:bodyPr rtlCol="0" anchor="ctr"/>
+            <a:lstStyle/>
+            <a:p>
+              <a:pPr algn="ctr"/>
+              <a:endParaRPr kumimoji="1" lang="ja-JP" altLang="en-US"/>
+            </a:p>
+          </p:txBody>
+        </p:sp>
+        <p:sp>
+          <p:nvSpPr>
+            <p:cNvPr id="11" name="楕円 10">
+              <a:extLst>
+                <a:ext uri="{FF2B5EF4-FFF2-40B4-BE49-F238E27FC236}">
+                  <a16:creationId xmlns:a16="http://schemas.microsoft.com/office/drawing/2014/main" id="{F4C4D390-1AC7-2911-A9DE-00C7377BEFBF}"/>
+                </a:ext>
+              </a:extLst>
+            </p:cNvPr>
+            <p:cNvSpPr/>
+            <p:nvPr/>
+          </p:nvSpPr>
+          <p:spPr>
+            <a:xfrm>
+              <a:off x="2397261" y="3973452"/>
+              <a:ext cx="180000" cy="180000"/>
+            </a:xfrm>
+            <a:prstGeom prst="ellipse">
+              <a:avLst/>
+            </a:prstGeom>
+            <a:ln>
+              <a:noFill/>
+            </a:ln>
+          </p:spPr>
+          <p:style>
+            <a:lnRef idx="2">
+              <a:schemeClr val="accent1">
+                <a:shade val="15000"/>
+              </a:schemeClr>
+            </a:lnRef>
+            <a:fillRef idx="1">
+              <a:schemeClr val="accent1"/>
+            </a:fillRef>
+            <a:effectRef idx="0">
+              <a:schemeClr val="accent1"/>
+            </a:effectRef>
+            <a:fontRef idx="minor">
+              <a:schemeClr val="lt1"/>
+            </a:fontRef>
+          </p:style>
+          <p:txBody>
+            <a:bodyPr rtlCol="0" anchor="ctr"/>
+            <a:lstStyle/>
+            <a:p>
+              <a:pPr algn="ctr"/>
+              <a:endParaRPr kumimoji="1" lang="ja-JP" altLang="en-US"/>
+            </a:p>
+          </p:txBody>
+        </p:sp>
+        <p:sp>
+          <p:nvSpPr>
+            <p:cNvPr id="12" name="楕円 11">
+              <a:extLst>
+                <a:ext uri="{FF2B5EF4-FFF2-40B4-BE49-F238E27FC236}">
+                  <a16:creationId xmlns:a16="http://schemas.microsoft.com/office/drawing/2014/main" id="{5AA1B68F-EBDA-CF7B-F6E8-250428C22A75}"/>
+                </a:ext>
+              </a:extLst>
+            </p:cNvPr>
+            <p:cNvSpPr/>
+            <p:nvPr/>
+          </p:nvSpPr>
+          <p:spPr>
+            <a:xfrm>
+              <a:off x="4124107" y="2863346"/>
+              <a:ext cx="180000" cy="180000"/>
+            </a:xfrm>
+            <a:prstGeom prst="ellipse">
+              <a:avLst/>
+            </a:prstGeom>
+            <a:ln>
+              <a:noFill/>
+            </a:ln>
+          </p:spPr>
+          <p:style>
+            <a:lnRef idx="2">
+              <a:schemeClr val="accent1">
+                <a:shade val="15000"/>
+              </a:schemeClr>
+            </a:lnRef>
+            <a:fillRef idx="1">
+              <a:schemeClr val="accent1"/>
+            </a:fillRef>
+            <a:effectRef idx="0">
+              <a:schemeClr val="accent1"/>
+            </a:effectRef>
+            <a:fontRef idx="minor">
+              <a:schemeClr val="lt1"/>
+            </a:fontRef>
+          </p:style>
+          <p:txBody>
+            <a:bodyPr rtlCol="0" anchor="ctr"/>
+            <a:lstStyle/>
+            <a:p>
+              <a:pPr algn="ctr"/>
+              <a:endParaRPr kumimoji="1" lang="ja-JP" altLang="en-US"/>
+            </a:p>
+          </p:txBody>
+        </p:sp>
+        <p:sp>
+          <p:nvSpPr>
+            <p:cNvPr id="13" name="楕円 12">
+              <a:extLst>
+                <a:ext uri="{FF2B5EF4-FFF2-40B4-BE49-F238E27FC236}">
+                  <a16:creationId xmlns:a16="http://schemas.microsoft.com/office/drawing/2014/main" id="{24F88A9B-BE19-D2B7-BD6A-E96DC7B11A1E}"/>
+                </a:ext>
+              </a:extLst>
+            </p:cNvPr>
+            <p:cNvSpPr/>
+            <p:nvPr/>
+          </p:nvSpPr>
+          <p:spPr>
+            <a:xfrm>
+              <a:off x="2882803" y="3339000"/>
+              <a:ext cx="180000" cy="180000"/>
+            </a:xfrm>
+            <a:prstGeom prst="ellipse">
+              <a:avLst/>
+            </a:prstGeom>
             <a:solidFill>
               <a:srgbClr val="FF0000"/>
             </a:solidFill>
-            <a:prstDash val="dash"/>
-          </a:ln>
-        </p:spPr>
-        <p:style>
-          <a:lnRef idx="2">
-            <a:schemeClr val="accent1">
-              <a:shade val="15000"/>
-            </a:schemeClr>
-          </a:lnRef>
-          <a:fillRef idx="1">
-            <a:schemeClr val="accent1"/>
-          </a:fillRef>
-          <a:effectRef idx="0">
-            <a:schemeClr val="accent1"/>
-          </a:effectRef>
-          <a:fontRef idx="minor">
-            <a:schemeClr val="lt1"/>
-          </a:fontRef>
-        </p:style>
-        <p:txBody>
-          <a:bodyPr rtlCol="0" anchor="ctr"/>
-          <a:lstStyle/>
-          <a:p>
-            <a:pPr algn="ctr"/>
-            <a:endParaRPr kumimoji="1" lang="ja-JP" altLang="en-US"/>
-          </a:p>
-        </p:txBody>
-      </p:sp>
-      <p:sp>
-        <p:nvSpPr>
-          <p:cNvPr id="28" name="テキスト ボックス 27">
-            <a:extLst>
-              <a:ext uri="{FF2B5EF4-FFF2-40B4-BE49-F238E27FC236}">
-                <a16:creationId xmlns:a16="http://schemas.microsoft.com/office/drawing/2014/main" id="{D88E2201-4C74-DB69-5D94-CA5CA7319967}"/>
-              </a:ext>
-            </a:extLst>
-          </p:cNvPr>
-          <p:cNvSpPr txBox="1"/>
-          <p:nvPr/>
-        </p:nvSpPr>
-        <p:spPr>
-          <a:xfrm>
-            <a:off x="9067640" y="3956714"/>
-            <a:ext cx="2589170" cy="369332"/>
-          </a:xfrm>
-          <a:prstGeom prst="rect">
-            <a:avLst/>
-          </a:prstGeom>
-          <a:noFill/>
-        </p:spPr>
-        <p:txBody>
-          <a:bodyPr wrap="none" rtlCol="0">
-            <a:spAutoFit/>
-          </a:bodyPr>
-          <a:lstStyle/>
-          <a:p>
-            <a:r>
-              <a:rPr kumimoji="1" lang="ja-JP" altLang="en-US">
+            <a:ln>
+              <a:noFill/>
+            </a:ln>
+          </p:spPr>
+          <p:style>
+            <a:lnRef idx="2">
+              <a:schemeClr val="accent1">
+                <a:shade val="15000"/>
+              </a:schemeClr>
+            </a:lnRef>
+            <a:fillRef idx="1">
+              <a:schemeClr val="accent1"/>
+            </a:fillRef>
+            <a:effectRef idx="0">
+              <a:schemeClr val="accent1"/>
+            </a:effectRef>
+            <a:fontRef idx="minor">
+              <a:schemeClr val="lt1"/>
+            </a:fontRef>
+          </p:style>
+          <p:txBody>
+            <a:bodyPr rtlCol="0" anchor="ctr"/>
+            <a:lstStyle/>
+            <a:p>
+              <a:pPr algn="ctr"/>
+              <a:endParaRPr kumimoji="1" lang="ja-JP" altLang="en-US"/>
+            </a:p>
+          </p:txBody>
+        </p:sp>
+        <p:sp>
+          <p:nvSpPr>
+            <p:cNvPr id="14" name="楕円 13">
+              <a:extLst>
+                <a:ext uri="{FF2B5EF4-FFF2-40B4-BE49-F238E27FC236}">
+                  <a16:creationId xmlns:a16="http://schemas.microsoft.com/office/drawing/2014/main" id="{A747B895-B33A-53B4-FF46-2382D9598BBA}"/>
+                </a:ext>
+              </a:extLst>
+            </p:cNvPr>
+            <p:cNvSpPr/>
+            <p:nvPr/>
+          </p:nvSpPr>
+          <p:spPr>
+            <a:xfrm>
+              <a:off x="3663416" y="4465392"/>
+              <a:ext cx="180000" cy="180000"/>
+            </a:xfrm>
+            <a:prstGeom prst="ellipse">
+              <a:avLst/>
+            </a:prstGeom>
+            <a:ln>
+              <a:noFill/>
+            </a:ln>
+          </p:spPr>
+          <p:style>
+            <a:lnRef idx="2">
+              <a:schemeClr val="accent1">
+                <a:shade val="15000"/>
+              </a:schemeClr>
+            </a:lnRef>
+            <a:fillRef idx="1">
+              <a:schemeClr val="accent1"/>
+            </a:fillRef>
+            <a:effectRef idx="0">
+              <a:schemeClr val="accent1"/>
+            </a:effectRef>
+            <a:fontRef idx="minor">
+              <a:schemeClr val="lt1"/>
+            </a:fontRef>
+          </p:style>
+          <p:txBody>
+            <a:bodyPr rtlCol="0" anchor="ctr"/>
+            <a:lstStyle/>
+            <a:p>
+              <a:pPr algn="ctr"/>
+              <a:endParaRPr kumimoji="1" lang="ja-JP" altLang="en-US"/>
+            </a:p>
+          </p:txBody>
+        </p:sp>
+        <p:cxnSp>
+          <p:nvCxnSpPr>
+            <p:cNvPr id="16" name="直線矢印コネクタ 15">
+              <a:extLst>
+                <a:ext uri="{FF2B5EF4-FFF2-40B4-BE49-F238E27FC236}">
+                  <a16:creationId xmlns:a16="http://schemas.microsoft.com/office/drawing/2014/main" id="{89B6299C-6028-5C90-EE49-EEB983A634C6}"/>
+                </a:ext>
+              </a:extLst>
+            </p:cNvPr>
+            <p:cNvCxnSpPr>
+              <a:cxnSpLocks/>
+            </p:cNvCxnSpPr>
+            <p:nvPr/>
+          </p:nvCxnSpPr>
+          <p:spPr>
+            <a:xfrm>
+              <a:off x="6750128" y="5186254"/>
+              <a:ext cx="4285814" cy="0"/>
+            </a:xfrm>
+            <a:prstGeom prst="straightConnector1">
+              <a:avLst/>
+            </a:prstGeom>
+            <a:ln w="19050">
+              <a:tailEnd type="triangle"/>
+            </a:ln>
+          </p:spPr>
+          <p:style>
+            <a:lnRef idx="1">
+              <a:schemeClr val="dk1"/>
+            </a:lnRef>
+            <a:fillRef idx="0">
+              <a:schemeClr val="dk1"/>
+            </a:fillRef>
+            <a:effectRef idx="0">
+              <a:schemeClr val="dk1"/>
+            </a:effectRef>
+            <a:fontRef idx="minor">
+              <a:schemeClr val="tx1"/>
+            </a:fontRef>
+          </p:style>
+        </p:cxnSp>
+        <p:cxnSp>
+          <p:nvCxnSpPr>
+            <p:cNvPr id="17" name="直線矢印コネクタ 16">
+              <a:extLst>
+                <a:ext uri="{FF2B5EF4-FFF2-40B4-BE49-F238E27FC236}">
+                  <a16:creationId xmlns:a16="http://schemas.microsoft.com/office/drawing/2014/main" id="{D62017BA-3297-AFAE-37BD-F158584EE17F}"/>
+                </a:ext>
+              </a:extLst>
+            </p:cNvPr>
+            <p:cNvCxnSpPr>
+              <a:cxnSpLocks/>
+            </p:cNvCxnSpPr>
+            <p:nvPr/>
+          </p:nvCxnSpPr>
+          <p:spPr>
+            <a:xfrm flipV="1">
+              <a:off x="6860647" y="2268549"/>
+              <a:ext cx="0" cy="3063124"/>
+            </a:xfrm>
+            <a:prstGeom prst="straightConnector1">
+              <a:avLst/>
+            </a:prstGeom>
+            <a:ln w="19050">
+              <a:tailEnd type="triangle"/>
+            </a:ln>
+          </p:spPr>
+          <p:style>
+            <a:lnRef idx="1">
+              <a:schemeClr val="dk1"/>
+            </a:lnRef>
+            <a:fillRef idx="0">
+              <a:schemeClr val="dk1"/>
+            </a:fillRef>
+            <a:effectRef idx="0">
+              <a:schemeClr val="dk1"/>
+            </a:effectRef>
+            <a:fontRef idx="minor">
+              <a:schemeClr val="tx1"/>
+            </a:fontRef>
+          </p:style>
+        </p:cxnSp>
+        <p:sp>
+          <p:nvSpPr>
+            <p:cNvPr id="18" name="楕円 17">
+              <a:extLst>
+                <a:ext uri="{FF2B5EF4-FFF2-40B4-BE49-F238E27FC236}">
+                  <a16:creationId xmlns:a16="http://schemas.microsoft.com/office/drawing/2014/main" id="{55E968DF-695C-2B1C-063D-C8B322B0D9F7}"/>
+                </a:ext>
+              </a:extLst>
+            </p:cNvPr>
+            <p:cNvSpPr/>
+            <p:nvPr/>
+          </p:nvSpPr>
+          <p:spPr>
+            <a:xfrm>
+              <a:off x="7887893" y="3043346"/>
+              <a:ext cx="180000" cy="180000"/>
+            </a:xfrm>
+            <a:prstGeom prst="ellipse">
+              <a:avLst/>
+            </a:prstGeom>
+            <a:ln>
+              <a:noFill/>
+            </a:ln>
+          </p:spPr>
+          <p:style>
+            <a:lnRef idx="2">
+              <a:schemeClr val="accent1">
+                <a:shade val="15000"/>
+              </a:schemeClr>
+            </a:lnRef>
+            <a:fillRef idx="1">
+              <a:schemeClr val="accent1"/>
+            </a:fillRef>
+            <a:effectRef idx="0">
+              <a:schemeClr val="accent1"/>
+            </a:effectRef>
+            <a:fontRef idx="minor">
+              <a:schemeClr val="lt1"/>
+            </a:fontRef>
+          </p:style>
+          <p:txBody>
+            <a:bodyPr rtlCol="0" anchor="ctr"/>
+            <a:lstStyle/>
+            <a:p>
+              <a:pPr algn="ctr"/>
+              <a:endParaRPr kumimoji="1" lang="ja-JP" altLang="en-US"/>
+            </a:p>
+          </p:txBody>
+        </p:sp>
+        <p:sp>
+          <p:nvSpPr>
+            <p:cNvPr id="19" name="楕円 18">
+              <a:extLst>
+                <a:ext uri="{FF2B5EF4-FFF2-40B4-BE49-F238E27FC236}">
+                  <a16:creationId xmlns:a16="http://schemas.microsoft.com/office/drawing/2014/main" id="{027708A2-D68F-86C9-905E-47B780CF3F7D}"/>
+                </a:ext>
+              </a:extLst>
+            </p:cNvPr>
+            <p:cNvSpPr/>
+            <p:nvPr/>
+          </p:nvSpPr>
+          <p:spPr>
+            <a:xfrm>
+              <a:off x="7460941" y="4375392"/>
+              <a:ext cx="180000" cy="180000"/>
+            </a:xfrm>
+            <a:prstGeom prst="ellipse">
+              <a:avLst/>
+            </a:prstGeom>
+            <a:ln>
+              <a:noFill/>
+            </a:ln>
+          </p:spPr>
+          <p:style>
+            <a:lnRef idx="2">
+              <a:schemeClr val="accent1">
+                <a:shade val="15000"/>
+              </a:schemeClr>
+            </a:lnRef>
+            <a:fillRef idx="1">
+              <a:schemeClr val="accent1"/>
+            </a:fillRef>
+            <a:effectRef idx="0">
+              <a:schemeClr val="accent1"/>
+            </a:effectRef>
+            <a:fontRef idx="minor">
+              <a:schemeClr val="lt1"/>
+            </a:fontRef>
+          </p:style>
+          <p:txBody>
+            <a:bodyPr rtlCol="0" anchor="ctr"/>
+            <a:lstStyle/>
+            <a:p>
+              <a:pPr algn="ctr"/>
+              <a:endParaRPr kumimoji="1" lang="ja-JP" altLang="en-US"/>
+            </a:p>
+          </p:txBody>
+        </p:sp>
+        <p:sp>
+          <p:nvSpPr>
+            <p:cNvPr id="20" name="楕円 19">
+              <a:extLst>
+                <a:ext uri="{FF2B5EF4-FFF2-40B4-BE49-F238E27FC236}">
+                  <a16:creationId xmlns:a16="http://schemas.microsoft.com/office/drawing/2014/main" id="{F4B22A5F-0322-CA96-A19D-3528D0FC9CA2}"/>
+                </a:ext>
+              </a:extLst>
+            </p:cNvPr>
+            <p:cNvSpPr/>
+            <p:nvPr/>
+          </p:nvSpPr>
+          <p:spPr>
+            <a:xfrm>
+              <a:off x="8407493" y="3973452"/>
+              <a:ext cx="180000" cy="180000"/>
+            </a:xfrm>
+            <a:prstGeom prst="ellipse">
+              <a:avLst/>
+            </a:prstGeom>
+            <a:ln>
+              <a:noFill/>
+            </a:ln>
+          </p:spPr>
+          <p:style>
+            <a:lnRef idx="2">
+              <a:schemeClr val="accent1">
+                <a:shade val="15000"/>
+              </a:schemeClr>
+            </a:lnRef>
+            <a:fillRef idx="1">
+              <a:schemeClr val="accent1"/>
+            </a:fillRef>
+            <a:effectRef idx="0">
+              <a:schemeClr val="accent1"/>
+            </a:effectRef>
+            <a:fontRef idx="minor">
+              <a:schemeClr val="lt1"/>
+            </a:fontRef>
+          </p:style>
+          <p:txBody>
+            <a:bodyPr rtlCol="0" anchor="ctr"/>
+            <a:lstStyle/>
+            <a:p>
+              <a:pPr algn="ctr"/>
+              <a:endParaRPr kumimoji="1" lang="ja-JP" altLang="en-US"/>
+            </a:p>
+          </p:txBody>
+        </p:sp>
+        <p:sp>
+          <p:nvSpPr>
+            <p:cNvPr id="21" name="楕円 20">
+              <a:extLst>
+                <a:ext uri="{FF2B5EF4-FFF2-40B4-BE49-F238E27FC236}">
+                  <a16:creationId xmlns:a16="http://schemas.microsoft.com/office/drawing/2014/main" id="{9D7B4CA6-6848-8D89-17C3-2D9872704C75}"/>
+                </a:ext>
+              </a:extLst>
+            </p:cNvPr>
+            <p:cNvSpPr/>
+            <p:nvPr/>
+          </p:nvSpPr>
+          <p:spPr>
+            <a:xfrm>
+              <a:off x="10134339" y="2863346"/>
+              <a:ext cx="180000" cy="180000"/>
+            </a:xfrm>
+            <a:prstGeom prst="ellipse">
+              <a:avLst/>
+            </a:prstGeom>
+            <a:ln>
+              <a:noFill/>
+            </a:ln>
+          </p:spPr>
+          <p:style>
+            <a:lnRef idx="2">
+              <a:schemeClr val="accent1">
+                <a:shade val="15000"/>
+              </a:schemeClr>
+            </a:lnRef>
+            <a:fillRef idx="1">
+              <a:schemeClr val="accent1"/>
+            </a:fillRef>
+            <a:effectRef idx="0">
+              <a:schemeClr val="accent1"/>
+            </a:effectRef>
+            <a:fontRef idx="minor">
+              <a:schemeClr val="lt1"/>
+            </a:fontRef>
+          </p:style>
+          <p:txBody>
+            <a:bodyPr rtlCol="0" anchor="ctr"/>
+            <a:lstStyle/>
+            <a:p>
+              <a:pPr algn="ctr"/>
+              <a:endParaRPr kumimoji="1" lang="ja-JP" altLang="en-US"/>
+            </a:p>
+          </p:txBody>
+        </p:sp>
+        <p:sp>
+          <p:nvSpPr>
+            <p:cNvPr id="22" name="楕円 21">
+              <a:extLst>
+                <a:ext uri="{FF2B5EF4-FFF2-40B4-BE49-F238E27FC236}">
+                  <a16:creationId xmlns:a16="http://schemas.microsoft.com/office/drawing/2014/main" id="{30C4DA3F-C364-0992-D927-30EEA94EA019}"/>
+                </a:ext>
+              </a:extLst>
+            </p:cNvPr>
+            <p:cNvSpPr/>
+            <p:nvPr/>
+          </p:nvSpPr>
+          <p:spPr>
+            <a:xfrm>
+              <a:off x="8893035" y="3339000"/>
+              <a:ext cx="180000" cy="180000"/>
+            </a:xfrm>
+            <a:prstGeom prst="ellipse">
+              <a:avLst/>
+            </a:prstGeom>
+            <a:ln>
+              <a:noFill/>
+            </a:ln>
+          </p:spPr>
+          <p:style>
+            <a:lnRef idx="2">
+              <a:schemeClr val="accent1">
+                <a:shade val="15000"/>
+              </a:schemeClr>
+            </a:lnRef>
+            <a:fillRef idx="1">
+              <a:schemeClr val="accent1"/>
+            </a:fillRef>
+            <a:effectRef idx="0">
+              <a:schemeClr val="accent1"/>
+            </a:effectRef>
+            <a:fontRef idx="minor">
+              <a:schemeClr val="lt1"/>
+            </a:fontRef>
+          </p:style>
+          <p:txBody>
+            <a:bodyPr rtlCol="0" anchor="ctr"/>
+            <a:lstStyle/>
+            <a:p>
+              <a:pPr algn="ctr"/>
+              <a:endParaRPr kumimoji="1" lang="ja-JP" altLang="en-US"/>
+            </a:p>
+          </p:txBody>
+        </p:sp>
+        <p:sp>
+          <p:nvSpPr>
+            <p:cNvPr id="23" name="楕円 22">
+              <a:extLst>
+                <a:ext uri="{FF2B5EF4-FFF2-40B4-BE49-F238E27FC236}">
+                  <a16:creationId xmlns:a16="http://schemas.microsoft.com/office/drawing/2014/main" id="{7E5E7862-0795-6B3B-11E8-4AD72199242C}"/>
+                </a:ext>
+              </a:extLst>
+            </p:cNvPr>
+            <p:cNvSpPr/>
+            <p:nvPr/>
+          </p:nvSpPr>
+          <p:spPr>
+            <a:xfrm>
+              <a:off x="9673648" y="4465392"/>
+              <a:ext cx="180000" cy="180000"/>
+            </a:xfrm>
+            <a:prstGeom prst="ellipse">
+              <a:avLst/>
+            </a:prstGeom>
+            <a:ln>
+              <a:noFill/>
+            </a:ln>
+          </p:spPr>
+          <p:style>
+            <a:lnRef idx="2">
+              <a:schemeClr val="accent1">
+                <a:shade val="15000"/>
+              </a:schemeClr>
+            </a:lnRef>
+            <a:fillRef idx="1">
+              <a:schemeClr val="accent1"/>
+            </a:fillRef>
+            <a:effectRef idx="0">
+              <a:schemeClr val="accent1"/>
+            </a:effectRef>
+            <a:fontRef idx="minor">
+              <a:schemeClr val="lt1"/>
+            </a:fontRef>
+          </p:style>
+          <p:txBody>
+            <a:bodyPr rtlCol="0" anchor="ctr"/>
+            <a:lstStyle/>
+            <a:p>
+              <a:pPr algn="ctr"/>
+              <a:endParaRPr kumimoji="1" lang="ja-JP" altLang="en-US"/>
+            </a:p>
+          </p:txBody>
+        </p:sp>
+        <p:sp>
+          <p:nvSpPr>
+            <p:cNvPr id="24" name="四角形: 角を丸くする 23">
+              <a:extLst>
+                <a:ext uri="{FF2B5EF4-FFF2-40B4-BE49-F238E27FC236}">
+                  <a16:creationId xmlns:a16="http://schemas.microsoft.com/office/drawing/2014/main" id="{E57BBCD9-2F25-583D-A595-E7261BF0803E}"/>
+                </a:ext>
+              </a:extLst>
+            </p:cNvPr>
+            <p:cNvSpPr/>
+            <p:nvPr/>
+          </p:nvSpPr>
+          <p:spPr>
+            <a:xfrm>
+              <a:off x="1810709" y="5481908"/>
+              <a:ext cx="2493398" cy="432769"/>
+            </a:xfrm>
+            <a:prstGeom prst="roundRect">
+              <a:avLst/>
+            </a:prstGeom>
+            <a:solidFill>
+              <a:schemeClr val="accent2">
+                <a:lumMod val="60000"/>
+                <a:lumOff val="40000"/>
+              </a:schemeClr>
+            </a:solidFill>
+            <a:ln>
+              <a:noFill/>
+            </a:ln>
+          </p:spPr>
+          <p:style>
+            <a:lnRef idx="2">
+              <a:schemeClr val="accent1">
+                <a:shade val="15000"/>
+              </a:schemeClr>
+            </a:lnRef>
+            <a:fillRef idx="1">
+              <a:schemeClr val="accent1"/>
+            </a:fillRef>
+            <a:effectRef idx="0">
+              <a:schemeClr val="accent1"/>
+            </a:effectRef>
+            <a:fontRef idx="minor">
+              <a:schemeClr val="lt1"/>
+            </a:fontRef>
+          </p:style>
+          <p:txBody>
+            <a:bodyPr rtlCol="0" anchor="ctr"/>
+            <a:lstStyle/>
+            <a:p>
+              <a:pPr algn="ctr"/>
+              <a:r>
+                <a:rPr lang="en-US" altLang="ja-JP" sz="2400" b="1" dirty="0">
+                  <a:solidFill>
+                    <a:schemeClr val="tx1"/>
+                  </a:solidFill>
+                  <a:latin typeface="ＭＳ Ｐゴシック" panose="020B0600070205080204" pitchFamily="50" charset="-128"/>
+                  <a:ea typeface="ＭＳ Ｐゴシック" panose="020B0600070205080204" pitchFamily="50" charset="-128"/>
+                </a:rPr>
+                <a:t>k</a:t>
+              </a:r>
+              <a:r>
+                <a:rPr kumimoji="1" lang="en-US" altLang="ja-JP" sz="2400" b="1" dirty="0">
+                  <a:solidFill>
+                    <a:schemeClr val="tx1"/>
+                  </a:solidFill>
+                  <a:latin typeface="ＭＳ Ｐゴシック" panose="020B0600070205080204" pitchFamily="50" charset="-128"/>
+                  <a:ea typeface="ＭＳ Ｐゴシック" panose="020B0600070205080204" pitchFamily="50" charset="-128"/>
+                </a:rPr>
+                <a:t>-medoids</a:t>
+              </a:r>
+              <a:r>
+                <a:rPr kumimoji="1" lang="ja-JP" altLang="en-US" sz="2400" b="1" dirty="0">
+                  <a:solidFill>
+                    <a:schemeClr val="tx1"/>
+                  </a:solidFill>
+                  <a:latin typeface="ＭＳ Ｐゴシック" panose="020B0600070205080204" pitchFamily="50" charset="-128"/>
+                  <a:ea typeface="ＭＳ Ｐゴシック" panose="020B0600070205080204" pitchFamily="50" charset="-128"/>
+                </a:rPr>
+                <a:t>法</a:t>
+              </a:r>
+            </a:p>
+          </p:txBody>
+        </p:sp>
+        <p:sp>
+          <p:nvSpPr>
+            <p:cNvPr id="25" name="四角形: 角を丸くする 24">
+              <a:extLst>
+                <a:ext uri="{FF2B5EF4-FFF2-40B4-BE49-F238E27FC236}">
+                  <a16:creationId xmlns:a16="http://schemas.microsoft.com/office/drawing/2014/main" id="{C806F202-D13B-ECA5-66DD-0FC6B4C246FC}"/>
+                </a:ext>
+              </a:extLst>
+            </p:cNvPr>
+            <p:cNvSpPr/>
+            <p:nvPr/>
+          </p:nvSpPr>
+          <p:spPr>
+            <a:xfrm>
+              <a:off x="7820941" y="5481908"/>
+              <a:ext cx="2493398" cy="432769"/>
+            </a:xfrm>
+            <a:prstGeom prst="roundRect">
+              <a:avLst/>
+            </a:prstGeom>
+            <a:solidFill>
+              <a:schemeClr val="accent2">
+                <a:lumMod val="20000"/>
+                <a:lumOff val="80000"/>
+              </a:schemeClr>
+            </a:solidFill>
+            <a:ln>
+              <a:noFill/>
+            </a:ln>
+          </p:spPr>
+          <p:style>
+            <a:lnRef idx="2">
+              <a:schemeClr val="accent1">
+                <a:shade val="15000"/>
+              </a:schemeClr>
+            </a:lnRef>
+            <a:fillRef idx="1">
+              <a:schemeClr val="accent1"/>
+            </a:fillRef>
+            <a:effectRef idx="0">
+              <a:schemeClr val="accent1"/>
+            </a:effectRef>
+            <a:fontRef idx="minor">
+              <a:schemeClr val="lt1"/>
+            </a:fontRef>
+          </p:style>
+          <p:txBody>
+            <a:bodyPr rtlCol="0" anchor="ctr"/>
+            <a:lstStyle/>
+            <a:p>
+              <a:pPr algn="ctr"/>
+              <a:r>
+                <a:rPr lang="en-US" altLang="ja-JP" sz="2400" b="1" dirty="0">
+                  <a:solidFill>
+                    <a:schemeClr val="tx1"/>
+                  </a:solidFill>
+                  <a:latin typeface="ＭＳ Ｐゴシック" panose="020B0600070205080204" pitchFamily="50" charset="-128"/>
+                  <a:ea typeface="ＭＳ Ｐゴシック" panose="020B0600070205080204" pitchFamily="50" charset="-128"/>
+                </a:rPr>
+                <a:t>k</a:t>
+              </a:r>
+              <a:r>
+                <a:rPr kumimoji="1" lang="en-US" altLang="ja-JP" sz="2400" b="1" dirty="0">
+                  <a:solidFill>
+                    <a:schemeClr val="tx1"/>
+                  </a:solidFill>
+                  <a:latin typeface="ＭＳ Ｐゴシック" panose="020B0600070205080204" pitchFamily="50" charset="-128"/>
+                  <a:ea typeface="ＭＳ Ｐゴシック" panose="020B0600070205080204" pitchFamily="50" charset="-128"/>
+                </a:rPr>
+                <a:t>-means</a:t>
+              </a:r>
+              <a:r>
+                <a:rPr kumimoji="1" lang="ja-JP" altLang="en-US" sz="2400" b="1" dirty="0">
+                  <a:solidFill>
+                    <a:schemeClr val="tx1"/>
+                  </a:solidFill>
+                  <a:latin typeface="ＭＳ Ｐゴシック" panose="020B0600070205080204" pitchFamily="50" charset="-128"/>
+                  <a:ea typeface="ＭＳ Ｐゴシック" panose="020B0600070205080204" pitchFamily="50" charset="-128"/>
+                </a:rPr>
+                <a:t>法</a:t>
+              </a:r>
+            </a:p>
+          </p:txBody>
+        </p:sp>
+        <p:sp>
+          <p:nvSpPr>
+            <p:cNvPr id="26" name="テキスト ボックス 25">
+              <a:extLst>
+                <a:ext uri="{FF2B5EF4-FFF2-40B4-BE49-F238E27FC236}">
+                  <a16:creationId xmlns:a16="http://schemas.microsoft.com/office/drawing/2014/main" id="{D4A304D5-B044-D235-D162-471D926DBC12}"/>
+                </a:ext>
+              </a:extLst>
+            </p:cNvPr>
+            <p:cNvSpPr txBox="1"/>
+            <p:nvPr/>
+          </p:nvSpPr>
+          <p:spPr>
+            <a:xfrm>
+              <a:off x="2902478" y="3482161"/>
+              <a:ext cx="1930337" cy="369332"/>
+            </a:xfrm>
+            <a:prstGeom prst="rect">
+              <a:avLst/>
+            </a:prstGeom>
+            <a:noFill/>
+          </p:spPr>
+          <p:txBody>
+            <a:bodyPr wrap="none" rtlCol="0">
+              <a:spAutoFit/>
+            </a:bodyPr>
+            <a:lstStyle/>
+            <a:p>
+              <a:r>
+                <a:rPr kumimoji="1" lang="ja-JP" altLang="en-US" dirty="0">
+                  <a:latin typeface="ＭＳ Ｐゴシック" panose="020B0600070205080204" pitchFamily="50" charset="-128"/>
+                  <a:ea typeface="ＭＳ Ｐゴシック" panose="020B0600070205080204" pitchFamily="50" charset="-128"/>
+                </a:rPr>
+                <a:t>メドイド </a:t>
+              </a:r>
+              <a:r>
+                <a:rPr kumimoji="1" lang="en-US" altLang="ja-JP" dirty="0">
+                  <a:latin typeface="ＭＳ Ｐゴシック" panose="020B0600070205080204" pitchFamily="50" charset="-128"/>
+                  <a:ea typeface="ＭＳ Ｐゴシック" panose="020B0600070205080204" pitchFamily="50" charset="-128"/>
+                </a:rPr>
+                <a:t>(</a:t>
+              </a:r>
+              <a:r>
+                <a:rPr kumimoji="1" lang="ja-JP" altLang="en-US" dirty="0">
+                  <a:latin typeface="ＭＳ Ｐゴシック" panose="020B0600070205080204" pitchFamily="50" charset="-128"/>
+                  <a:ea typeface="ＭＳ Ｐゴシック" panose="020B0600070205080204" pitchFamily="50" charset="-128"/>
+                </a:rPr>
+                <a:t>実データ</a:t>
+              </a:r>
+              <a:r>
+                <a:rPr kumimoji="1" lang="en-US" altLang="ja-JP" dirty="0">
+                  <a:latin typeface="ＭＳ Ｐゴシック" panose="020B0600070205080204" pitchFamily="50" charset="-128"/>
+                  <a:ea typeface="ＭＳ Ｐゴシック" panose="020B0600070205080204" pitchFamily="50" charset="-128"/>
+                </a:rPr>
+                <a:t>)</a:t>
+              </a:r>
+              <a:endParaRPr kumimoji="1" lang="ja-JP" altLang="en-US" dirty="0">
                 <a:latin typeface="ＭＳ Ｐゴシック" panose="020B0600070205080204" pitchFamily="50" charset="-128"/>
                 <a:ea typeface="ＭＳ Ｐゴシック" panose="020B0600070205080204" pitchFamily="50" charset="-128"/>
-              </a:rPr>
-              <a:t>セントロイド </a:t>
-            </a:r>
-            <a:r>
-              <a:rPr kumimoji="1" lang="en-US" altLang="ja-JP" dirty="0">
+              </a:endParaRPr>
+            </a:p>
+          </p:txBody>
+        </p:sp>
+        <p:sp>
+          <p:nvSpPr>
+            <p:cNvPr id="27" name="楕円 26">
+              <a:extLst>
+                <a:ext uri="{FF2B5EF4-FFF2-40B4-BE49-F238E27FC236}">
+                  <a16:creationId xmlns:a16="http://schemas.microsoft.com/office/drawing/2014/main" id="{0DB82AD2-1B28-24D8-9BAA-4DC47D2E58E2}"/>
+                </a:ext>
+              </a:extLst>
+            </p:cNvPr>
+            <p:cNvSpPr/>
+            <p:nvPr/>
+          </p:nvSpPr>
+          <p:spPr>
+            <a:xfrm>
+              <a:off x="8977640" y="3761493"/>
+              <a:ext cx="180000" cy="180000"/>
+            </a:xfrm>
+            <a:prstGeom prst="ellipse">
+              <a:avLst/>
+            </a:prstGeom>
+            <a:noFill/>
+            <a:ln w="19050">
+              <a:solidFill>
+                <a:srgbClr val="FF0000"/>
+              </a:solidFill>
+              <a:prstDash val="dash"/>
+            </a:ln>
+          </p:spPr>
+          <p:style>
+            <a:lnRef idx="2">
+              <a:schemeClr val="accent1">
+                <a:shade val="15000"/>
+              </a:schemeClr>
+            </a:lnRef>
+            <a:fillRef idx="1">
+              <a:schemeClr val="accent1"/>
+            </a:fillRef>
+            <a:effectRef idx="0">
+              <a:schemeClr val="accent1"/>
+            </a:effectRef>
+            <a:fontRef idx="minor">
+              <a:schemeClr val="lt1"/>
+            </a:fontRef>
+          </p:style>
+          <p:txBody>
+            <a:bodyPr rtlCol="0" anchor="ctr"/>
+            <a:lstStyle/>
+            <a:p>
+              <a:pPr algn="ctr"/>
+              <a:endParaRPr kumimoji="1" lang="ja-JP" altLang="en-US"/>
+            </a:p>
+          </p:txBody>
+        </p:sp>
+        <p:sp>
+          <p:nvSpPr>
+            <p:cNvPr id="28" name="テキスト ボックス 27">
+              <a:extLst>
+                <a:ext uri="{FF2B5EF4-FFF2-40B4-BE49-F238E27FC236}">
+                  <a16:creationId xmlns:a16="http://schemas.microsoft.com/office/drawing/2014/main" id="{D88E2201-4C74-DB69-5D94-CA5CA7319967}"/>
+                </a:ext>
+              </a:extLst>
+            </p:cNvPr>
+            <p:cNvSpPr txBox="1"/>
+            <p:nvPr/>
+          </p:nvSpPr>
+          <p:spPr>
+            <a:xfrm>
+              <a:off x="9067640" y="3956714"/>
+              <a:ext cx="2589170" cy="369332"/>
+            </a:xfrm>
+            <a:prstGeom prst="rect">
+              <a:avLst/>
+            </a:prstGeom>
+            <a:noFill/>
+          </p:spPr>
+          <p:txBody>
+            <a:bodyPr wrap="none" rtlCol="0">
+              <a:spAutoFit/>
+            </a:bodyPr>
+            <a:lstStyle/>
+            <a:p>
+              <a:r>
+                <a:rPr kumimoji="1" lang="ja-JP" altLang="en-US" dirty="0">
+                  <a:latin typeface="ＭＳ Ｐゴシック" panose="020B0600070205080204" pitchFamily="50" charset="-128"/>
+                  <a:ea typeface="ＭＳ Ｐゴシック" panose="020B0600070205080204" pitchFamily="50" charset="-128"/>
+                </a:rPr>
+                <a:t>セントロイド </a:t>
+              </a:r>
+              <a:r>
+                <a:rPr kumimoji="1" lang="en-US" altLang="ja-JP" dirty="0">
+                  <a:latin typeface="ＭＳ Ｐゴシック" panose="020B0600070205080204" pitchFamily="50" charset="-128"/>
+                  <a:ea typeface="ＭＳ Ｐゴシック" panose="020B0600070205080204" pitchFamily="50" charset="-128"/>
+                </a:rPr>
+                <a:t>(</a:t>
+              </a:r>
+              <a:r>
+                <a:rPr kumimoji="1" lang="ja-JP" altLang="en-US" dirty="0">
+                  <a:latin typeface="ＭＳ Ｐゴシック" panose="020B0600070205080204" pitchFamily="50" charset="-128"/>
+                  <a:ea typeface="ＭＳ Ｐゴシック" panose="020B0600070205080204" pitchFamily="50" charset="-128"/>
+                </a:rPr>
+                <a:t>仮想データ</a:t>
+              </a:r>
+              <a:r>
+                <a:rPr kumimoji="1" lang="en-US" altLang="ja-JP" dirty="0">
+                  <a:latin typeface="ＭＳ Ｐゴシック" panose="020B0600070205080204" pitchFamily="50" charset="-128"/>
+                  <a:ea typeface="ＭＳ Ｐゴシック" panose="020B0600070205080204" pitchFamily="50" charset="-128"/>
+                </a:rPr>
+                <a:t>)</a:t>
+              </a:r>
+              <a:endParaRPr kumimoji="1" lang="ja-JP" altLang="en-US" dirty="0">
                 <a:latin typeface="ＭＳ Ｐゴシック" panose="020B0600070205080204" pitchFamily="50" charset="-128"/>
                 <a:ea typeface="ＭＳ Ｐゴシック" panose="020B0600070205080204" pitchFamily="50" charset="-128"/>
-              </a:rPr>
-              <a:t>(</a:t>
-            </a:r>
-            <a:r>
-              <a:rPr kumimoji="1" lang="ja-JP" altLang="en-US" dirty="0">
-                <a:latin typeface="ＭＳ Ｐゴシック" panose="020B0600070205080204" pitchFamily="50" charset="-128"/>
-                <a:ea typeface="ＭＳ Ｐゴシック" panose="020B0600070205080204" pitchFamily="50" charset="-128"/>
-              </a:rPr>
-              <a:t>仮想データ</a:t>
-            </a:r>
-            <a:r>
-              <a:rPr kumimoji="1" lang="en-US" altLang="ja-JP" dirty="0">
-                <a:latin typeface="ＭＳ Ｐゴシック" panose="020B0600070205080204" pitchFamily="50" charset="-128"/>
-                <a:ea typeface="ＭＳ Ｐゴシック" panose="020B0600070205080204" pitchFamily="50" charset="-128"/>
-              </a:rPr>
-              <a:t>)</a:t>
-            </a:r>
-            <a:endParaRPr kumimoji="1" lang="ja-JP" altLang="en-US" dirty="0">
-              <a:latin typeface="ＭＳ Ｐゴシック" panose="020B0600070205080204" pitchFamily="50" charset="-128"/>
-              <a:ea typeface="ＭＳ Ｐゴシック" panose="020B0600070205080204" pitchFamily="50" charset="-128"/>
-            </a:endParaRPr>
-          </a:p>
-        </p:txBody>
-      </p:sp>
+              </a:endParaRPr>
+            </a:p>
+          </p:txBody>
+        </p:sp>
+      </p:grpSp>
     </p:spTree>
     <p:extLst>
       <p:ext uri="{BB962C8B-B14F-4D97-AF65-F5344CB8AC3E}">

--- a/fig.pptx
+++ b/fig.pptx
@@ -8,6 +8,7 @@
     <p:sldId id="257" r:id="rId2"/>
     <p:sldId id="258" r:id="rId3"/>
     <p:sldId id="259" r:id="rId4"/>
+    <p:sldId id="260" r:id="rId5"/>
   </p:sldIdLst>
   <p:sldSz cx="12192000" cy="6858000"/>
   <p:notesSz cx="6858000" cy="9144000"/>
@@ -261,7 +262,7 @@
           <a:p>
             <a:fld id="{E19C4585-8E74-4D09-901E-7DCDB3F49738}" type="datetimeFigureOut">
               <a:rPr kumimoji="1" lang="ja-JP" altLang="en-US" smtClean="0"/>
-              <a:t>2025/8/16</a:t>
+              <a:t>2025/8/30</a:t>
             </a:fld>
             <a:endParaRPr kumimoji="1" lang="ja-JP" altLang="en-US"/>
           </a:p>
@@ -491,7 +492,7 @@
           <a:p>
             <a:fld id="{E19C4585-8E74-4D09-901E-7DCDB3F49738}" type="datetimeFigureOut">
               <a:rPr kumimoji="1" lang="ja-JP" altLang="en-US" smtClean="0"/>
-              <a:t>2025/8/16</a:t>
+              <a:t>2025/8/30</a:t>
             </a:fld>
             <a:endParaRPr kumimoji="1" lang="ja-JP" altLang="en-US"/>
           </a:p>
@@ -731,7 +732,7 @@
           <a:p>
             <a:fld id="{E19C4585-8E74-4D09-901E-7DCDB3F49738}" type="datetimeFigureOut">
               <a:rPr kumimoji="1" lang="ja-JP" altLang="en-US" smtClean="0"/>
-              <a:t>2025/8/16</a:t>
+              <a:t>2025/8/30</a:t>
             </a:fld>
             <a:endParaRPr kumimoji="1" lang="ja-JP" altLang="en-US"/>
           </a:p>
@@ -961,7 +962,7 @@
           <a:p>
             <a:fld id="{E19C4585-8E74-4D09-901E-7DCDB3F49738}" type="datetimeFigureOut">
               <a:rPr kumimoji="1" lang="ja-JP" altLang="en-US" smtClean="0"/>
-              <a:t>2025/8/16</a:t>
+              <a:t>2025/8/30</a:t>
             </a:fld>
             <a:endParaRPr kumimoji="1" lang="ja-JP" altLang="en-US"/>
           </a:p>
@@ -1236,7 +1237,7 @@
           <a:p>
             <a:fld id="{E19C4585-8E74-4D09-901E-7DCDB3F49738}" type="datetimeFigureOut">
               <a:rPr kumimoji="1" lang="ja-JP" altLang="en-US" smtClean="0"/>
-              <a:t>2025/8/16</a:t>
+              <a:t>2025/8/30</a:t>
             </a:fld>
             <a:endParaRPr kumimoji="1" lang="ja-JP" altLang="en-US"/>
           </a:p>
@@ -1565,7 +1566,7 @@
           <a:p>
             <a:fld id="{E19C4585-8E74-4D09-901E-7DCDB3F49738}" type="datetimeFigureOut">
               <a:rPr kumimoji="1" lang="ja-JP" altLang="en-US" smtClean="0"/>
-              <a:t>2025/8/16</a:t>
+              <a:t>2025/8/30</a:t>
             </a:fld>
             <a:endParaRPr kumimoji="1" lang="ja-JP" altLang="en-US"/>
           </a:p>
@@ -2041,7 +2042,7 @@
           <a:p>
             <a:fld id="{E19C4585-8E74-4D09-901E-7DCDB3F49738}" type="datetimeFigureOut">
               <a:rPr kumimoji="1" lang="ja-JP" altLang="en-US" smtClean="0"/>
-              <a:t>2025/8/16</a:t>
+              <a:t>2025/8/30</a:t>
             </a:fld>
             <a:endParaRPr kumimoji="1" lang="ja-JP" altLang="en-US"/>
           </a:p>
@@ -2182,7 +2183,7 @@
           <a:p>
             <a:fld id="{E19C4585-8E74-4D09-901E-7DCDB3F49738}" type="datetimeFigureOut">
               <a:rPr kumimoji="1" lang="ja-JP" altLang="en-US" smtClean="0"/>
-              <a:t>2025/8/16</a:t>
+              <a:t>2025/8/30</a:t>
             </a:fld>
             <a:endParaRPr kumimoji="1" lang="ja-JP" altLang="en-US"/>
           </a:p>
@@ -2295,7 +2296,7 @@
           <a:p>
             <a:fld id="{E19C4585-8E74-4D09-901E-7DCDB3F49738}" type="datetimeFigureOut">
               <a:rPr kumimoji="1" lang="ja-JP" altLang="en-US" smtClean="0"/>
-              <a:t>2025/8/16</a:t>
+              <a:t>2025/8/30</a:t>
             </a:fld>
             <a:endParaRPr kumimoji="1" lang="ja-JP" altLang="en-US"/>
           </a:p>
@@ -2638,7 +2639,7 @@
           <a:p>
             <a:fld id="{E19C4585-8E74-4D09-901E-7DCDB3F49738}" type="datetimeFigureOut">
               <a:rPr kumimoji="1" lang="ja-JP" altLang="en-US" smtClean="0"/>
-              <a:t>2025/8/16</a:t>
+              <a:t>2025/8/30</a:t>
             </a:fld>
             <a:endParaRPr kumimoji="1" lang="ja-JP" altLang="en-US"/>
           </a:p>
@@ -2926,7 +2927,7 @@
           <a:p>
             <a:fld id="{E19C4585-8E74-4D09-901E-7DCDB3F49738}" type="datetimeFigureOut">
               <a:rPr kumimoji="1" lang="ja-JP" altLang="en-US" smtClean="0"/>
-              <a:t>2025/8/16</a:t>
+              <a:t>2025/8/30</a:t>
             </a:fld>
             <a:endParaRPr kumimoji="1" lang="ja-JP" altLang="en-US"/>
           </a:p>
@@ -3199,7 +3200,7 @@
           <a:p>
             <a:fld id="{E19C4585-8E74-4D09-901E-7DCDB3F49738}" type="datetimeFigureOut">
               <a:rPr kumimoji="1" lang="ja-JP" altLang="en-US" smtClean="0"/>
-              <a:t>2025/8/16</a:t>
+              <a:t>2025/8/30</a:t>
             </a:fld>
             <a:endParaRPr kumimoji="1" lang="ja-JP" altLang="en-US"/>
           </a:p>
@@ -5515,6 +5516,1671 @@
 </p:sld>
 </file>
 
+<file path=ppt/slides/slide4.xml><?xml version="1.0" encoding="utf-8"?>
+<p:sld xmlns:a="http://schemas.openxmlformats.org/drawingml/2006/main" xmlns:r="http://schemas.openxmlformats.org/officeDocument/2006/relationships" xmlns:p="http://schemas.openxmlformats.org/presentationml/2006/main">
+  <p:cSld>
+    <p:spTree>
+      <p:nvGrpSpPr>
+        <p:cNvPr id="1" name=""/>
+        <p:cNvGrpSpPr/>
+        <p:nvPr/>
+      </p:nvGrpSpPr>
+      <p:grpSpPr>
+        <a:xfrm>
+          <a:off x="0" y="0"/>
+          <a:ext cx="0" cy="0"/>
+          <a:chOff x="0" y="0"/>
+          <a:chExt cx="0" cy="0"/>
+        </a:xfrm>
+      </p:grpSpPr>
+      <p:grpSp>
+        <p:nvGrpSpPr>
+          <p:cNvPr id="12" name="グループ化 11">
+            <a:extLst>
+              <a:ext uri="{FF2B5EF4-FFF2-40B4-BE49-F238E27FC236}">
+                <a16:creationId xmlns:a16="http://schemas.microsoft.com/office/drawing/2014/main" id="{41336675-D8DC-E006-56FB-B3BB6E5DF4D9}"/>
+              </a:ext>
+            </a:extLst>
+          </p:cNvPr>
+          <p:cNvGrpSpPr/>
+          <p:nvPr/>
+        </p:nvGrpSpPr>
+        <p:grpSpPr>
+          <a:xfrm>
+            <a:off x="1387315" y="1094718"/>
+            <a:ext cx="4285814" cy="3063124"/>
+            <a:chOff x="1675236" y="1975383"/>
+            <a:chExt cx="4285814" cy="3063124"/>
+          </a:xfrm>
+        </p:grpSpPr>
+        <p:cxnSp>
+          <p:nvCxnSpPr>
+            <p:cNvPr id="3" name="直線矢印コネクタ 2">
+              <a:extLst>
+                <a:ext uri="{FF2B5EF4-FFF2-40B4-BE49-F238E27FC236}">
+                  <a16:creationId xmlns:a16="http://schemas.microsoft.com/office/drawing/2014/main" id="{57413703-5D71-9BA7-31DC-6B26AFC90DB2}"/>
+                </a:ext>
+              </a:extLst>
+            </p:cNvPr>
+            <p:cNvCxnSpPr>
+              <a:cxnSpLocks/>
+            </p:cNvCxnSpPr>
+            <p:nvPr/>
+          </p:nvCxnSpPr>
+          <p:spPr>
+            <a:xfrm>
+              <a:off x="1675236" y="4893088"/>
+              <a:ext cx="4285814" cy="0"/>
+            </a:xfrm>
+            <a:prstGeom prst="straightConnector1">
+              <a:avLst/>
+            </a:prstGeom>
+            <a:ln w="19050">
+              <a:tailEnd type="triangle"/>
+            </a:ln>
+          </p:spPr>
+          <p:style>
+            <a:lnRef idx="1">
+              <a:schemeClr val="dk1"/>
+            </a:lnRef>
+            <a:fillRef idx="0">
+              <a:schemeClr val="dk1"/>
+            </a:fillRef>
+            <a:effectRef idx="0">
+              <a:schemeClr val="dk1"/>
+            </a:effectRef>
+            <a:fontRef idx="minor">
+              <a:schemeClr val="tx1"/>
+            </a:fontRef>
+          </p:style>
+        </p:cxnSp>
+        <p:cxnSp>
+          <p:nvCxnSpPr>
+            <p:cNvPr id="4" name="直線矢印コネクタ 3">
+              <a:extLst>
+                <a:ext uri="{FF2B5EF4-FFF2-40B4-BE49-F238E27FC236}">
+                  <a16:creationId xmlns:a16="http://schemas.microsoft.com/office/drawing/2014/main" id="{1B678BD4-BAAA-EBAD-8D64-3FD7F4969851}"/>
+                </a:ext>
+              </a:extLst>
+            </p:cNvPr>
+            <p:cNvCxnSpPr>
+              <a:cxnSpLocks/>
+            </p:cNvCxnSpPr>
+            <p:nvPr/>
+          </p:nvCxnSpPr>
+          <p:spPr>
+            <a:xfrm flipV="1">
+              <a:off x="1785755" y="1975383"/>
+              <a:ext cx="0" cy="3063124"/>
+            </a:xfrm>
+            <a:prstGeom prst="straightConnector1">
+              <a:avLst/>
+            </a:prstGeom>
+            <a:ln w="19050">
+              <a:tailEnd type="triangle"/>
+            </a:ln>
+          </p:spPr>
+          <p:style>
+            <a:lnRef idx="1">
+              <a:schemeClr val="dk1"/>
+            </a:lnRef>
+            <a:fillRef idx="0">
+              <a:schemeClr val="dk1"/>
+            </a:fillRef>
+            <a:effectRef idx="0">
+              <a:schemeClr val="dk1"/>
+            </a:effectRef>
+            <a:fontRef idx="minor">
+              <a:schemeClr val="tx1"/>
+            </a:fontRef>
+          </p:style>
+        </p:cxnSp>
+        <p:sp>
+          <p:nvSpPr>
+            <p:cNvPr id="5" name="楕円 4">
+              <a:extLst>
+                <a:ext uri="{FF2B5EF4-FFF2-40B4-BE49-F238E27FC236}">
+                  <a16:creationId xmlns:a16="http://schemas.microsoft.com/office/drawing/2014/main" id="{54B4BA3A-E64F-67A9-6B4A-B60107B3DC6F}"/>
+                </a:ext>
+              </a:extLst>
+            </p:cNvPr>
+            <p:cNvSpPr/>
+            <p:nvPr/>
+          </p:nvSpPr>
+          <p:spPr>
+            <a:xfrm>
+              <a:off x="2575676" y="2450031"/>
+              <a:ext cx="324000" cy="324000"/>
+            </a:xfrm>
+            <a:prstGeom prst="ellipse">
+              <a:avLst/>
+            </a:prstGeom>
+            <a:solidFill>
+              <a:schemeClr val="accent5">
+                <a:lumMod val="20000"/>
+                <a:lumOff val="80000"/>
+              </a:schemeClr>
+            </a:solidFill>
+            <a:ln>
+              <a:solidFill>
+                <a:schemeClr val="accent1"/>
+              </a:solidFill>
+            </a:ln>
+          </p:spPr>
+          <p:style>
+            <a:lnRef idx="2">
+              <a:schemeClr val="accent1">
+                <a:shade val="15000"/>
+              </a:schemeClr>
+            </a:lnRef>
+            <a:fillRef idx="1">
+              <a:schemeClr val="accent1"/>
+            </a:fillRef>
+            <a:effectRef idx="0">
+              <a:schemeClr val="accent1"/>
+            </a:effectRef>
+            <a:fontRef idx="minor">
+              <a:schemeClr val="lt1"/>
+            </a:fontRef>
+          </p:style>
+          <p:txBody>
+            <a:bodyPr rtlCol="0" anchor="ctr"/>
+            <a:lstStyle/>
+            <a:p>
+              <a:pPr algn="ctr"/>
+              <a:r>
+                <a:rPr kumimoji="1" lang="ja-JP" altLang="en-US" b="1" dirty="0">
+                  <a:solidFill>
+                    <a:sysClr val="windowText" lastClr="000000"/>
+                  </a:solidFill>
+                </a:rPr>
+                <a:t>１</a:t>
+              </a:r>
+            </a:p>
+          </p:txBody>
+        </p:sp>
+        <p:sp>
+          <p:nvSpPr>
+            <p:cNvPr id="6" name="楕円 5">
+              <a:extLst>
+                <a:ext uri="{FF2B5EF4-FFF2-40B4-BE49-F238E27FC236}">
+                  <a16:creationId xmlns:a16="http://schemas.microsoft.com/office/drawing/2014/main" id="{BD934D98-12F6-1F87-6558-FC8028C346CC}"/>
+                </a:ext>
+              </a:extLst>
+            </p:cNvPr>
+            <p:cNvSpPr/>
+            <p:nvPr/>
+          </p:nvSpPr>
+          <p:spPr>
+            <a:xfrm>
+              <a:off x="2430549" y="4082223"/>
+              <a:ext cx="324000" cy="324000"/>
+            </a:xfrm>
+            <a:prstGeom prst="ellipse">
+              <a:avLst/>
+            </a:prstGeom>
+            <a:solidFill>
+              <a:schemeClr val="accent5">
+                <a:lumMod val="20000"/>
+                <a:lumOff val="80000"/>
+              </a:schemeClr>
+            </a:solidFill>
+            <a:ln>
+              <a:solidFill>
+                <a:schemeClr val="accent1"/>
+              </a:solidFill>
+            </a:ln>
+          </p:spPr>
+          <p:style>
+            <a:lnRef idx="2">
+              <a:schemeClr val="accent1">
+                <a:shade val="15000"/>
+              </a:schemeClr>
+            </a:lnRef>
+            <a:fillRef idx="1">
+              <a:schemeClr val="accent1"/>
+            </a:fillRef>
+            <a:effectRef idx="0">
+              <a:schemeClr val="accent1"/>
+            </a:effectRef>
+            <a:fontRef idx="minor">
+              <a:schemeClr val="lt1"/>
+            </a:fontRef>
+          </p:style>
+          <p:txBody>
+            <a:bodyPr rtlCol="0" anchor="ctr"/>
+            <a:lstStyle/>
+            <a:p>
+              <a:pPr algn="ctr"/>
+              <a:r>
+                <a:rPr kumimoji="1" lang="ja-JP" altLang="en-US" b="1" dirty="0">
+                  <a:solidFill>
+                    <a:sysClr val="windowText" lastClr="000000"/>
+                  </a:solidFill>
+                </a:rPr>
+                <a:t>４</a:t>
+              </a:r>
+            </a:p>
+          </p:txBody>
+        </p:sp>
+        <p:sp>
+          <p:nvSpPr>
+            <p:cNvPr id="7" name="楕円 6">
+              <a:extLst>
+                <a:ext uri="{FF2B5EF4-FFF2-40B4-BE49-F238E27FC236}">
+                  <a16:creationId xmlns:a16="http://schemas.microsoft.com/office/drawing/2014/main" id="{73025B20-AC67-323C-57DF-A8656847CE97}"/>
+                </a:ext>
+              </a:extLst>
+            </p:cNvPr>
+            <p:cNvSpPr/>
+            <p:nvPr/>
+          </p:nvSpPr>
+          <p:spPr>
+            <a:xfrm>
+              <a:off x="3237628" y="2532630"/>
+              <a:ext cx="324000" cy="324000"/>
+            </a:xfrm>
+            <a:prstGeom prst="ellipse">
+              <a:avLst/>
+            </a:prstGeom>
+            <a:solidFill>
+              <a:schemeClr val="accent5">
+                <a:lumMod val="20000"/>
+                <a:lumOff val="80000"/>
+              </a:schemeClr>
+            </a:solidFill>
+            <a:ln>
+              <a:solidFill>
+                <a:schemeClr val="accent1"/>
+              </a:solidFill>
+            </a:ln>
+          </p:spPr>
+          <p:style>
+            <a:lnRef idx="2">
+              <a:schemeClr val="accent1">
+                <a:shade val="15000"/>
+              </a:schemeClr>
+            </a:lnRef>
+            <a:fillRef idx="1">
+              <a:schemeClr val="accent1"/>
+            </a:fillRef>
+            <a:effectRef idx="0">
+              <a:schemeClr val="accent1"/>
+            </a:effectRef>
+            <a:fontRef idx="minor">
+              <a:schemeClr val="lt1"/>
+            </a:fontRef>
+          </p:style>
+          <p:txBody>
+            <a:bodyPr rtlCol="0" anchor="ctr"/>
+            <a:lstStyle/>
+            <a:p>
+              <a:pPr algn="ctr"/>
+              <a:r>
+                <a:rPr kumimoji="1" lang="ja-JP" altLang="en-US" b="1" dirty="0">
+                  <a:solidFill>
+                    <a:sysClr val="windowText" lastClr="000000"/>
+                  </a:solidFill>
+                </a:rPr>
+                <a:t>２</a:t>
+              </a:r>
+            </a:p>
+          </p:txBody>
+        </p:sp>
+        <p:sp>
+          <p:nvSpPr>
+            <p:cNvPr id="8" name="楕円 7">
+              <a:extLst>
+                <a:ext uri="{FF2B5EF4-FFF2-40B4-BE49-F238E27FC236}">
+                  <a16:creationId xmlns:a16="http://schemas.microsoft.com/office/drawing/2014/main" id="{7B4EB6B7-0262-B4BE-BAC6-0DF5C00C9C3A}"/>
+                </a:ext>
+              </a:extLst>
+            </p:cNvPr>
+            <p:cNvSpPr/>
+            <p:nvPr/>
+          </p:nvSpPr>
+          <p:spPr>
+            <a:xfrm>
+              <a:off x="3233560" y="3639565"/>
+              <a:ext cx="324000" cy="324000"/>
+            </a:xfrm>
+            <a:prstGeom prst="ellipse">
+              <a:avLst/>
+            </a:prstGeom>
+            <a:solidFill>
+              <a:schemeClr val="accent5">
+                <a:lumMod val="20000"/>
+                <a:lumOff val="80000"/>
+              </a:schemeClr>
+            </a:solidFill>
+            <a:ln>
+              <a:solidFill>
+                <a:schemeClr val="accent1"/>
+              </a:solidFill>
+            </a:ln>
+          </p:spPr>
+          <p:style>
+            <a:lnRef idx="2">
+              <a:schemeClr val="accent1">
+                <a:shade val="15000"/>
+              </a:schemeClr>
+            </a:lnRef>
+            <a:fillRef idx="1">
+              <a:schemeClr val="accent1"/>
+            </a:fillRef>
+            <a:effectRef idx="0">
+              <a:schemeClr val="accent1"/>
+            </a:effectRef>
+            <a:fontRef idx="minor">
+              <a:schemeClr val="lt1"/>
+            </a:fontRef>
+          </p:style>
+          <p:txBody>
+            <a:bodyPr rtlCol="0" anchor="ctr"/>
+            <a:lstStyle/>
+            <a:p>
+              <a:pPr algn="ctr"/>
+              <a:r>
+                <a:rPr kumimoji="1" lang="ja-JP" altLang="en-US" b="1" dirty="0">
+                  <a:solidFill>
+                    <a:sysClr val="windowText" lastClr="000000"/>
+                  </a:solidFill>
+                </a:rPr>
+                <a:t>５</a:t>
+              </a:r>
+            </a:p>
+          </p:txBody>
+        </p:sp>
+        <p:sp>
+          <p:nvSpPr>
+            <p:cNvPr id="9" name="楕円 8">
+              <a:extLst>
+                <a:ext uri="{FF2B5EF4-FFF2-40B4-BE49-F238E27FC236}">
+                  <a16:creationId xmlns:a16="http://schemas.microsoft.com/office/drawing/2014/main" id="{4D0D200B-36EB-097B-12F7-5E2E6E5B86F4}"/>
+                </a:ext>
+              </a:extLst>
+            </p:cNvPr>
+            <p:cNvSpPr/>
+            <p:nvPr/>
+          </p:nvSpPr>
+          <p:spPr>
+            <a:xfrm>
+              <a:off x="4843062" y="4170637"/>
+              <a:ext cx="324000" cy="324000"/>
+            </a:xfrm>
+            <a:prstGeom prst="ellipse">
+              <a:avLst/>
+            </a:prstGeom>
+            <a:solidFill>
+              <a:schemeClr val="accent4"/>
+            </a:solidFill>
+            <a:ln>
+              <a:solidFill>
+                <a:schemeClr val="accent1"/>
+              </a:solidFill>
+            </a:ln>
+          </p:spPr>
+          <p:style>
+            <a:lnRef idx="2">
+              <a:schemeClr val="accent1">
+                <a:shade val="15000"/>
+              </a:schemeClr>
+            </a:lnRef>
+            <a:fillRef idx="1">
+              <a:schemeClr val="accent1"/>
+            </a:fillRef>
+            <a:effectRef idx="0">
+              <a:schemeClr val="accent1"/>
+            </a:effectRef>
+            <a:fontRef idx="minor">
+              <a:schemeClr val="lt1"/>
+            </a:fontRef>
+          </p:style>
+          <p:txBody>
+            <a:bodyPr rtlCol="0" anchor="ctr"/>
+            <a:lstStyle/>
+            <a:p>
+              <a:pPr algn="ctr"/>
+              <a:r>
+                <a:rPr kumimoji="1" lang="ja-JP" altLang="en-US" b="1" dirty="0">
+                  <a:solidFill>
+                    <a:sysClr val="windowText" lastClr="000000"/>
+                  </a:solidFill>
+                </a:rPr>
+                <a:t>０</a:t>
+              </a:r>
+            </a:p>
+          </p:txBody>
+        </p:sp>
+        <p:sp>
+          <p:nvSpPr>
+            <p:cNvPr id="10" name="楕円 9">
+              <a:extLst>
+                <a:ext uri="{FF2B5EF4-FFF2-40B4-BE49-F238E27FC236}">
+                  <a16:creationId xmlns:a16="http://schemas.microsoft.com/office/drawing/2014/main" id="{9D7499F9-C0A5-1867-9D29-61C3A8EB9C1B}"/>
+                </a:ext>
+              </a:extLst>
+            </p:cNvPr>
+            <p:cNvSpPr/>
+            <p:nvPr/>
+          </p:nvSpPr>
+          <p:spPr>
+            <a:xfrm>
+              <a:off x="3643648" y="2288031"/>
+              <a:ext cx="324000" cy="324000"/>
+            </a:xfrm>
+            <a:prstGeom prst="ellipse">
+              <a:avLst/>
+            </a:prstGeom>
+            <a:solidFill>
+              <a:schemeClr val="accent5">
+                <a:lumMod val="20000"/>
+                <a:lumOff val="80000"/>
+              </a:schemeClr>
+            </a:solidFill>
+            <a:ln>
+              <a:solidFill>
+                <a:schemeClr val="accent1"/>
+              </a:solidFill>
+            </a:ln>
+          </p:spPr>
+          <p:style>
+            <a:lnRef idx="2">
+              <a:schemeClr val="accent1">
+                <a:shade val="15000"/>
+              </a:schemeClr>
+            </a:lnRef>
+            <a:fillRef idx="1">
+              <a:schemeClr val="accent1"/>
+            </a:fillRef>
+            <a:effectRef idx="0">
+              <a:schemeClr val="accent1"/>
+            </a:effectRef>
+            <a:fontRef idx="minor">
+              <a:schemeClr val="lt1"/>
+            </a:fontRef>
+          </p:style>
+          <p:txBody>
+            <a:bodyPr rtlCol="0" anchor="ctr"/>
+            <a:lstStyle/>
+            <a:p>
+              <a:pPr algn="ctr"/>
+              <a:r>
+                <a:rPr kumimoji="1" lang="ja-JP" altLang="en-US" b="1" dirty="0">
+                  <a:solidFill>
+                    <a:sysClr val="windowText" lastClr="000000"/>
+                  </a:solidFill>
+                </a:rPr>
+                <a:t>３</a:t>
+              </a:r>
+            </a:p>
+          </p:txBody>
+        </p:sp>
+        <p:sp>
+          <p:nvSpPr>
+            <p:cNvPr id="11" name="楕円 10">
+              <a:extLst>
+                <a:ext uri="{FF2B5EF4-FFF2-40B4-BE49-F238E27FC236}">
+                  <a16:creationId xmlns:a16="http://schemas.microsoft.com/office/drawing/2014/main" id="{92C3B1DC-A23F-51F0-6A1D-E54CAC4F6800}"/>
+                </a:ext>
+              </a:extLst>
+            </p:cNvPr>
+            <p:cNvSpPr/>
+            <p:nvPr/>
+          </p:nvSpPr>
+          <p:spPr>
+            <a:xfrm>
+              <a:off x="4761050" y="3494870"/>
+              <a:ext cx="324000" cy="324000"/>
+            </a:xfrm>
+            <a:prstGeom prst="ellipse">
+              <a:avLst/>
+            </a:prstGeom>
+            <a:solidFill>
+              <a:schemeClr val="accent5">
+                <a:lumMod val="20000"/>
+                <a:lumOff val="80000"/>
+              </a:schemeClr>
+            </a:solidFill>
+            <a:ln>
+              <a:solidFill>
+                <a:schemeClr val="accent1"/>
+              </a:solidFill>
+            </a:ln>
+          </p:spPr>
+          <p:style>
+            <a:lnRef idx="2">
+              <a:schemeClr val="accent1">
+                <a:shade val="15000"/>
+              </a:schemeClr>
+            </a:lnRef>
+            <a:fillRef idx="1">
+              <a:schemeClr val="accent1"/>
+            </a:fillRef>
+            <a:effectRef idx="0">
+              <a:schemeClr val="accent1"/>
+            </a:effectRef>
+            <a:fontRef idx="minor">
+              <a:schemeClr val="lt1"/>
+            </a:fontRef>
+          </p:style>
+          <p:txBody>
+            <a:bodyPr rtlCol="0" anchor="ctr"/>
+            <a:lstStyle/>
+            <a:p>
+              <a:pPr algn="ctr"/>
+              <a:r>
+                <a:rPr kumimoji="1" lang="ja-JP" altLang="en-US" b="1" dirty="0">
+                  <a:solidFill>
+                    <a:sysClr val="windowText" lastClr="000000"/>
+                  </a:solidFill>
+                </a:rPr>
+                <a:t>６</a:t>
+              </a:r>
+            </a:p>
+          </p:txBody>
+        </p:sp>
+      </p:grpSp>
+      <p:grpSp>
+        <p:nvGrpSpPr>
+          <p:cNvPr id="13" name="グループ化 12">
+            <a:extLst>
+              <a:ext uri="{FF2B5EF4-FFF2-40B4-BE49-F238E27FC236}">
+                <a16:creationId xmlns:a16="http://schemas.microsoft.com/office/drawing/2014/main" id="{E1A5CB47-FFE8-7F25-2464-0FF4A90ACDEC}"/>
+              </a:ext>
+            </a:extLst>
+          </p:cNvPr>
+          <p:cNvGrpSpPr/>
+          <p:nvPr/>
+        </p:nvGrpSpPr>
+        <p:grpSpPr>
+          <a:xfrm>
+            <a:off x="7312861" y="361804"/>
+            <a:ext cx="4285814" cy="3063124"/>
+            <a:chOff x="1675236" y="1975383"/>
+            <a:chExt cx="4285814" cy="3063124"/>
+          </a:xfrm>
+        </p:grpSpPr>
+        <p:cxnSp>
+          <p:nvCxnSpPr>
+            <p:cNvPr id="14" name="直線矢印コネクタ 13">
+              <a:extLst>
+                <a:ext uri="{FF2B5EF4-FFF2-40B4-BE49-F238E27FC236}">
+                  <a16:creationId xmlns:a16="http://schemas.microsoft.com/office/drawing/2014/main" id="{FC797363-47C8-E030-8C3B-11CE7CBA092B}"/>
+                </a:ext>
+              </a:extLst>
+            </p:cNvPr>
+            <p:cNvCxnSpPr>
+              <a:cxnSpLocks/>
+            </p:cNvCxnSpPr>
+            <p:nvPr/>
+          </p:nvCxnSpPr>
+          <p:spPr>
+            <a:xfrm>
+              <a:off x="1675236" y="4893088"/>
+              <a:ext cx="4285814" cy="0"/>
+            </a:xfrm>
+            <a:prstGeom prst="straightConnector1">
+              <a:avLst/>
+            </a:prstGeom>
+            <a:ln w="19050">
+              <a:tailEnd type="triangle"/>
+            </a:ln>
+          </p:spPr>
+          <p:style>
+            <a:lnRef idx="1">
+              <a:schemeClr val="dk1"/>
+            </a:lnRef>
+            <a:fillRef idx="0">
+              <a:schemeClr val="dk1"/>
+            </a:fillRef>
+            <a:effectRef idx="0">
+              <a:schemeClr val="dk1"/>
+            </a:effectRef>
+            <a:fontRef idx="minor">
+              <a:schemeClr val="tx1"/>
+            </a:fontRef>
+          </p:style>
+        </p:cxnSp>
+        <p:cxnSp>
+          <p:nvCxnSpPr>
+            <p:cNvPr id="15" name="直線矢印コネクタ 14">
+              <a:extLst>
+                <a:ext uri="{FF2B5EF4-FFF2-40B4-BE49-F238E27FC236}">
+                  <a16:creationId xmlns:a16="http://schemas.microsoft.com/office/drawing/2014/main" id="{19147074-9092-037F-72B0-2955287F01CD}"/>
+                </a:ext>
+              </a:extLst>
+            </p:cNvPr>
+            <p:cNvCxnSpPr>
+              <a:cxnSpLocks/>
+            </p:cNvCxnSpPr>
+            <p:nvPr/>
+          </p:nvCxnSpPr>
+          <p:spPr>
+            <a:xfrm flipV="1">
+              <a:off x="1785755" y="1975383"/>
+              <a:ext cx="0" cy="3063124"/>
+            </a:xfrm>
+            <a:prstGeom prst="straightConnector1">
+              <a:avLst/>
+            </a:prstGeom>
+            <a:ln w="19050">
+              <a:tailEnd type="triangle"/>
+            </a:ln>
+          </p:spPr>
+          <p:style>
+            <a:lnRef idx="1">
+              <a:schemeClr val="dk1"/>
+            </a:lnRef>
+            <a:fillRef idx="0">
+              <a:schemeClr val="dk1"/>
+            </a:fillRef>
+            <a:effectRef idx="0">
+              <a:schemeClr val="dk1"/>
+            </a:effectRef>
+            <a:fontRef idx="minor">
+              <a:schemeClr val="tx1"/>
+            </a:fontRef>
+          </p:style>
+        </p:cxnSp>
+        <p:sp>
+          <p:nvSpPr>
+            <p:cNvPr id="16" name="楕円 15">
+              <a:extLst>
+                <a:ext uri="{FF2B5EF4-FFF2-40B4-BE49-F238E27FC236}">
+                  <a16:creationId xmlns:a16="http://schemas.microsoft.com/office/drawing/2014/main" id="{E3776A50-1739-17EA-7DD4-AC77C80334DB}"/>
+                </a:ext>
+              </a:extLst>
+            </p:cNvPr>
+            <p:cNvSpPr/>
+            <p:nvPr/>
+          </p:nvSpPr>
+          <p:spPr>
+            <a:xfrm>
+              <a:off x="2575676" y="2450031"/>
+              <a:ext cx="324000" cy="324000"/>
+            </a:xfrm>
+            <a:prstGeom prst="ellipse">
+              <a:avLst/>
+            </a:prstGeom>
+            <a:solidFill>
+              <a:srgbClr val="92D050"/>
+            </a:solidFill>
+            <a:ln>
+              <a:solidFill>
+                <a:schemeClr val="accent1"/>
+              </a:solidFill>
+            </a:ln>
+          </p:spPr>
+          <p:style>
+            <a:lnRef idx="2">
+              <a:schemeClr val="accent1">
+                <a:shade val="15000"/>
+              </a:schemeClr>
+            </a:lnRef>
+            <a:fillRef idx="1">
+              <a:schemeClr val="accent1"/>
+            </a:fillRef>
+            <a:effectRef idx="0">
+              <a:schemeClr val="accent1"/>
+            </a:effectRef>
+            <a:fontRef idx="minor">
+              <a:schemeClr val="lt1"/>
+            </a:fontRef>
+          </p:style>
+          <p:txBody>
+            <a:bodyPr rtlCol="0" anchor="ctr"/>
+            <a:lstStyle/>
+            <a:p>
+              <a:pPr algn="ctr"/>
+              <a:r>
+                <a:rPr kumimoji="1" lang="ja-JP" altLang="en-US" b="1" dirty="0">
+                  <a:solidFill>
+                    <a:sysClr val="windowText" lastClr="000000"/>
+                  </a:solidFill>
+                </a:rPr>
+                <a:t>１</a:t>
+              </a:r>
+            </a:p>
+          </p:txBody>
+        </p:sp>
+        <p:sp>
+          <p:nvSpPr>
+            <p:cNvPr id="17" name="楕円 16">
+              <a:extLst>
+                <a:ext uri="{FF2B5EF4-FFF2-40B4-BE49-F238E27FC236}">
+                  <a16:creationId xmlns:a16="http://schemas.microsoft.com/office/drawing/2014/main" id="{B2FE0006-2218-085B-8A6E-ADB16C7B214C}"/>
+                </a:ext>
+              </a:extLst>
+            </p:cNvPr>
+            <p:cNvSpPr/>
+            <p:nvPr/>
+          </p:nvSpPr>
+          <p:spPr>
+            <a:xfrm>
+              <a:off x="2430549" y="4082223"/>
+              <a:ext cx="324000" cy="324000"/>
+            </a:xfrm>
+            <a:prstGeom prst="ellipse">
+              <a:avLst/>
+            </a:prstGeom>
+            <a:solidFill>
+              <a:schemeClr val="accent5">
+                <a:lumMod val="20000"/>
+                <a:lumOff val="80000"/>
+              </a:schemeClr>
+            </a:solidFill>
+            <a:ln>
+              <a:solidFill>
+                <a:schemeClr val="accent1"/>
+              </a:solidFill>
+            </a:ln>
+          </p:spPr>
+          <p:style>
+            <a:lnRef idx="2">
+              <a:schemeClr val="accent1">
+                <a:shade val="15000"/>
+              </a:schemeClr>
+            </a:lnRef>
+            <a:fillRef idx="1">
+              <a:schemeClr val="accent1"/>
+            </a:fillRef>
+            <a:effectRef idx="0">
+              <a:schemeClr val="accent1"/>
+            </a:effectRef>
+            <a:fontRef idx="minor">
+              <a:schemeClr val="lt1"/>
+            </a:fontRef>
+          </p:style>
+          <p:txBody>
+            <a:bodyPr rtlCol="0" anchor="ctr"/>
+            <a:lstStyle/>
+            <a:p>
+              <a:pPr algn="ctr"/>
+              <a:r>
+                <a:rPr kumimoji="1" lang="ja-JP" altLang="en-US" b="1" dirty="0">
+                  <a:solidFill>
+                    <a:sysClr val="windowText" lastClr="000000"/>
+                  </a:solidFill>
+                </a:rPr>
+                <a:t>４</a:t>
+              </a:r>
+            </a:p>
+          </p:txBody>
+        </p:sp>
+        <p:sp>
+          <p:nvSpPr>
+            <p:cNvPr id="18" name="楕円 17">
+              <a:extLst>
+                <a:ext uri="{FF2B5EF4-FFF2-40B4-BE49-F238E27FC236}">
+                  <a16:creationId xmlns:a16="http://schemas.microsoft.com/office/drawing/2014/main" id="{4F01B9F7-488C-4E71-A0C5-9012F70CB753}"/>
+                </a:ext>
+              </a:extLst>
+            </p:cNvPr>
+            <p:cNvSpPr/>
+            <p:nvPr/>
+          </p:nvSpPr>
+          <p:spPr>
+            <a:xfrm>
+              <a:off x="3237628" y="2532630"/>
+              <a:ext cx="324000" cy="324000"/>
+            </a:xfrm>
+            <a:prstGeom prst="ellipse">
+              <a:avLst/>
+            </a:prstGeom>
+            <a:solidFill>
+              <a:schemeClr val="accent5">
+                <a:lumMod val="20000"/>
+                <a:lumOff val="80000"/>
+              </a:schemeClr>
+            </a:solidFill>
+            <a:ln>
+              <a:solidFill>
+                <a:schemeClr val="accent1"/>
+              </a:solidFill>
+            </a:ln>
+          </p:spPr>
+          <p:style>
+            <a:lnRef idx="2">
+              <a:schemeClr val="accent1">
+                <a:shade val="15000"/>
+              </a:schemeClr>
+            </a:lnRef>
+            <a:fillRef idx="1">
+              <a:schemeClr val="accent1"/>
+            </a:fillRef>
+            <a:effectRef idx="0">
+              <a:schemeClr val="accent1"/>
+            </a:effectRef>
+            <a:fontRef idx="minor">
+              <a:schemeClr val="lt1"/>
+            </a:fontRef>
+          </p:style>
+          <p:txBody>
+            <a:bodyPr rtlCol="0" anchor="ctr"/>
+            <a:lstStyle/>
+            <a:p>
+              <a:pPr algn="ctr"/>
+              <a:r>
+                <a:rPr kumimoji="1" lang="ja-JP" altLang="en-US" b="1" dirty="0">
+                  <a:solidFill>
+                    <a:sysClr val="windowText" lastClr="000000"/>
+                  </a:solidFill>
+                </a:rPr>
+                <a:t>２</a:t>
+              </a:r>
+            </a:p>
+          </p:txBody>
+        </p:sp>
+        <p:sp>
+          <p:nvSpPr>
+            <p:cNvPr id="19" name="楕円 18">
+              <a:extLst>
+                <a:ext uri="{FF2B5EF4-FFF2-40B4-BE49-F238E27FC236}">
+                  <a16:creationId xmlns:a16="http://schemas.microsoft.com/office/drawing/2014/main" id="{EB605D91-3D6F-8434-2CD7-C27526C557F9}"/>
+                </a:ext>
+              </a:extLst>
+            </p:cNvPr>
+            <p:cNvSpPr/>
+            <p:nvPr/>
+          </p:nvSpPr>
+          <p:spPr>
+            <a:xfrm>
+              <a:off x="3233560" y="3639565"/>
+              <a:ext cx="324000" cy="324000"/>
+            </a:xfrm>
+            <a:prstGeom prst="ellipse">
+              <a:avLst/>
+            </a:prstGeom>
+            <a:solidFill>
+              <a:schemeClr val="accent5">
+                <a:lumMod val="20000"/>
+                <a:lumOff val="80000"/>
+              </a:schemeClr>
+            </a:solidFill>
+            <a:ln>
+              <a:solidFill>
+                <a:schemeClr val="accent1"/>
+              </a:solidFill>
+            </a:ln>
+          </p:spPr>
+          <p:style>
+            <a:lnRef idx="2">
+              <a:schemeClr val="accent1">
+                <a:shade val="15000"/>
+              </a:schemeClr>
+            </a:lnRef>
+            <a:fillRef idx="1">
+              <a:schemeClr val="accent1"/>
+            </a:fillRef>
+            <a:effectRef idx="0">
+              <a:schemeClr val="accent1"/>
+            </a:effectRef>
+            <a:fontRef idx="minor">
+              <a:schemeClr val="lt1"/>
+            </a:fontRef>
+          </p:style>
+          <p:txBody>
+            <a:bodyPr rtlCol="0" anchor="ctr"/>
+            <a:lstStyle/>
+            <a:p>
+              <a:pPr algn="ctr"/>
+              <a:r>
+                <a:rPr kumimoji="1" lang="ja-JP" altLang="en-US" b="1" dirty="0">
+                  <a:solidFill>
+                    <a:sysClr val="windowText" lastClr="000000"/>
+                  </a:solidFill>
+                </a:rPr>
+                <a:t>５</a:t>
+              </a:r>
+            </a:p>
+          </p:txBody>
+        </p:sp>
+        <p:sp>
+          <p:nvSpPr>
+            <p:cNvPr id="20" name="楕円 19">
+              <a:extLst>
+                <a:ext uri="{FF2B5EF4-FFF2-40B4-BE49-F238E27FC236}">
+                  <a16:creationId xmlns:a16="http://schemas.microsoft.com/office/drawing/2014/main" id="{2DA888E0-F770-1C1D-690D-92BEA8CA91FA}"/>
+                </a:ext>
+              </a:extLst>
+            </p:cNvPr>
+            <p:cNvSpPr/>
+            <p:nvPr/>
+          </p:nvSpPr>
+          <p:spPr>
+            <a:xfrm>
+              <a:off x="4843062" y="4170637"/>
+              <a:ext cx="324000" cy="324000"/>
+            </a:xfrm>
+            <a:prstGeom prst="ellipse">
+              <a:avLst/>
+            </a:prstGeom>
+            <a:solidFill>
+              <a:schemeClr val="accent4"/>
+            </a:solidFill>
+            <a:ln>
+              <a:solidFill>
+                <a:schemeClr val="accent1"/>
+              </a:solidFill>
+            </a:ln>
+          </p:spPr>
+          <p:style>
+            <a:lnRef idx="2">
+              <a:schemeClr val="accent1">
+                <a:shade val="15000"/>
+              </a:schemeClr>
+            </a:lnRef>
+            <a:fillRef idx="1">
+              <a:schemeClr val="accent1"/>
+            </a:fillRef>
+            <a:effectRef idx="0">
+              <a:schemeClr val="accent1"/>
+            </a:effectRef>
+            <a:fontRef idx="minor">
+              <a:schemeClr val="lt1"/>
+            </a:fontRef>
+          </p:style>
+          <p:txBody>
+            <a:bodyPr rtlCol="0" anchor="ctr"/>
+            <a:lstStyle/>
+            <a:p>
+              <a:pPr algn="ctr"/>
+              <a:r>
+                <a:rPr kumimoji="1" lang="ja-JP" altLang="en-US" b="1" dirty="0">
+                  <a:solidFill>
+                    <a:sysClr val="windowText" lastClr="000000"/>
+                  </a:solidFill>
+                </a:rPr>
+                <a:t>０</a:t>
+              </a:r>
+            </a:p>
+          </p:txBody>
+        </p:sp>
+        <p:sp>
+          <p:nvSpPr>
+            <p:cNvPr id="21" name="楕円 20">
+              <a:extLst>
+                <a:ext uri="{FF2B5EF4-FFF2-40B4-BE49-F238E27FC236}">
+                  <a16:creationId xmlns:a16="http://schemas.microsoft.com/office/drawing/2014/main" id="{39FE1E0C-B8A1-38A3-AB34-5F868040C738}"/>
+                </a:ext>
+              </a:extLst>
+            </p:cNvPr>
+            <p:cNvSpPr/>
+            <p:nvPr/>
+          </p:nvSpPr>
+          <p:spPr>
+            <a:xfrm>
+              <a:off x="3643648" y="2288031"/>
+              <a:ext cx="324000" cy="324000"/>
+            </a:xfrm>
+            <a:prstGeom prst="ellipse">
+              <a:avLst/>
+            </a:prstGeom>
+            <a:solidFill>
+              <a:schemeClr val="accent5">
+                <a:lumMod val="20000"/>
+                <a:lumOff val="80000"/>
+              </a:schemeClr>
+            </a:solidFill>
+            <a:ln>
+              <a:solidFill>
+                <a:schemeClr val="accent1"/>
+              </a:solidFill>
+            </a:ln>
+          </p:spPr>
+          <p:style>
+            <a:lnRef idx="2">
+              <a:schemeClr val="accent1">
+                <a:shade val="15000"/>
+              </a:schemeClr>
+            </a:lnRef>
+            <a:fillRef idx="1">
+              <a:schemeClr val="accent1"/>
+            </a:fillRef>
+            <a:effectRef idx="0">
+              <a:schemeClr val="accent1"/>
+            </a:effectRef>
+            <a:fontRef idx="minor">
+              <a:schemeClr val="lt1"/>
+            </a:fontRef>
+          </p:style>
+          <p:txBody>
+            <a:bodyPr rtlCol="0" anchor="ctr"/>
+            <a:lstStyle/>
+            <a:p>
+              <a:pPr algn="ctr"/>
+              <a:r>
+                <a:rPr kumimoji="1" lang="ja-JP" altLang="en-US" b="1" dirty="0">
+                  <a:solidFill>
+                    <a:sysClr val="windowText" lastClr="000000"/>
+                  </a:solidFill>
+                </a:rPr>
+                <a:t>３</a:t>
+              </a:r>
+            </a:p>
+          </p:txBody>
+        </p:sp>
+        <p:sp>
+          <p:nvSpPr>
+            <p:cNvPr id="22" name="楕円 21">
+              <a:extLst>
+                <a:ext uri="{FF2B5EF4-FFF2-40B4-BE49-F238E27FC236}">
+                  <a16:creationId xmlns:a16="http://schemas.microsoft.com/office/drawing/2014/main" id="{8F83F5FE-271E-DAFE-2932-B6B828EF3ED1}"/>
+                </a:ext>
+              </a:extLst>
+            </p:cNvPr>
+            <p:cNvSpPr/>
+            <p:nvPr/>
+          </p:nvSpPr>
+          <p:spPr>
+            <a:xfrm>
+              <a:off x="4761050" y="3494870"/>
+              <a:ext cx="324000" cy="324000"/>
+            </a:xfrm>
+            <a:prstGeom prst="ellipse">
+              <a:avLst/>
+            </a:prstGeom>
+            <a:solidFill>
+              <a:schemeClr val="accent5">
+                <a:lumMod val="20000"/>
+                <a:lumOff val="80000"/>
+              </a:schemeClr>
+            </a:solidFill>
+            <a:ln>
+              <a:solidFill>
+                <a:schemeClr val="accent1"/>
+              </a:solidFill>
+            </a:ln>
+          </p:spPr>
+          <p:style>
+            <a:lnRef idx="2">
+              <a:schemeClr val="accent1">
+                <a:shade val="15000"/>
+              </a:schemeClr>
+            </a:lnRef>
+            <a:fillRef idx="1">
+              <a:schemeClr val="accent1"/>
+            </a:fillRef>
+            <a:effectRef idx="0">
+              <a:schemeClr val="accent1"/>
+            </a:effectRef>
+            <a:fontRef idx="minor">
+              <a:schemeClr val="lt1"/>
+            </a:fontRef>
+          </p:style>
+          <p:txBody>
+            <a:bodyPr rtlCol="0" anchor="ctr"/>
+            <a:lstStyle/>
+            <a:p>
+              <a:pPr algn="ctr"/>
+              <a:r>
+                <a:rPr kumimoji="1" lang="ja-JP" altLang="en-US" b="1" dirty="0">
+                  <a:solidFill>
+                    <a:sysClr val="windowText" lastClr="000000"/>
+                  </a:solidFill>
+                </a:rPr>
+                <a:t>６</a:t>
+              </a:r>
+            </a:p>
+          </p:txBody>
+        </p:sp>
+      </p:grpSp>
+      <p:grpSp>
+        <p:nvGrpSpPr>
+          <p:cNvPr id="23" name="グループ化 22">
+            <a:extLst>
+              <a:ext uri="{FF2B5EF4-FFF2-40B4-BE49-F238E27FC236}">
+                <a16:creationId xmlns:a16="http://schemas.microsoft.com/office/drawing/2014/main" id="{A00CBED2-17C1-AACF-AEF7-2DC521CFAC37}"/>
+              </a:ext>
+            </a:extLst>
+          </p:cNvPr>
+          <p:cNvGrpSpPr/>
+          <p:nvPr/>
+        </p:nvGrpSpPr>
+        <p:grpSpPr>
+          <a:xfrm>
+            <a:off x="6728278" y="3613972"/>
+            <a:ext cx="4285814" cy="3063124"/>
+            <a:chOff x="1675236" y="1975383"/>
+            <a:chExt cx="4285814" cy="3063124"/>
+          </a:xfrm>
+        </p:grpSpPr>
+        <p:cxnSp>
+          <p:nvCxnSpPr>
+            <p:cNvPr id="24" name="直線矢印コネクタ 23">
+              <a:extLst>
+                <a:ext uri="{FF2B5EF4-FFF2-40B4-BE49-F238E27FC236}">
+                  <a16:creationId xmlns:a16="http://schemas.microsoft.com/office/drawing/2014/main" id="{80B7EFCB-F4B1-066A-1F45-70C61DC22C93}"/>
+                </a:ext>
+              </a:extLst>
+            </p:cNvPr>
+            <p:cNvCxnSpPr>
+              <a:cxnSpLocks/>
+            </p:cNvCxnSpPr>
+            <p:nvPr/>
+          </p:nvCxnSpPr>
+          <p:spPr>
+            <a:xfrm>
+              <a:off x="1675236" y="4893088"/>
+              <a:ext cx="4285814" cy="0"/>
+            </a:xfrm>
+            <a:prstGeom prst="straightConnector1">
+              <a:avLst/>
+            </a:prstGeom>
+            <a:ln w="19050">
+              <a:tailEnd type="triangle"/>
+            </a:ln>
+          </p:spPr>
+          <p:style>
+            <a:lnRef idx="1">
+              <a:schemeClr val="dk1"/>
+            </a:lnRef>
+            <a:fillRef idx="0">
+              <a:schemeClr val="dk1"/>
+            </a:fillRef>
+            <a:effectRef idx="0">
+              <a:schemeClr val="dk1"/>
+            </a:effectRef>
+            <a:fontRef idx="minor">
+              <a:schemeClr val="tx1"/>
+            </a:fontRef>
+          </p:style>
+        </p:cxnSp>
+        <p:cxnSp>
+          <p:nvCxnSpPr>
+            <p:cNvPr id="25" name="直線矢印コネクタ 24">
+              <a:extLst>
+                <a:ext uri="{FF2B5EF4-FFF2-40B4-BE49-F238E27FC236}">
+                  <a16:creationId xmlns:a16="http://schemas.microsoft.com/office/drawing/2014/main" id="{9E2E7129-7C95-F24B-7E37-4300C0A989EF}"/>
+                </a:ext>
+              </a:extLst>
+            </p:cNvPr>
+            <p:cNvCxnSpPr>
+              <a:cxnSpLocks/>
+            </p:cNvCxnSpPr>
+            <p:nvPr/>
+          </p:nvCxnSpPr>
+          <p:spPr>
+            <a:xfrm flipV="1">
+              <a:off x="1785755" y="1975383"/>
+              <a:ext cx="0" cy="3063124"/>
+            </a:xfrm>
+            <a:prstGeom prst="straightConnector1">
+              <a:avLst/>
+            </a:prstGeom>
+            <a:ln w="19050">
+              <a:tailEnd type="triangle"/>
+            </a:ln>
+          </p:spPr>
+          <p:style>
+            <a:lnRef idx="1">
+              <a:schemeClr val="dk1"/>
+            </a:lnRef>
+            <a:fillRef idx="0">
+              <a:schemeClr val="dk1"/>
+            </a:fillRef>
+            <a:effectRef idx="0">
+              <a:schemeClr val="dk1"/>
+            </a:effectRef>
+            <a:fontRef idx="minor">
+              <a:schemeClr val="tx1"/>
+            </a:fontRef>
+          </p:style>
+        </p:cxnSp>
+        <p:sp>
+          <p:nvSpPr>
+            <p:cNvPr id="26" name="楕円 25">
+              <a:extLst>
+                <a:ext uri="{FF2B5EF4-FFF2-40B4-BE49-F238E27FC236}">
+                  <a16:creationId xmlns:a16="http://schemas.microsoft.com/office/drawing/2014/main" id="{1BA2830A-11C7-52FA-03B7-E0112AA3100E}"/>
+                </a:ext>
+              </a:extLst>
+            </p:cNvPr>
+            <p:cNvSpPr/>
+            <p:nvPr/>
+          </p:nvSpPr>
+          <p:spPr>
+            <a:xfrm>
+              <a:off x="2575676" y="2450031"/>
+              <a:ext cx="324000" cy="324000"/>
+            </a:xfrm>
+            <a:prstGeom prst="ellipse">
+              <a:avLst/>
+            </a:prstGeom>
+            <a:solidFill>
+              <a:srgbClr val="92D050"/>
+            </a:solidFill>
+            <a:ln>
+              <a:solidFill>
+                <a:schemeClr val="accent1"/>
+              </a:solidFill>
+            </a:ln>
+          </p:spPr>
+          <p:style>
+            <a:lnRef idx="2">
+              <a:schemeClr val="accent1">
+                <a:shade val="15000"/>
+              </a:schemeClr>
+            </a:lnRef>
+            <a:fillRef idx="1">
+              <a:schemeClr val="accent1"/>
+            </a:fillRef>
+            <a:effectRef idx="0">
+              <a:schemeClr val="accent1"/>
+            </a:effectRef>
+            <a:fontRef idx="minor">
+              <a:schemeClr val="lt1"/>
+            </a:fontRef>
+          </p:style>
+          <p:txBody>
+            <a:bodyPr rtlCol="0" anchor="ctr"/>
+            <a:lstStyle/>
+            <a:p>
+              <a:pPr algn="ctr"/>
+              <a:r>
+                <a:rPr kumimoji="1" lang="ja-JP" altLang="en-US" b="1" dirty="0">
+                  <a:solidFill>
+                    <a:sysClr val="windowText" lastClr="000000"/>
+                  </a:solidFill>
+                </a:rPr>
+                <a:t>１</a:t>
+              </a:r>
+            </a:p>
+          </p:txBody>
+        </p:sp>
+        <p:sp>
+          <p:nvSpPr>
+            <p:cNvPr id="27" name="楕円 26">
+              <a:extLst>
+                <a:ext uri="{FF2B5EF4-FFF2-40B4-BE49-F238E27FC236}">
+                  <a16:creationId xmlns:a16="http://schemas.microsoft.com/office/drawing/2014/main" id="{FEF66418-1CBC-EF95-A81B-8828C1F9C3ED}"/>
+                </a:ext>
+              </a:extLst>
+            </p:cNvPr>
+            <p:cNvSpPr/>
+            <p:nvPr/>
+          </p:nvSpPr>
+          <p:spPr>
+            <a:xfrm>
+              <a:off x="2430549" y="4082223"/>
+              <a:ext cx="324000" cy="324000"/>
+            </a:xfrm>
+            <a:prstGeom prst="ellipse">
+              <a:avLst/>
+            </a:prstGeom>
+            <a:solidFill>
+              <a:srgbClr val="FFFF00"/>
+            </a:solidFill>
+            <a:ln>
+              <a:solidFill>
+                <a:schemeClr val="accent1"/>
+              </a:solidFill>
+            </a:ln>
+          </p:spPr>
+          <p:style>
+            <a:lnRef idx="2">
+              <a:schemeClr val="accent1">
+                <a:shade val="15000"/>
+              </a:schemeClr>
+            </a:lnRef>
+            <a:fillRef idx="1">
+              <a:schemeClr val="accent1"/>
+            </a:fillRef>
+            <a:effectRef idx="0">
+              <a:schemeClr val="accent1"/>
+            </a:effectRef>
+            <a:fontRef idx="minor">
+              <a:schemeClr val="lt1"/>
+            </a:fontRef>
+          </p:style>
+          <p:txBody>
+            <a:bodyPr rtlCol="0" anchor="ctr"/>
+            <a:lstStyle/>
+            <a:p>
+              <a:pPr algn="ctr"/>
+              <a:r>
+                <a:rPr kumimoji="1" lang="ja-JP" altLang="en-US" b="1" dirty="0">
+                  <a:solidFill>
+                    <a:sysClr val="windowText" lastClr="000000"/>
+                  </a:solidFill>
+                </a:rPr>
+                <a:t>４</a:t>
+              </a:r>
+            </a:p>
+          </p:txBody>
+        </p:sp>
+        <p:sp>
+          <p:nvSpPr>
+            <p:cNvPr id="28" name="楕円 27">
+              <a:extLst>
+                <a:ext uri="{FF2B5EF4-FFF2-40B4-BE49-F238E27FC236}">
+                  <a16:creationId xmlns:a16="http://schemas.microsoft.com/office/drawing/2014/main" id="{15BB47CB-D6C5-C39F-FF12-9CB6FD7D538A}"/>
+                </a:ext>
+              </a:extLst>
+            </p:cNvPr>
+            <p:cNvSpPr/>
+            <p:nvPr/>
+          </p:nvSpPr>
+          <p:spPr>
+            <a:xfrm>
+              <a:off x="3237628" y="2532630"/>
+              <a:ext cx="324000" cy="324000"/>
+            </a:xfrm>
+            <a:prstGeom prst="ellipse">
+              <a:avLst/>
+            </a:prstGeom>
+            <a:solidFill>
+              <a:schemeClr val="accent5">
+                <a:lumMod val="20000"/>
+                <a:lumOff val="80000"/>
+              </a:schemeClr>
+            </a:solidFill>
+            <a:ln>
+              <a:solidFill>
+                <a:schemeClr val="accent1"/>
+              </a:solidFill>
+            </a:ln>
+          </p:spPr>
+          <p:style>
+            <a:lnRef idx="2">
+              <a:schemeClr val="accent1">
+                <a:shade val="15000"/>
+              </a:schemeClr>
+            </a:lnRef>
+            <a:fillRef idx="1">
+              <a:schemeClr val="accent1"/>
+            </a:fillRef>
+            <a:effectRef idx="0">
+              <a:schemeClr val="accent1"/>
+            </a:effectRef>
+            <a:fontRef idx="minor">
+              <a:schemeClr val="lt1"/>
+            </a:fontRef>
+          </p:style>
+          <p:txBody>
+            <a:bodyPr rtlCol="0" anchor="ctr"/>
+            <a:lstStyle/>
+            <a:p>
+              <a:pPr algn="ctr"/>
+              <a:r>
+                <a:rPr kumimoji="1" lang="ja-JP" altLang="en-US" b="1" dirty="0">
+                  <a:solidFill>
+                    <a:sysClr val="windowText" lastClr="000000"/>
+                  </a:solidFill>
+                </a:rPr>
+                <a:t>２</a:t>
+              </a:r>
+            </a:p>
+          </p:txBody>
+        </p:sp>
+        <p:sp>
+          <p:nvSpPr>
+            <p:cNvPr id="29" name="楕円 28">
+              <a:extLst>
+                <a:ext uri="{FF2B5EF4-FFF2-40B4-BE49-F238E27FC236}">
+                  <a16:creationId xmlns:a16="http://schemas.microsoft.com/office/drawing/2014/main" id="{738CE91C-5767-29EB-23DF-DFD20D338903}"/>
+                </a:ext>
+              </a:extLst>
+            </p:cNvPr>
+            <p:cNvSpPr/>
+            <p:nvPr/>
+          </p:nvSpPr>
+          <p:spPr>
+            <a:xfrm>
+              <a:off x="3233560" y="3639565"/>
+              <a:ext cx="324000" cy="324000"/>
+            </a:xfrm>
+            <a:prstGeom prst="ellipse">
+              <a:avLst/>
+            </a:prstGeom>
+            <a:solidFill>
+              <a:schemeClr val="accent5">
+                <a:lumMod val="20000"/>
+                <a:lumOff val="80000"/>
+              </a:schemeClr>
+            </a:solidFill>
+            <a:ln>
+              <a:solidFill>
+                <a:schemeClr val="accent1"/>
+              </a:solidFill>
+            </a:ln>
+          </p:spPr>
+          <p:style>
+            <a:lnRef idx="2">
+              <a:schemeClr val="accent1">
+                <a:shade val="15000"/>
+              </a:schemeClr>
+            </a:lnRef>
+            <a:fillRef idx="1">
+              <a:schemeClr val="accent1"/>
+            </a:fillRef>
+            <a:effectRef idx="0">
+              <a:schemeClr val="accent1"/>
+            </a:effectRef>
+            <a:fontRef idx="minor">
+              <a:schemeClr val="lt1"/>
+            </a:fontRef>
+          </p:style>
+          <p:txBody>
+            <a:bodyPr rtlCol="0" anchor="ctr"/>
+            <a:lstStyle/>
+            <a:p>
+              <a:pPr algn="ctr"/>
+              <a:r>
+                <a:rPr kumimoji="1" lang="ja-JP" altLang="en-US" b="1" dirty="0">
+                  <a:solidFill>
+                    <a:sysClr val="windowText" lastClr="000000"/>
+                  </a:solidFill>
+                </a:rPr>
+                <a:t>５</a:t>
+              </a:r>
+            </a:p>
+          </p:txBody>
+        </p:sp>
+        <p:sp>
+          <p:nvSpPr>
+            <p:cNvPr id="30" name="楕円 29">
+              <a:extLst>
+                <a:ext uri="{FF2B5EF4-FFF2-40B4-BE49-F238E27FC236}">
+                  <a16:creationId xmlns:a16="http://schemas.microsoft.com/office/drawing/2014/main" id="{0982FB14-A997-4090-95B8-433E148F2E01}"/>
+                </a:ext>
+              </a:extLst>
+            </p:cNvPr>
+            <p:cNvSpPr/>
+            <p:nvPr/>
+          </p:nvSpPr>
+          <p:spPr>
+            <a:xfrm>
+              <a:off x="4843062" y="4170637"/>
+              <a:ext cx="324000" cy="324000"/>
+            </a:xfrm>
+            <a:prstGeom prst="ellipse">
+              <a:avLst/>
+            </a:prstGeom>
+            <a:solidFill>
+              <a:schemeClr val="accent4"/>
+            </a:solidFill>
+            <a:ln>
+              <a:solidFill>
+                <a:schemeClr val="accent1"/>
+              </a:solidFill>
+            </a:ln>
+          </p:spPr>
+          <p:style>
+            <a:lnRef idx="2">
+              <a:schemeClr val="accent1">
+                <a:shade val="15000"/>
+              </a:schemeClr>
+            </a:lnRef>
+            <a:fillRef idx="1">
+              <a:schemeClr val="accent1"/>
+            </a:fillRef>
+            <a:effectRef idx="0">
+              <a:schemeClr val="accent1"/>
+            </a:effectRef>
+            <a:fontRef idx="minor">
+              <a:schemeClr val="lt1"/>
+            </a:fontRef>
+          </p:style>
+          <p:txBody>
+            <a:bodyPr rtlCol="0" anchor="ctr"/>
+            <a:lstStyle/>
+            <a:p>
+              <a:pPr algn="ctr"/>
+              <a:r>
+                <a:rPr kumimoji="1" lang="ja-JP" altLang="en-US" b="1" dirty="0">
+                  <a:solidFill>
+                    <a:sysClr val="windowText" lastClr="000000"/>
+                  </a:solidFill>
+                </a:rPr>
+                <a:t>０</a:t>
+              </a:r>
+            </a:p>
+          </p:txBody>
+        </p:sp>
+        <p:sp>
+          <p:nvSpPr>
+            <p:cNvPr id="31" name="楕円 30">
+              <a:extLst>
+                <a:ext uri="{FF2B5EF4-FFF2-40B4-BE49-F238E27FC236}">
+                  <a16:creationId xmlns:a16="http://schemas.microsoft.com/office/drawing/2014/main" id="{38D00BD0-9C68-BA23-0B16-7937277FD828}"/>
+                </a:ext>
+              </a:extLst>
+            </p:cNvPr>
+            <p:cNvSpPr/>
+            <p:nvPr/>
+          </p:nvSpPr>
+          <p:spPr>
+            <a:xfrm>
+              <a:off x="3643648" y="2288031"/>
+              <a:ext cx="324000" cy="324000"/>
+            </a:xfrm>
+            <a:prstGeom prst="ellipse">
+              <a:avLst/>
+            </a:prstGeom>
+            <a:solidFill>
+              <a:schemeClr val="accent5">
+                <a:lumMod val="20000"/>
+                <a:lumOff val="80000"/>
+              </a:schemeClr>
+            </a:solidFill>
+            <a:ln>
+              <a:solidFill>
+                <a:schemeClr val="accent1"/>
+              </a:solidFill>
+            </a:ln>
+          </p:spPr>
+          <p:style>
+            <a:lnRef idx="2">
+              <a:schemeClr val="accent1">
+                <a:shade val="15000"/>
+              </a:schemeClr>
+            </a:lnRef>
+            <a:fillRef idx="1">
+              <a:schemeClr val="accent1"/>
+            </a:fillRef>
+            <a:effectRef idx="0">
+              <a:schemeClr val="accent1"/>
+            </a:effectRef>
+            <a:fontRef idx="minor">
+              <a:schemeClr val="lt1"/>
+            </a:fontRef>
+          </p:style>
+          <p:txBody>
+            <a:bodyPr rtlCol="0" anchor="ctr"/>
+            <a:lstStyle/>
+            <a:p>
+              <a:pPr algn="ctr"/>
+              <a:r>
+                <a:rPr kumimoji="1" lang="ja-JP" altLang="en-US" b="1" dirty="0">
+                  <a:solidFill>
+                    <a:sysClr val="windowText" lastClr="000000"/>
+                  </a:solidFill>
+                </a:rPr>
+                <a:t>３</a:t>
+              </a:r>
+            </a:p>
+          </p:txBody>
+        </p:sp>
+        <p:sp>
+          <p:nvSpPr>
+            <p:cNvPr id="32" name="楕円 31">
+              <a:extLst>
+                <a:ext uri="{FF2B5EF4-FFF2-40B4-BE49-F238E27FC236}">
+                  <a16:creationId xmlns:a16="http://schemas.microsoft.com/office/drawing/2014/main" id="{A28FD5C3-ECF0-E332-0064-D7344B7A9BE3}"/>
+                </a:ext>
+              </a:extLst>
+            </p:cNvPr>
+            <p:cNvSpPr/>
+            <p:nvPr/>
+          </p:nvSpPr>
+          <p:spPr>
+            <a:xfrm>
+              <a:off x="4761050" y="3494870"/>
+              <a:ext cx="324000" cy="324000"/>
+            </a:xfrm>
+            <a:prstGeom prst="ellipse">
+              <a:avLst/>
+            </a:prstGeom>
+            <a:solidFill>
+              <a:schemeClr val="accent5">
+                <a:lumMod val="20000"/>
+                <a:lumOff val="80000"/>
+              </a:schemeClr>
+            </a:solidFill>
+            <a:ln>
+              <a:solidFill>
+                <a:schemeClr val="accent1"/>
+              </a:solidFill>
+            </a:ln>
+          </p:spPr>
+          <p:style>
+            <a:lnRef idx="2">
+              <a:schemeClr val="accent1">
+                <a:shade val="15000"/>
+              </a:schemeClr>
+            </a:lnRef>
+            <a:fillRef idx="1">
+              <a:schemeClr val="accent1"/>
+            </a:fillRef>
+            <a:effectRef idx="0">
+              <a:schemeClr val="accent1"/>
+            </a:effectRef>
+            <a:fontRef idx="minor">
+              <a:schemeClr val="lt1"/>
+            </a:fontRef>
+          </p:style>
+          <p:txBody>
+            <a:bodyPr rtlCol="0" anchor="ctr"/>
+            <a:lstStyle/>
+            <a:p>
+              <a:pPr algn="ctr"/>
+              <a:r>
+                <a:rPr kumimoji="1" lang="ja-JP" altLang="en-US" b="1" dirty="0">
+                  <a:solidFill>
+                    <a:sysClr val="windowText" lastClr="000000"/>
+                  </a:solidFill>
+                </a:rPr>
+                <a:t>６</a:t>
+              </a:r>
+            </a:p>
+          </p:txBody>
+        </p:sp>
+      </p:grpSp>
+    </p:spTree>
+    <p:extLst>
+      <p:ext uri="{BB962C8B-B14F-4D97-AF65-F5344CB8AC3E}">
+        <p14:creationId xmlns:p14="http://schemas.microsoft.com/office/powerpoint/2010/main" val="891488777"/>
+      </p:ext>
+    </p:extLst>
+  </p:cSld>
+  <p:clrMapOvr>
+    <a:masterClrMapping/>
+  </p:clrMapOvr>
+</p:sld>
+</file>
+
 <file path=ppt/theme/theme1.xml><?xml version="1.0" encoding="utf-8"?>
 <a:theme xmlns:a="http://schemas.openxmlformats.org/drawingml/2006/main" name="Office テーマ">
   <a:themeElements>

--- a/fig.pptx
+++ b/fig.pptx
@@ -9,6 +9,7 @@
     <p:sldId id="258" r:id="rId3"/>
     <p:sldId id="259" r:id="rId4"/>
     <p:sldId id="260" r:id="rId5"/>
+    <p:sldId id="261" r:id="rId6"/>
   </p:sldIdLst>
   <p:sldSz cx="12192000" cy="6858000"/>
   <p:notesSz cx="6858000" cy="9144000"/>
@@ -262,7 +263,7 @@
           <a:p>
             <a:fld id="{E19C4585-8E74-4D09-901E-7DCDB3F49738}" type="datetimeFigureOut">
               <a:rPr kumimoji="1" lang="ja-JP" altLang="en-US" smtClean="0"/>
-              <a:t>2025/8/30</a:t>
+              <a:t>2025/9/6</a:t>
             </a:fld>
             <a:endParaRPr kumimoji="1" lang="ja-JP" altLang="en-US"/>
           </a:p>
@@ -492,7 +493,7 @@
           <a:p>
             <a:fld id="{E19C4585-8E74-4D09-901E-7DCDB3F49738}" type="datetimeFigureOut">
               <a:rPr kumimoji="1" lang="ja-JP" altLang="en-US" smtClean="0"/>
-              <a:t>2025/8/30</a:t>
+              <a:t>2025/9/6</a:t>
             </a:fld>
             <a:endParaRPr kumimoji="1" lang="ja-JP" altLang="en-US"/>
           </a:p>
@@ -732,7 +733,7 @@
           <a:p>
             <a:fld id="{E19C4585-8E74-4D09-901E-7DCDB3F49738}" type="datetimeFigureOut">
               <a:rPr kumimoji="1" lang="ja-JP" altLang="en-US" smtClean="0"/>
-              <a:t>2025/8/30</a:t>
+              <a:t>2025/9/6</a:t>
             </a:fld>
             <a:endParaRPr kumimoji="1" lang="ja-JP" altLang="en-US"/>
           </a:p>
@@ -962,7 +963,7 @@
           <a:p>
             <a:fld id="{E19C4585-8E74-4D09-901E-7DCDB3F49738}" type="datetimeFigureOut">
               <a:rPr kumimoji="1" lang="ja-JP" altLang="en-US" smtClean="0"/>
-              <a:t>2025/8/30</a:t>
+              <a:t>2025/9/6</a:t>
             </a:fld>
             <a:endParaRPr kumimoji="1" lang="ja-JP" altLang="en-US"/>
           </a:p>
@@ -1237,7 +1238,7 @@
           <a:p>
             <a:fld id="{E19C4585-8E74-4D09-901E-7DCDB3F49738}" type="datetimeFigureOut">
               <a:rPr kumimoji="1" lang="ja-JP" altLang="en-US" smtClean="0"/>
-              <a:t>2025/8/30</a:t>
+              <a:t>2025/9/6</a:t>
             </a:fld>
             <a:endParaRPr kumimoji="1" lang="ja-JP" altLang="en-US"/>
           </a:p>
@@ -1566,7 +1567,7 @@
           <a:p>
             <a:fld id="{E19C4585-8E74-4D09-901E-7DCDB3F49738}" type="datetimeFigureOut">
               <a:rPr kumimoji="1" lang="ja-JP" altLang="en-US" smtClean="0"/>
-              <a:t>2025/8/30</a:t>
+              <a:t>2025/9/6</a:t>
             </a:fld>
             <a:endParaRPr kumimoji="1" lang="ja-JP" altLang="en-US"/>
           </a:p>
@@ -2042,7 +2043,7 @@
           <a:p>
             <a:fld id="{E19C4585-8E74-4D09-901E-7DCDB3F49738}" type="datetimeFigureOut">
               <a:rPr kumimoji="1" lang="ja-JP" altLang="en-US" smtClean="0"/>
-              <a:t>2025/8/30</a:t>
+              <a:t>2025/9/6</a:t>
             </a:fld>
             <a:endParaRPr kumimoji="1" lang="ja-JP" altLang="en-US"/>
           </a:p>
@@ -2183,7 +2184,7 @@
           <a:p>
             <a:fld id="{E19C4585-8E74-4D09-901E-7DCDB3F49738}" type="datetimeFigureOut">
               <a:rPr kumimoji="1" lang="ja-JP" altLang="en-US" smtClean="0"/>
-              <a:t>2025/8/30</a:t>
+              <a:t>2025/9/6</a:t>
             </a:fld>
             <a:endParaRPr kumimoji="1" lang="ja-JP" altLang="en-US"/>
           </a:p>
@@ -2296,7 +2297,7 @@
           <a:p>
             <a:fld id="{E19C4585-8E74-4D09-901E-7DCDB3F49738}" type="datetimeFigureOut">
               <a:rPr kumimoji="1" lang="ja-JP" altLang="en-US" smtClean="0"/>
-              <a:t>2025/8/30</a:t>
+              <a:t>2025/9/6</a:t>
             </a:fld>
             <a:endParaRPr kumimoji="1" lang="ja-JP" altLang="en-US"/>
           </a:p>
@@ -2639,7 +2640,7 @@
           <a:p>
             <a:fld id="{E19C4585-8E74-4D09-901E-7DCDB3F49738}" type="datetimeFigureOut">
               <a:rPr kumimoji="1" lang="ja-JP" altLang="en-US" smtClean="0"/>
-              <a:t>2025/8/30</a:t>
+              <a:t>2025/9/6</a:t>
             </a:fld>
             <a:endParaRPr kumimoji="1" lang="ja-JP" altLang="en-US"/>
           </a:p>
@@ -2927,7 +2928,7 @@
           <a:p>
             <a:fld id="{E19C4585-8E74-4D09-901E-7DCDB3F49738}" type="datetimeFigureOut">
               <a:rPr kumimoji="1" lang="ja-JP" altLang="en-US" smtClean="0"/>
-              <a:t>2025/8/30</a:t>
+              <a:t>2025/9/6</a:t>
             </a:fld>
             <a:endParaRPr kumimoji="1" lang="ja-JP" altLang="en-US"/>
           </a:p>
@@ -3200,7 +3201,7 @@
           <a:p>
             <a:fld id="{E19C4585-8E74-4D09-901E-7DCDB3F49738}" type="datetimeFigureOut">
               <a:rPr kumimoji="1" lang="ja-JP" altLang="en-US" smtClean="0"/>
-              <a:t>2025/8/30</a:t>
+              <a:t>2025/9/6</a:t>
             </a:fld>
             <a:endParaRPr kumimoji="1" lang="ja-JP" altLang="en-US"/>
           </a:p>
@@ -5533,554 +5534,533 @@
           <a:chExt cx="0" cy="0"/>
         </a:xfrm>
       </p:grpSpPr>
-      <p:grpSp>
-        <p:nvGrpSpPr>
-          <p:cNvPr id="12" name="グループ化 11">
-            <a:extLst>
-              <a:ext uri="{FF2B5EF4-FFF2-40B4-BE49-F238E27FC236}">
-                <a16:creationId xmlns:a16="http://schemas.microsoft.com/office/drawing/2014/main" id="{41336675-D8DC-E006-56FB-B3BB6E5DF4D9}"/>
-              </a:ext>
-            </a:extLst>
-          </p:cNvPr>
-          <p:cNvGrpSpPr/>
+      <p:cxnSp>
+        <p:nvCxnSpPr>
+          <p:cNvPr id="3" name="直線矢印コネクタ 2">
+            <a:extLst>
+              <a:ext uri="{FF2B5EF4-FFF2-40B4-BE49-F238E27FC236}">
+                <a16:creationId xmlns:a16="http://schemas.microsoft.com/office/drawing/2014/main" id="{57413703-5D71-9BA7-31DC-6B26AFC90DB2}"/>
+              </a:ext>
+            </a:extLst>
+          </p:cNvPr>
+          <p:cNvCxnSpPr>
+            <a:cxnSpLocks/>
+          </p:cNvCxnSpPr>
           <p:nvPr/>
-        </p:nvGrpSpPr>
-        <p:grpSpPr>
+        </p:nvCxnSpPr>
+        <p:spPr>
           <a:xfrm>
-            <a:off x="1387315" y="1094718"/>
-            <a:ext cx="4285814" cy="3063124"/>
-            <a:chOff x="1675236" y="1975383"/>
-            <a:chExt cx="4285814" cy="3063124"/>
+            <a:off x="1387315" y="4012423"/>
+            <a:ext cx="4285814" cy="0"/>
           </a:xfrm>
-        </p:grpSpPr>
-        <p:cxnSp>
-          <p:nvCxnSpPr>
-            <p:cNvPr id="3" name="直線矢印コネクタ 2">
-              <a:extLst>
-                <a:ext uri="{FF2B5EF4-FFF2-40B4-BE49-F238E27FC236}">
-                  <a16:creationId xmlns:a16="http://schemas.microsoft.com/office/drawing/2014/main" id="{57413703-5D71-9BA7-31DC-6B26AFC90DB2}"/>
-                </a:ext>
-              </a:extLst>
-            </p:cNvPr>
-            <p:cNvCxnSpPr>
-              <a:cxnSpLocks/>
-            </p:cNvCxnSpPr>
-            <p:nvPr/>
-          </p:nvCxnSpPr>
-          <p:spPr>
-            <a:xfrm>
-              <a:off x="1675236" y="4893088"/>
-              <a:ext cx="4285814" cy="0"/>
-            </a:xfrm>
-            <a:prstGeom prst="straightConnector1">
-              <a:avLst/>
-            </a:prstGeom>
-            <a:ln w="19050">
-              <a:tailEnd type="triangle"/>
-            </a:ln>
-          </p:spPr>
-          <p:style>
-            <a:lnRef idx="1">
-              <a:schemeClr val="dk1"/>
-            </a:lnRef>
-            <a:fillRef idx="0">
-              <a:schemeClr val="dk1"/>
-            </a:fillRef>
-            <a:effectRef idx="0">
-              <a:schemeClr val="dk1"/>
-            </a:effectRef>
-            <a:fontRef idx="minor">
-              <a:schemeClr val="tx1"/>
-            </a:fontRef>
-          </p:style>
-        </p:cxnSp>
-        <p:cxnSp>
-          <p:nvCxnSpPr>
-            <p:cNvPr id="4" name="直線矢印コネクタ 3">
-              <a:extLst>
-                <a:ext uri="{FF2B5EF4-FFF2-40B4-BE49-F238E27FC236}">
-                  <a16:creationId xmlns:a16="http://schemas.microsoft.com/office/drawing/2014/main" id="{1B678BD4-BAAA-EBAD-8D64-3FD7F4969851}"/>
-                </a:ext>
-              </a:extLst>
-            </p:cNvPr>
-            <p:cNvCxnSpPr>
-              <a:cxnSpLocks/>
-            </p:cNvCxnSpPr>
-            <p:nvPr/>
-          </p:nvCxnSpPr>
-          <p:spPr>
-            <a:xfrm flipV="1">
-              <a:off x="1785755" y="1975383"/>
-              <a:ext cx="0" cy="3063124"/>
-            </a:xfrm>
-            <a:prstGeom prst="straightConnector1">
-              <a:avLst/>
-            </a:prstGeom>
-            <a:ln w="19050">
-              <a:tailEnd type="triangle"/>
-            </a:ln>
-          </p:spPr>
-          <p:style>
-            <a:lnRef idx="1">
-              <a:schemeClr val="dk1"/>
-            </a:lnRef>
-            <a:fillRef idx="0">
-              <a:schemeClr val="dk1"/>
-            </a:fillRef>
-            <a:effectRef idx="0">
-              <a:schemeClr val="dk1"/>
-            </a:effectRef>
-            <a:fontRef idx="minor">
-              <a:schemeClr val="tx1"/>
-            </a:fontRef>
-          </p:style>
-        </p:cxnSp>
-        <p:sp>
-          <p:nvSpPr>
-            <p:cNvPr id="5" name="楕円 4">
-              <a:extLst>
-                <a:ext uri="{FF2B5EF4-FFF2-40B4-BE49-F238E27FC236}">
-                  <a16:creationId xmlns:a16="http://schemas.microsoft.com/office/drawing/2014/main" id="{54B4BA3A-E64F-67A9-6B4A-B60107B3DC6F}"/>
-                </a:ext>
-              </a:extLst>
-            </p:cNvPr>
-            <p:cNvSpPr/>
-            <p:nvPr/>
-          </p:nvSpPr>
-          <p:spPr>
-            <a:xfrm>
-              <a:off x="2575676" y="2450031"/>
-              <a:ext cx="324000" cy="324000"/>
-            </a:xfrm>
-            <a:prstGeom prst="ellipse">
-              <a:avLst/>
-            </a:prstGeom>
+          <a:prstGeom prst="straightConnector1">
+            <a:avLst/>
+          </a:prstGeom>
+          <a:ln w="19050">
+            <a:tailEnd type="triangle"/>
+          </a:ln>
+        </p:spPr>
+        <p:style>
+          <a:lnRef idx="1">
+            <a:schemeClr val="dk1"/>
+          </a:lnRef>
+          <a:fillRef idx="0">
+            <a:schemeClr val="dk1"/>
+          </a:fillRef>
+          <a:effectRef idx="0">
+            <a:schemeClr val="dk1"/>
+          </a:effectRef>
+          <a:fontRef idx="minor">
+            <a:schemeClr val="tx1"/>
+          </a:fontRef>
+        </p:style>
+      </p:cxnSp>
+      <p:cxnSp>
+        <p:nvCxnSpPr>
+          <p:cNvPr id="4" name="直線矢印コネクタ 3">
+            <a:extLst>
+              <a:ext uri="{FF2B5EF4-FFF2-40B4-BE49-F238E27FC236}">
+                <a16:creationId xmlns:a16="http://schemas.microsoft.com/office/drawing/2014/main" id="{1B678BD4-BAAA-EBAD-8D64-3FD7F4969851}"/>
+              </a:ext>
+            </a:extLst>
+          </p:cNvPr>
+          <p:cNvCxnSpPr>
+            <a:cxnSpLocks/>
+          </p:cNvCxnSpPr>
+          <p:nvPr/>
+        </p:nvCxnSpPr>
+        <p:spPr>
+          <a:xfrm flipV="1">
+            <a:off x="1497834" y="1094718"/>
+            <a:ext cx="0" cy="3063124"/>
+          </a:xfrm>
+          <a:prstGeom prst="straightConnector1">
+            <a:avLst/>
+          </a:prstGeom>
+          <a:ln w="19050">
+            <a:tailEnd type="triangle"/>
+          </a:ln>
+        </p:spPr>
+        <p:style>
+          <a:lnRef idx="1">
+            <a:schemeClr val="dk1"/>
+          </a:lnRef>
+          <a:fillRef idx="0">
+            <a:schemeClr val="dk1"/>
+          </a:fillRef>
+          <a:effectRef idx="0">
+            <a:schemeClr val="dk1"/>
+          </a:effectRef>
+          <a:fontRef idx="minor">
+            <a:schemeClr val="tx1"/>
+          </a:fontRef>
+        </p:style>
+      </p:cxnSp>
+      <p:sp>
+        <p:nvSpPr>
+          <p:cNvPr id="5" name="楕円 4">
+            <a:extLst>
+              <a:ext uri="{FF2B5EF4-FFF2-40B4-BE49-F238E27FC236}">
+                <a16:creationId xmlns:a16="http://schemas.microsoft.com/office/drawing/2014/main" id="{54B4BA3A-E64F-67A9-6B4A-B60107B3DC6F}"/>
+              </a:ext>
+            </a:extLst>
+          </p:cNvPr>
+          <p:cNvSpPr/>
+          <p:nvPr/>
+        </p:nvSpPr>
+        <p:spPr>
+          <a:xfrm>
+            <a:off x="2287755" y="1569366"/>
+            <a:ext cx="324000" cy="324000"/>
+          </a:xfrm>
+          <a:prstGeom prst="ellipse">
+            <a:avLst/>
+          </a:prstGeom>
+          <a:solidFill>
+            <a:schemeClr val="accent5">
+              <a:lumMod val="20000"/>
+              <a:lumOff val="80000"/>
+            </a:schemeClr>
+          </a:solidFill>
+          <a:ln>
             <a:solidFill>
-              <a:schemeClr val="accent5">
-                <a:lumMod val="20000"/>
-                <a:lumOff val="80000"/>
-              </a:schemeClr>
+              <a:schemeClr val="accent1"/>
             </a:solidFill>
-            <a:ln>
-              <a:solidFill>
-                <a:schemeClr val="accent1"/>
-              </a:solidFill>
-            </a:ln>
-          </p:spPr>
-          <p:style>
-            <a:lnRef idx="2">
-              <a:schemeClr val="accent1">
-                <a:shade val="15000"/>
-              </a:schemeClr>
-            </a:lnRef>
-            <a:fillRef idx="1">
-              <a:schemeClr val="accent1"/>
-            </a:fillRef>
-            <a:effectRef idx="0">
-              <a:schemeClr val="accent1"/>
-            </a:effectRef>
-            <a:fontRef idx="minor">
-              <a:schemeClr val="lt1"/>
-            </a:fontRef>
-          </p:style>
-          <p:txBody>
-            <a:bodyPr rtlCol="0" anchor="ctr"/>
-            <a:lstStyle/>
-            <a:p>
-              <a:pPr algn="ctr"/>
-              <a:r>
-                <a:rPr kumimoji="1" lang="ja-JP" altLang="en-US" b="1" dirty="0">
-                  <a:solidFill>
-                    <a:sysClr val="windowText" lastClr="000000"/>
-                  </a:solidFill>
-                </a:rPr>
-                <a:t>１</a:t>
-              </a:r>
-            </a:p>
-          </p:txBody>
-        </p:sp>
-        <p:sp>
-          <p:nvSpPr>
-            <p:cNvPr id="6" name="楕円 5">
-              <a:extLst>
-                <a:ext uri="{FF2B5EF4-FFF2-40B4-BE49-F238E27FC236}">
-                  <a16:creationId xmlns:a16="http://schemas.microsoft.com/office/drawing/2014/main" id="{BD934D98-12F6-1F87-6558-FC8028C346CC}"/>
-                </a:ext>
-              </a:extLst>
-            </p:cNvPr>
-            <p:cNvSpPr/>
-            <p:nvPr/>
-          </p:nvSpPr>
-          <p:spPr>
-            <a:xfrm>
-              <a:off x="2430549" y="4082223"/>
-              <a:ext cx="324000" cy="324000"/>
-            </a:xfrm>
-            <a:prstGeom prst="ellipse">
-              <a:avLst/>
-            </a:prstGeom>
+          </a:ln>
+        </p:spPr>
+        <p:style>
+          <a:lnRef idx="2">
+            <a:schemeClr val="accent1">
+              <a:shade val="15000"/>
+            </a:schemeClr>
+          </a:lnRef>
+          <a:fillRef idx="1">
+            <a:schemeClr val="accent1"/>
+          </a:fillRef>
+          <a:effectRef idx="0">
+            <a:schemeClr val="accent1"/>
+          </a:effectRef>
+          <a:fontRef idx="minor">
+            <a:schemeClr val="lt1"/>
+          </a:fontRef>
+        </p:style>
+        <p:txBody>
+          <a:bodyPr rtlCol="0" anchor="ctr"/>
+          <a:lstStyle/>
+          <a:p>
+            <a:pPr algn="ctr"/>
+            <a:r>
+              <a:rPr kumimoji="1" lang="ja-JP" altLang="en-US" b="1" dirty="0">
+                <a:solidFill>
+                  <a:sysClr val="windowText" lastClr="000000"/>
+                </a:solidFill>
+              </a:rPr>
+              <a:t>１</a:t>
+            </a:r>
+          </a:p>
+        </p:txBody>
+      </p:sp>
+      <p:sp>
+        <p:nvSpPr>
+          <p:cNvPr id="6" name="楕円 5">
+            <a:extLst>
+              <a:ext uri="{FF2B5EF4-FFF2-40B4-BE49-F238E27FC236}">
+                <a16:creationId xmlns:a16="http://schemas.microsoft.com/office/drawing/2014/main" id="{BD934D98-12F6-1F87-6558-FC8028C346CC}"/>
+              </a:ext>
+            </a:extLst>
+          </p:cNvPr>
+          <p:cNvSpPr/>
+          <p:nvPr/>
+        </p:nvSpPr>
+        <p:spPr>
+          <a:xfrm>
+            <a:off x="2142628" y="3201558"/>
+            <a:ext cx="324000" cy="324000"/>
+          </a:xfrm>
+          <a:prstGeom prst="ellipse">
+            <a:avLst/>
+          </a:prstGeom>
+          <a:solidFill>
+            <a:schemeClr val="accent5">
+              <a:lumMod val="20000"/>
+              <a:lumOff val="80000"/>
+            </a:schemeClr>
+          </a:solidFill>
+          <a:ln>
             <a:solidFill>
-              <a:schemeClr val="accent5">
-                <a:lumMod val="20000"/>
-                <a:lumOff val="80000"/>
-              </a:schemeClr>
+              <a:schemeClr val="accent1"/>
             </a:solidFill>
-            <a:ln>
-              <a:solidFill>
-                <a:schemeClr val="accent1"/>
-              </a:solidFill>
-            </a:ln>
-          </p:spPr>
-          <p:style>
-            <a:lnRef idx="2">
-              <a:schemeClr val="accent1">
-                <a:shade val="15000"/>
-              </a:schemeClr>
-            </a:lnRef>
-            <a:fillRef idx="1">
-              <a:schemeClr val="accent1"/>
-            </a:fillRef>
-            <a:effectRef idx="0">
-              <a:schemeClr val="accent1"/>
-            </a:effectRef>
-            <a:fontRef idx="minor">
-              <a:schemeClr val="lt1"/>
-            </a:fontRef>
-          </p:style>
-          <p:txBody>
-            <a:bodyPr rtlCol="0" anchor="ctr"/>
-            <a:lstStyle/>
-            <a:p>
-              <a:pPr algn="ctr"/>
-              <a:r>
-                <a:rPr kumimoji="1" lang="ja-JP" altLang="en-US" b="1" dirty="0">
-                  <a:solidFill>
-                    <a:sysClr val="windowText" lastClr="000000"/>
-                  </a:solidFill>
-                </a:rPr>
-                <a:t>４</a:t>
-              </a:r>
-            </a:p>
-          </p:txBody>
-        </p:sp>
-        <p:sp>
-          <p:nvSpPr>
-            <p:cNvPr id="7" name="楕円 6">
-              <a:extLst>
-                <a:ext uri="{FF2B5EF4-FFF2-40B4-BE49-F238E27FC236}">
-                  <a16:creationId xmlns:a16="http://schemas.microsoft.com/office/drawing/2014/main" id="{73025B20-AC67-323C-57DF-A8656847CE97}"/>
-                </a:ext>
-              </a:extLst>
-            </p:cNvPr>
-            <p:cNvSpPr/>
-            <p:nvPr/>
-          </p:nvSpPr>
-          <p:spPr>
-            <a:xfrm>
-              <a:off x="3237628" y="2532630"/>
-              <a:ext cx="324000" cy="324000"/>
-            </a:xfrm>
-            <a:prstGeom prst="ellipse">
-              <a:avLst/>
-            </a:prstGeom>
+          </a:ln>
+        </p:spPr>
+        <p:style>
+          <a:lnRef idx="2">
+            <a:schemeClr val="accent1">
+              <a:shade val="15000"/>
+            </a:schemeClr>
+          </a:lnRef>
+          <a:fillRef idx="1">
+            <a:schemeClr val="accent1"/>
+          </a:fillRef>
+          <a:effectRef idx="0">
+            <a:schemeClr val="accent1"/>
+          </a:effectRef>
+          <a:fontRef idx="minor">
+            <a:schemeClr val="lt1"/>
+          </a:fontRef>
+        </p:style>
+        <p:txBody>
+          <a:bodyPr rtlCol="0" anchor="ctr"/>
+          <a:lstStyle/>
+          <a:p>
+            <a:pPr algn="ctr"/>
+            <a:r>
+              <a:rPr kumimoji="1" lang="ja-JP" altLang="en-US" b="1" dirty="0">
+                <a:solidFill>
+                  <a:sysClr val="windowText" lastClr="000000"/>
+                </a:solidFill>
+              </a:rPr>
+              <a:t>４</a:t>
+            </a:r>
+          </a:p>
+        </p:txBody>
+      </p:sp>
+      <p:sp>
+        <p:nvSpPr>
+          <p:cNvPr id="7" name="楕円 6">
+            <a:extLst>
+              <a:ext uri="{FF2B5EF4-FFF2-40B4-BE49-F238E27FC236}">
+                <a16:creationId xmlns:a16="http://schemas.microsoft.com/office/drawing/2014/main" id="{73025B20-AC67-323C-57DF-A8656847CE97}"/>
+              </a:ext>
+            </a:extLst>
+          </p:cNvPr>
+          <p:cNvSpPr/>
+          <p:nvPr/>
+        </p:nvSpPr>
+        <p:spPr>
+          <a:xfrm>
+            <a:off x="2949707" y="1651965"/>
+            <a:ext cx="324000" cy="324000"/>
+          </a:xfrm>
+          <a:prstGeom prst="ellipse">
+            <a:avLst/>
+          </a:prstGeom>
+          <a:solidFill>
+            <a:schemeClr val="accent5">
+              <a:lumMod val="20000"/>
+              <a:lumOff val="80000"/>
+            </a:schemeClr>
+          </a:solidFill>
+          <a:ln>
             <a:solidFill>
-              <a:schemeClr val="accent5">
-                <a:lumMod val="20000"/>
-                <a:lumOff val="80000"/>
-              </a:schemeClr>
+              <a:schemeClr val="accent1"/>
             </a:solidFill>
-            <a:ln>
-              <a:solidFill>
-                <a:schemeClr val="accent1"/>
-              </a:solidFill>
-            </a:ln>
-          </p:spPr>
-          <p:style>
-            <a:lnRef idx="2">
-              <a:schemeClr val="accent1">
-                <a:shade val="15000"/>
-              </a:schemeClr>
-            </a:lnRef>
-            <a:fillRef idx="1">
-              <a:schemeClr val="accent1"/>
-            </a:fillRef>
-            <a:effectRef idx="0">
-              <a:schemeClr val="accent1"/>
-            </a:effectRef>
-            <a:fontRef idx="minor">
-              <a:schemeClr val="lt1"/>
-            </a:fontRef>
-          </p:style>
-          <p:txBody>
-            <a:bodyPr rtlCol="0" anchor="ctr"/>
-            <a:lstStyle/>
-            <a:p>
-              <a:pPr algn="ctr"/>
-              <a:r>
-                <a:rPr kumimoji="1" lang="ja-JP" altLang="en-US" b="1" dirty="0">
-                  <a:solidFill>
-                    <a:sysClr val="windowText" lastClr="000000"/>
-                  </a:solidFill>
-                </a:rPr>
-                <a:t>２</a:t>
-              </a:r>
-            </a:p>
-          </p:txBody>
-        </p:sp>
-        <p:sp>
-          <p:nvSpPr>
-            <p:cNvPr id="8" name="楕円 7">
-              <a:extLst>
-                <a:ext uri="{FF2B5EF4-FFF2-40B4-BE49-F238E27FC236}">
-                  <a16:creationId xmlns:a16="http://schemas.microsoft.com/office/drawing/2014/main" id="{7B4EB6B7-0262-B4BE-BAC6-0DF5C00C9C3A}"/>
-                </a:ext>
-              </a:extLst>
-            </p:cNvPr>
-            <p:cNvSpPr/>
-            <p:nvPr/>
-          </p:nvSpPr>
-          <p:spPr>
-            <a:xfrm>
-              <a:off x="3233560" y="3639565"/>
-              <a:ext cx="324000" cy="324000"/>
-            </a:xfrm>
-            <a:prstGeom prst="ellipse">
-              <a:avLst/>
-            </a:prstGeom>
+          </a:ln>
+        </p:spPr>
+        <p:style>
+          <a:lnRef idx="2">
+            <a:schemeClr val="accent1">
+              <a:shade val="15000"/>
+            </a:schemeClr>
+          </a:lnRef>
+          <a:fillRef idx="1">
+            <a:schemeClr val="accent1"/>
+          </a:fillRef>
+          <a:effectRef idx="0">
+            <a:schemeClr val="accent1"/>
+          </a:effectRef>
+          <a:fontRef idx="minor">
+            <a:schemeClr val="lt1"/>
+          </a:fontRef>
+        </p:style>
+        <p:txBody>
+          <a:bodyPr rtlCol="0" anchor="ctr"/>
+          <a:lstStyle/>
+          <a:p>
+            <a:pPr algn="ctr"/>
+            <a:r>
+              <a:rPr kumimoji="1" lang="ja-JP" altLang="en-US" b="1" dirty="0">
+                <a:solidFill>
+                  <a:sysClr val="windowText" lastClr="000000"/>
+                </a:solidFill>
+              </a:rPr>
+              <a:t>２</a:t>
+            </a:r>
+          </a:p>
+        </p:txBody>
+      </p:sp>
+      <p:sp>
+        <p:nvSpPr>
+          <p:cNvPr id="8" name="楕円 7">
+            <a:extLst>
+              <a:ext uri="{FF2B5EF4-FFF2-40B4-BE49-F238E27FC236}">
+                <a16:creationId xmlns:a16="http://schemas.microsoft.com/office/drawing/2014/main" id="{7B4EB6B7-0262-B4BE-BAC6-0DF5C00C9C3A}"/>
+              </a:ext>
+            </a:extLst>
+          </p:cNvPr>
+          <p:cNvSpPr/>
+          <p:nvPr/>
+        </p:nvSpPr>
+        <p:spPr>
+          <a:xfrm>
+            <a:off x="2945639" y="2758900"/>
+            <a:ext cx="324000" cy="324000"/>
+          </a:xfrm>
+          <a:prstGeom prst="ellipse">
+            <a:avLst/>
+          </a:prstGeom>
+          <a:solidFill>
+            <a:schemeClr val="accent5">
+              <a:lumMod val="20000"/>
+              <a:lumOff val="80000"/>
+            </a:schemeClr>
+          </a:solidFill>
+          <a:ln>
             <a:solidFill>
-              <a:schemeClr val="accent5">
-                <a:lumMod val="20000"/>
-                <a:lumOff val="80000"/>
-              </a:schemeClr>
+              <a:schemeClr val="accent1"/>
             </a:solidFill>
-            <a:ln>
-              <a:solidFill>
-                <a:schemeClr val="accent1"/>
-              </a:solidFill>
-            </a:ln>
-          </p:spPr>
-          <p:style>
-            <a:lnRef idx="2">
-              <a:schemeClr val="accent1">
-                <a:shade val="15000"/>
-              </a:schemeClr>
-            </a:lnRef>
-            <a:fillRef idx="1">
-              <a:schemeClr val="accent1"/>
-            </a:fillRef>
-            <a:effectRef idx="0">
-              <a:schemeClr val="accent1"/>
-            </a:effectRef>
-            <a:fontRef idx="minor">
-              <a:schemeClr val="lt1"/>
-            </a:fontRef>
-          </p:style>
-          <p:txBody>
-            <a:bodyPr rtlCol="0" anchor="ctr"/>
-            <a:lstStyle/>
-            <a:p>
-              <a:pPr algn="ctr"/>
-              <a:r>
-                <a:rPr kumimoji="1" lang="ja-JP" altLang="en-US" b="1" dirty="0">
-                  <a:solidFill>
-                    <a:sysClr val="windowText" lastClr="000000"/>
-                  </a:solidFill>
-                </a:rPr>
-                <a:t>５</a:t>
-              </a:r>
-            </a:p>
-          </p:txBody>
-        </p:sp>
-        <p:sp>
-          <p:nvSpPr>
-            <p:cNvPr id="9" name="楕円 8">
-              <a:extLst>
-                <a:ext uri="{FF2B5EF4-FFF2-40B4-BE49-F238E27FC236}">
-                  <a16:creationId xmlns:a16="http://schemas.microsoft.com/office/drawing/2014/main" id="{4D0D200B-36EB-097B-12F7-5E2E6E5B86F4}"/>
-                </a:ext>
-              </a:extLst>
-            </p:cNvPr>
-            <p:cNvSpPr/>
-            <p:nvPr/>
-          </p:nvSpPr>
-          <p:spPr>
-            <a:xfrm>
-              <a:off x="4843062" y="4170637"/>
-              <a:ext cx="324000" cy="324000"/>
-            </a:xfrm>
-            <a:prstGeom prst="ellipse">
-              <a:avLst/>
-            </a:prstGeom>
+          </a:ln>
+        </p:spPr>
+        <p:style>
+          <a:lnRef idx="2">
+            <a:schemeClr val="accent1">
+              <a:shade val="15000"/>
+            </a:schemeClr>
+          </a:lnRef>
+          <a:fillRef idx="1">
+            <a:schemeClr val="accent1"/>
+          </a:fillRef>
+          <a:effectRef idx="0">
+            <a:schemeClr val="accent1"/>
+          </a:effectRef>
+          <a:fontRef idx="minor">
+            <a:schemeClr val="lt1"/>
+          </a:fontRef>
+        </p:style>
+        <p:txBody>
+          <a:bodyPr rtlCol="0" anchor="ctr"/>
+          <a:lstStyle/>
+          <a:p>
+            <a:pPr algn="ctr"/>
+            <a:r>
+              <a:rPr kumimoji="1" lang="ja-JP" altLang="en-US" b="1" dirty="0">
+                <a:solidFill>
+                  <a:sysClr val="windowText" lastClr="000000"/>
+                </a:solidFill>
+              </a:rPr>
+              <a:t>５</a:t>
+            </a:r>
+          </a:p>
+        </p:txBody>
+      </p:sp>
+      <p:sp>
+        <p:nvSpPr>
+          <p:cNvPr id="9" name="楕円 8">
+            <a:extLst>
+              <a:ext uri="{FF2B5EF4-FFF2-40B4-BE49-F238E27FC236}">
+                <a16:creationId xmlns:a16="http://schemas.microsoft.com/office/drawing/2014/main" id="{4D0D200B-36EB-097B-12F7-5E2E6E5B86F4}"/>
+              </a:ext>
+            </a:extLst>
+          </p:cNvPr>
+          <p:cNvSpPr/>
+          <p:nvPr/>
+        </p:nvSpPr>
+        <p:spPr>
+          <a:xfrm>
+            <a:off x="4555141" y="3289972"/>
+            <a:ext cx="324000" cy="324000"/>
+          </a:xfrm>
+          <a:prstGeom prst="ellipse">
+            <a:avLst/>
+          </a:prstGeom>
+          <a:solidFill>
+            <a:schemeClr val="accent4"/>
+          </a:solidFill>
+          <a:ln>
             <a:solidFill>
-              <a:schemeClr val="accent4"/>
+              <a:schemeClr val="accent1"/>
             </a:solidFill>
-            <a:ln>
-              <a:solidFill>
-                <a:schemeClr val="accent1"/>
-              </a:solidFill>
-            </a:ln>
-          </p:spPr>
-          <p:style>
-            <a:lnRef idx="2">
-              <a:schemeClr val="accent1">
-                <a:shade val="15000"/>
-              </a:schemeClr>
-            </a:lnRef>
-            <a:fillRef idx="1">
-              <a:schemeClr val="accent1"/>
-            </a:fillRef>
-            <a:effectRef idx="0">
-              <a:schemeClr val="accent1"/>
-            </a:effectRef>
-            <a:fontRef idx="minor">
-              <a:schemeClr val="lt1"/>
-            </a:fontRef>
-          </p:style>
-          <p:txBody>
-            <a:bodyPr rtlCol="0" anchor="ctr"/>
-            <a:lstStyle/>
-            <a:p>
-              <a:pPr algn="ctr"/>
-              <a:r>
-                <a:rPr kumimoji="1" lang="ja-JP" altLang="en-US" b="1" dirty="0">
-                  <a:solidFill>
-                    <a:sysClr val="windowText" lastClr="000000"/>
-                  </a:solidFill>
-                </a:rPr>
-                <a:t>０</a:t>
-              </a:r>
-            </a:p>
-          </p:txBody>
-        </p:sp>
-        <p:sp>
-          <p:nvSpPr>
-            <p:cNvPr id="10" name="楕円 9">
-              <a:extLst>
-                <a:ext uri="{FF2B5EF4-FFF2-40B4-BE49-F238E27FC236}">
-                  <a16:creationId xmlns:a16="http://schemas.microsoft.com/office/drawing/2014/main" id="{9D7499F9-C0A5-1867-9D29-61C3A8EB9C1B}"/>
-                </a:ext>
-              </a:extLst>
-            </p:cNvPr>
-            <p:cNvSpPr/>
-            <p:nvPr/>
-          </p:nvSpPr>
-          <p:spPr>
-            <a:xfrm>
-              <a:off x="3643648" y="2288031"/>
-              <a:ext cx="324000" cy="324000"/>
-            </a:xfrm>
-            <a:prstGeom prst="ellipse">
-              <a:avLst/>
-            </a:prstGeom>
+          </a:ln>
+        </p:spPr>
+        <p:style>
+          <a:lnRef idx="2">
+            <a:schemeClr val="accent1">
+              <a:shade val="15000"/>
+            </a:schemeClr>
+          </a:lnRef>
+          <a:fillRef idx="1">
+            <a:schemeClr val="accent1"/>
+          </a:fillRef>
+          <a:effectRef idx="0">
+            <a:schemeClr val="accent1"/>
+          </a:effectRef>
+          <a:fontRef idx="minor">
+            <a:schemeClr val="lt1"/>
+          </a:fontRef>
+        </p:style>
+        <p:txBody>
+          <a:bodyPr rtlCol="0" anchor="ctr"/>
+          <a:lstStyle/>
+          <a:p>
+            <a:pPr algn="ctr"/>
+            <a:r>
+              <a:rPr kumimoji="1" lang="ja-JP" altLang="en-US" b="1" dirty="0">
+                <a:solidFill>
+                  <a:sysClr val="windowText" lastClr="000000"/>
+                </a:solidFill>
+              </a:rPr>
+              <a:t>０</a:t>
+            </a:r>
+          </a:p>
+        </p:txBody>
+      </p:sp>
+      <p:sp>
+        <p:nvSpPr>
+          <p:cNvPr id="10" name="楕円 9">
+            <a:extLst>
+              <a:ext uri="{FF2B5EF4-FFF2-40B4-BE49-F238E27FC236}">
+                <a16:creationId xmlns:a16="http://schemas.microsoft.com/office/drawing/2014/main" id="{9D7499F9-C0A5-1867-9D29-61C3A8EB9C1B}"/>
+              </a:ext>
+            </a:extLst>
+          </p:cNvPr>
+          <p:cNvSpPr/>
+          <p:nvPr/>
+        </p:nvSpPr>
+        <p:spPr>
+          <a:xfrm>
+            <a:off x="3355727" y="1407366"/>
+            <a:ext cx="324000" cy="324000"/>
+          </a:xfrm>
+          <a:prstGeom prst="ellipse">
+            <a:avLst/>
+          </a:prstGeom>
+          <a:solidFill>
+            <a:schemeClr val="accent5">
+              <a:lumMod val="20000"/>
+              <a:lumOff val="80000"/>
+            </a:schemeClr>
+          </a:solidFill>
+          <a:ln>
             <a:solidFill>
-              <a:schemeClr val="accent5">
-                <a:lumMod val="20000"/>
-                <a:lumOff val="80000"/>
-              </a:schemeClr>
+              <a:schemeClr val="accent1"/>
             </a:solidFill>
-            <a:ln>
-              <a:solidFill>
-                <a:schemeClr val="accent1"/>
-              </a:solidFill>
-            </a:ln>
-          </p:spPr>
-          <p:style>
-            <a:lnRef idx="2">
-              <a:schemeClr val="accent1">
-                <a:shade val="15000"/>
-              </a:schemeClr>
-            </a:lnRef>
-            <a:fillRef idx="1">
-              <a:schemeClr val="accent1"/>
-            </a:fillRef>
-            <a:effectRef idx="0">
-              <a:schemeClr val="accent1"/>
-            </a:effectRef>
-            <a:fontRef idx="minor">
-              <a:schemeClr val="lt1"/>
-            </a:fontRef>
-          </p:style>
-          <p:txBody>
-            <a:bodyPr rtlCol="0" anchor="ctr"/>
-            <a:lstStyle/>
-            <a:p>
-              <a:pPr algn="ctr"/>
-              <a:r>
-                <a:rPr kumimoji="1" lang="ja-JP" altLang="en-US" b="1" dirty="0">
-                  <a:solidFill>
-                    <a:sysClr val="windowText" lastClr="000000"/>
-                  </a:solidFill>
-                </a:rPr>
-                <a:t>３</a:t>
-              </a:r>
-            </a:p>
-          </p:txBody>
-        </p:sp>
-        <p:sp>
-          <p:nvSpPr>
-            <p:cNvPr id="11" name="楕円 10">
-              <a:extLst>
-                <a:ext uri="{FF2B5EF4-FFF2-40B4-BE49-F238E27FC236}">
-                  <a16:creationId xmlns:a16="http://schemas.microsoft.com/office/drawing/2014/main" id="{92C3B1DC-A23F-51F0-6A1D-E54CAC4F6800}"/>
-                </a:ext>
-              </a:extLst>
-            </p:cNvPr>
-            <p:cNvSpPr/>
-            <p:nvPr/>
-          </p:nvSpPr>
-          <p:spPr>
-            <a:xfrm>
-              <a:off x="4761050" y="3494870"/>
-              <a:ext cx="324000" cy="324000"/>
-            </a:xfrm>
-            <a:prstGeom prst="ellipse">
-              <a:avLst/>
-            </a:prstGeom>
+          </a:ln>
+        </p:spPr>
+        <p:style>
+          <a:lnRef idx="2">
+            <a:schemeClr val="accent1">
+              <a:shade val="15000"/>
+            </a:schemeClr>
+          </a:lnRef>
+          <a:fillRef idx="1">
+            <a:schemeClr val="accent1"/>
+          </a:fillRef>
+          <a:effectRef idx="0">
+            <a:schemeClr val="accent1"/>
+          </a:effectRef>
+          <a:fontRef idx="minor">
+            <a:schemeClr val="lt1"/>
+          </a:fontRef>
+        </p:style>
+        <p:txBody>
+          <a:bodyPr rtlCol="0" anchor="ctr"/>
+          <a:lstStyle/>
+          <a:p>
+            <a:pPr algn="ctr"/>
+            <a:r>
+              <a:rPr kumimoji="1" lang="ja-JP" altLang="en-US" b="1" dirty="0">
+                <a:solidFill>
+                  <a:sysClr val="windowText" lastClr="000000"/>
+                </a:solidFill>
+              </a:rPr>
+              <a:t>３</a:t>
+            </a:r>
+          </a:p>
+        </p:txBody>
+      </p:sp>
+      <p:sp>
+        <p:nvSpPr>
+          <p:cNvPr id="11" name="楕円 10">
+            <a:extLst>
+              <a:ext uri="{FF2B5EF4-FFF2-40B4-BE49-F238E27FC236}">
+                <a16:creationId xmlns:a16="http://schemas.microsoft.com/office/drawing/2014/main" id="{92C3B1DC-A23F-51F0-6A1D-E54CAC4F6800}"/>
+              </a:ext>
+            </a:extLst>
+          </p:cNvPr>
+          <p:cNvSpPr/>
+          <p:nvPr/>
+        </p:nvSpPr>
+        <p:spPr>
+          <a:xfrm>
+            <a:off x="4473129" y="2614205"/>
+            <a:ext cx="324000" cy="324000"/>
+          </a:xfrm>
+          <a:prstGeom prst="ellipse">
+            <a:avLst/>
+          </a:prstGeom>
+          <a:solidFill>
+            <a:schemeClr val="accent5">
+              <a:lumMod val="20000"/>
+              <a:lumOff val="80000"/>
+            </a:schemeClr>
+          </a:solidFill>
+          <a:ln>
             <a:solidFill>
-              <a:schemeClr val="accent5">
-                <a:lumMod val="20000"/>
-                <a:lumOff val="80000"/>
-              </a:schemeClr>
+              <a:schemeClr val="accent1"/>
             </a:solidFill>
-            <a:ln>
-              <a:solidFill>
-                <a:schemeClr val="accent1"/>
-              </a:solidFill>
-            </a:ln>
-          </p:spPr>
-          <p:style>
-            <a:lnRef idx="2">
-              <a:schemeClr val="accent1">
-                <a:shade val="15000"/>
-              </a:schemeClr>
-            </a:lnRef>
-            <a:fillRef idx="1">
-              <a:schemeClr val="accent1"/>
-            </a:fillRef>
-            <a:effectRef idx="0">
-              <a:schemeClr val="accent1"/>
-            </a:effectRef>
-            <a:fontRef idx="minor">
-              <a:schemeClr val="lt1"/>
-            </a:fontRef>
-          </p:style>
-          <p:txBody>
-            <a:bodyPr rtlCol="0" anchor="ctr"/>
-            <a:lstStyle/>
-            <a:p>
-              <a:pPr algn="ctr"/>
-              <a:r>
-                <a:rPr kumimoji="1" lang="ja-JP" altLang="en-US" b="1" dirty="0">
-                  <a:solidFill>
-                    <a:sysClr val="windowText" lastClr="000000"/>
-                  </a:solidFill>
-                </a:rPr>
-                <a:t>６</a:t>
-              </a:r>
-            </a:p>
-          </p:txBody>
-        </p:sp>
-      </p:grpSp>
+          </a:ln>
+        </p:spPr>
+        <p:style>
+          <a:lnRef idx="2">
+            <a:schemeClr val="accent1">
+              <a:shade val="15000"/>
+            </a:schemeClr>
+          </a:lnRef>
+          <a:fillRef idx="1">
+            <a:schemeClr val="accent1"/>
+          </a:fillRef>
+          <a:effectRef idx="0">
+            <a:schemeClr val="accent1"/>
+          </a:effectRef>
+          <a:fontRef idx="minor">
+            <a:schemeClr val="lt1"/>
+          </a:fontRef>
+        </p:style>
+        <p:txBody>
+          <a:bodyPr rtlCol="0" anchor="ctr"/>
+          <a:lstStyle/>
+          <a:p>
+            <a:pPr algn="ctr"/>
+            <a:r>
+              <a:rPr kumimoji="1" lang="ja-JP" altLang="en-US" b="1" dirty="0">
+                <a:solidFill>
+                  <a:sysClr val="windowText" lastClr="000000"/>
+                </a:solidFill>
+              </a:rPr>
+              <a:t>６</a:t>
+            </a:r>
+          </a:p>
+        </p:txBody>
+      </p:sp>
       <p:grpSp>
         <p:nvGrpSpPr>
           <p:cNvPr id="13" name="グループ化 12">
@@ -7172,6 +7152,2198 @@
     <p:extLst>
       <p:ext uri="{BB962C8B-B14F-4D97-AF65-F5344CB8AC3E}">
         <p14:creationId xmlns:p14="http://schemas.microsoft.com/office/powerpoint/2010/main" val="891488777"/>
+      </p:ext>
+    </p:extLst>
+  </p:cSld>
+  <p:clrMapOvr>
+    <a:masterClrMapping/>
+  </p:clrMapOvr>
+</p:sld>
+</file>
+
+<file path=ppt/slides/slide5.xml><?xml version="1.0" encoding="utf-8"?>
+<p:sld xmlns:a="http://schemas.openxmlformats.org/drawingml/2006/main" xmlns:r="http://schemas.openxmlformats.org/officeDocument/2006/relationships" xmlns:p="http://schemas.openxmlformats.org/presentationml/2006/main">
+  <p:cSld>
+    <p:spTree>
+      <p:nvGrpSpPr>
+        <p:cNvPr id="1" name=""/>
+        <p:cNvGrpSpPr/>
+        <p:nvPr/>
+      </p:nvGrpSpPr>
+      <p:grpSpPr>
+        <a:xfrm>
+          <a:off x="0" y="0"/>
+          <a:ext cx="0" cy="0"/>
+          <a:chOff x="0" y="0"/>
+          <a:chExt cx="0" cy="0"/>
+        </a:xfrm>
+      </p:grpSpPr>
+      <p:cxnSp>
+        <p:nvCxnSpPr>
+          <p:cNvPr id="2" name="直線矢印コネクタ 1">
+            <a:extLst>
+              <a:ext uri="{FF2B5EF4-FFF2-40B4-BE49-F238E27FC236}">
+                <a16:creationId xmlns:a16="http://schemas.microsoft.com/office/drawing/2014/main" id="{33C01D68-4322-37A2-FFD1-09A1E8E16171}"/>
+              </a:ext>
+            </a:extLst>
+          </p:cNvPr>
+          <p:cNvCxnSpPr>
+            <a:cxnSpLocks/>
+          </p:cNvCxnSpPr>
+          <p:nvPr/>
+        </p:nvCxnSpPr>
+        <p:spPr>
+          <a:xfrm>
+            <a:off x="1729343" y="4703459"/>
+            <a:ext cx="4285814" cy="0"/>
+          </a:xfrm>
+          <a:prstGeom prst="straightConnector1">
+            <a:avLst/>
+          </a:prstGeom>
+          <a:ln w="19050">
+            <a:tailEnd type="triangle"/>
+          </a:ln>
+        </p:spPr>
+        <p:style>
+          <a:lnRef idx="1">
+            <a:schemeClr val="dk1"/>
+          </a:lnRef>
+          <a:fillRef idx="0">
+            <a:schemeClr val="dk1"/>
+          </a:fillRef>
+          <a:effectRef idx="0">
+            <a:schemeClr val="dk1"/>
+          </a:effectRef>
+          <a:fontRef idx="minor">
+            <a:schemeClr val="tx1"/>
+          </a:fontRef>
+        </p:style>
+      </p:cxnSp>
+      <p:cxnSp>
+        <p:nvCxnSpPr>
+          <p:cNvPr id="3" name="直線矢印コネクタ 2">
+            <a:extLst>
+              <a:ext uri="{FF2B5EF4-FFF2-40B4-BE49-F238E27FC236}">
+                <a16:creationId xmlns:a16="http://schemas.microsoft.com/office/drawing/2014/main" id="{8D1E9FE5-3765-5B34-8681-C3F1E27C48C9}"/>
+              </a:ext>
+            </a:extLst>
+          </p:cNvPr>
+          <p:cNvCxnSpPr>
+            <a:cxnSpLocks/>
+          </p:cNvCxnSpPr>
+          <p:nvPr/>
+        </p:nvCxnSpPr>
+        <p:spPr>
+          <a:xfrm flipV="1">
+            <a:off x="1839862" y="1785754"/>
+            <a:ext cx="0" cy="3063124"/>
+          </a:xfrm>
+          <a:prstGeom prst="straightConnector1">
+            <a:avLst/>
+          </a:prstGeom>
+          <a:ln w="19050">
+            <a:tailEnd type="triangle"/>
+          </a:ln>
+        </p:spPr>
+        <p:style>
+          <a:lnRef idx="1">
+            <a:schemeClr val="dk1"/>
+          </a:lnRef>
+          <a:fillRef idx="0">
+            <a:schemeClr val="dk1"/>
+          </a:fillRef>
+          <a:effectRef idx="0">
+            <a:schemeClr val="dk1"/>
+          </a:effectRef>
+          <a:fontRef idx="minor">
+            <a:schemeClr val="tx1"/>
+          </a:fontRef>
+        </p:style>
+      </p:cxnSp>
+      <p:sp>
+        <p:nvSpPr>
+          <p:cNvPr id="4" name="楕円 3">
+            <a:extLst>
+              <a:ext uri="{FF2B5EF4-FFF2-40B4-BE49-F238E27FC236}">
+                <a16:creationId xmlns:a16="http://schemas.microsoft.com/office/drawing/2014/main" id="{0646C4F1-0095-9486-D0A6-84A76FA65D4C}"/>
+              </a:ext>
+            </a:extLst>
+          </p:cNvPr>
+          <p:cNvSpPr/>
+          <p:nvPr/>
+        </p:nvSpPr>
+        <p:spPr>
+          <a:xfrm>
+            <a:off x="2806021" y="2854882"/>
+            <a:ext cx="180000" cy="180000"/>
+          </a:xfrm>
+          <a:prstGeom prst="ellipse">
+            <a:avLst/>
+          </a:prstGeom>
+          <a:ln>
+            <a:noFill/>
+          </a:ln>
+        </p:spPr>
+        <p:style>
+          <a:lnRef idx="2">
+            <a:schemeClr val="accent1">
+              <a:shade val="15000"/>
+            </a:schemeClr>
+          </a:lnRef>
+          <a:fillRef idx="1">
+            <a:schemeClr val="accent1"/>
+          </a:fillRef>
+          <a:effectRef idx="0">
+            <a:schemeClr val="accent1"/>
+          </a:effectRef>
+          <a:fontRef idx="minor">
+            <a:schemeClr val="lt1"/>
+          </a:fontRef>
+        </p:style>
+        <p:txBody>
+          <a:bodyPr rtlCol="0" anchor="ctr"/>
+          <a:lstStyle/>
+          <a:p>
+            <a:pPr algn="ctr"/>
+            <a:endParaRPr kumimoji="1" lang="ja-JP" altLang="en-US"/>
+          </a:p>
+        </p:txBody>
+      </p:sp>
+      <p:sp>
+        <p:nvSpPr>
+          <p:cNvPr id="5" name="楕円 4">
+            <a:extLst>
+              <a:ext uri="{FF2B5EF4-FFF2-40B4-BE49-F238E27FC236}">
+                <a16:creationId xmlns:a16="http://schemas.microsoft.com/office/drawing/2014/main" id="{1C069767-B3F3-C8A7-C34B-76BE6C97C068}"/>
+              </a:ext>
+            </a:extLst>
+          </p:cNvPr>
+          <p:cNvSpPr/>
+          <p:nvPr/>
+        </p:nvSpPr>
+        <p:spPr>
+          <a:xfrm>
+            <a:off x="2533795" y="2366272"/>
+            <a:ext cx="180000" cy="180000"/>
+          </a:xfrm>
+          <a:prstGeom prst="ellipse">
+            <a:avLst/>
+          </a:prstGeom>
+          <a:solidFill>
+            <a:schemeClr val="accent1">
+              <a:lumMod val="60000"/>
+              <a:lumOff val="40000"/>
+            </a:schemeClr>
+          </a:solidFill>
+          <a:ln>
+            <a:noFill/>
+          </a:ln>
+        </p:spPr>
+        <p:style>
+          <a:lnRef idx="2">
+            <a:schemeClr val="accent1">
+              <a:shade val="15000"/>
+            </a:schemeClr>
+          </a:lnRef>
+          <a:fillRef idx="1">
+            <a:schemeClr val="accent1"/>
+          </a:fillRef>
+          <a:effectRef idx="0">
+            <a:schemeClr val="accent1"/>
+          </a:effectRef>
+          <a:fontRef idx="minor">
+            <a:schemeClr val="lt1"/>
+          </a:fontRef>
+        </p:style>
+        <p:txBody>
+          <a:bodyPr rtlCol="0" anchor="ctr"/>
+          <a:lstStyle/>
+          <a:p>
+            <a:pPr algn="ctr"/>
+            <a:endParaRPr kumimoji="1" lang="ja-JP" altLang="en-US"/>
+          </a:p>
+        </p:txBody>
+      </p:sp>
+      <p:sp>
+        <p:nvSpPr>
+          <p:cNvPr id="6" name="楕円 5">
+            <a:extLst>
+              <a:ext uri="{FF2B5EF4-FFF2-40B4-BE49-F238E27FC236}">
+                <a16:creationId xmlns:a16="http://schemas.microsoft.com/office/drawing/2014/main" id="{6C3553CF-0372-9F88-508B-0CAC29102B18}"/>
+              </a:ext>
+            </a:extLst>
+          </p:cNvPr>
+          <p:cNvSpPr/>
+          <p:nvPr/>
+        </p:nvSpPr>
+        <p:spPr>
+          <a:xfrm>
+            <a:off x="2626021" y="3354865"/>
+            <a:ext cx="180000" cy="180000"/>
+          </a:xfrm>
+          <a:prstGeom prst="ellipse">
+            <a:avLst/>
+          </a:prstGeom>
+          <a:solidFill>
+            <a:schemeClr val="accent1">
+              <a:lumMod val="60000"/>
+              <a:lumOff val="40000"/>
+            </a:schemeClr>
+          </a:solidFill>
+          <a:ln>
+            <a:noFill/>
+          </a:ln>
+        </p:spPr>
+        <p:style>
+          <a:lnRef idx="2">
+            <a:schemeClr val="accent1">
+              <a:shade val="15000"/>
+            </a:schemeClr>
+          </a:lnRef>
+          <a:fillRef idx="1">
+            <a:schemeClr val="accent1"/>
+          </a:fillRef>
+          <a:effectRef idx="0">
+            <a:schemeClr val="accent1"/>
+          </a:effectRef>
+          <a:fontRef idx="minor">
+            <a:schemeClr val="lt1"/>
+          </a:fontRef>
+        </p:style>
+        <p:txBody>
+          <a:bodyPr rtlCol="0" anchor="ctr"/>
+          <a:lstStyle/>
+          <a:p>
+            <a:pPr algn="ctr"/>
+            <a:endParaRPr kumimoji="1" lang="ja-JP" altLang="en-US"/>
+          </a:p>
+        </p:txBody>
+      </p:sp>
+      <p:sp>
+        <p:nvSpPr>
+          <p:cNvPr id="7" name="楕円 6">
+            <a:extLst>
+              <a:ext uri="{FF2B5EF4-FFF2-40B4-BE49-F238E27FC236}">
+                <a16:creationId xmlns:a16="http://schemas.microsoft.com/office/drawing/2014/main" id="{11AF34A3-A867-0169-E0C2-EFCD3305C009}"/>
+              </a:ext>
+            </a:extLst>
+          </p:cNvPr>
+          <p:cNvSpPr/>
+          <p:nvPr/>
+        </p:nvSpPr>
+        <p:spPr>
+          <a:xfrm>
+            <a:off x="3580818" y="2546272"/>
+            <a:ext cx="180000" cy="180000"/>
+          </a:xfrm>
+          <a:prstGeom prst="ellipse">
+            <a:avLst/>
+          </a:prstGeom>
+          <a:solidFill>
+            <a:schemeClr val="accent1">
+              <a:lumMod val="60000"/>
+              <a:lumOff val="40000"/>
+            </a:schemeClr>
+          </a:solidFill>
+          <a:ln>
+            <a:noFill/>
+          </a:ln>
+        </p:spPr>
+        <p:style>
+          <a:lnRef idx="2">
+            <a:schemeClr val="accent1">
+              <a:shade val="15000"/>
+            </a:schemeClr>
+          </a:lnRef>
+          <a:fillRef idx="1">
+            <a:schemeClr val="accent1"/>
+          </a:fillRef>
+          <a:effectRef idx="0">
+            <a:schemeClr val="accent1"/>
+          </a:effectRef>
+          <a:fontRef idx="minor">
+            <a:schemeClr val="lt1"/>
+          </a:fontRef>
+        </p:style>
+        <p:txBody>
+          <a:bodyPr rtlCol="0" anchor="ctr"/>
+          <a:lstStyle/>
+          <a:p>
+            <a:pPr algn="ctr"/>
+            <a:endParaRPr kumimoji="1" lang="ja-JP" altLang="en-US"/>
+          </a:p>
+        </p:txBody>
+      </p:sp>
+      <p:sp>
+        <p:nvSpPr>
+          <p:cNvPr id="8" name="楕円 7">
+            <a:extLst>
+              <a:ext uri="{FF2B5EF4-FFF2-40B4-BE49-F238E27FC236}">
+                <a16:creationId xmlns:a16="http://schemas.microsoft.com/office/drawing/2014/main" id="{58652248-1D76-F238-8501-1606FECAE510}"/>
+              </a:ext>
+            </a:extLst>
+          </p:cNvPr>
+          <p:cNvSpPr/>
+          <p:nvPr/>
+        </p:nvSpPr>
+        <p:spPr>
+          <a:xfrm>
+            <a:off x="5088531" y="3939162"/>
+            <a:ext cx="180000" cy="180000"/>
+          </a:xfrm>
+          <a:prstGeom prst="ellipse">
+            <a:avLst/>
+          </a:prstGeom>
+          <a:solidFill>
+            <a:schemeClr val="accent2"/>
+          </a:solidFill>
+          <a:ln>
+            <a:noFill/>
+          </a:ln>
+        </p:spPr>
+        <p:style>
+          <a:lnRef idx="2">
+            <a:schemeClr val="accent1">
+              <a:shade val="15000"/>
+            </a:schemeClr>
+          </a:lnRef>
+          <a:fillRef idx="1">
+            <a:schemeClr val="accent1"/>
+          </a:fillRef>
+          <a:effectRef idx="0">
+            <a:schemeClr val="accent1"/>
+          </a:effectRef>
+          <a:fontRef idx="minor">
+            <a:schemeClr val="lt1"/>
+          </a:fontRef>
+        </p:style>
+        <p:txBody>
+          <a:bodyPr rtlCol="0" anchor="ctr"/>
+          <a:lstStyle/>
+          <a:p>
+            <a:pPr algn="ctr"/>
+            <a:endParaRPr kumimoji="1" lang="ja-JP" altLang="en-US"/>
+          </a:p>
+        </p:txBody>
+      </p:sp>
+      <p:sp>
+        <p:nvSpPr>
+          <p:cNvPr id="9" name="楕円 8">
+            <a:extLst>
+              <a:ext uri="{FF2B5EF4-FFF2-40B4-BE49-F238E27FC236}">
+                <a16:creationId xmlns:a16="http://schemas.microsoft.com/office/drawing/2014/main" id="{D0B90D80-30B5-5837-1568-444F96A2DED4}"/>
+              </a:ext>
+            </a:extLst>
+          </p:cNvPr>
+          <p:cNvSpPr/>
+          <p:nvPr/>
+        </p:nvSpPr>
+        <p:spPr>
+          <a:xfrm>
+            <a:off x="4565020" y="4141311"/>
+            <a:ext cx="180000" cy="180000"/>
+          </a:xfrm>
+          <a:prstGeom prst="ellipse">
+            <a:avLst/>
+          </a:prstGeom>
+          <a:solidFill>
+            <a:schemeClr val="accent2">
+              <a:lumMod val="40000"/>
+              <a:lumOff val="60000"/>
+            </a:schemeClr>
+          </a:solidFill>
+          <a:ln>
+            <a:noFill/>
+          </a:ln>
+        </p:spPr>
+        <p:style>
+          <a:lnRef idx="2">
+            <a:schemeClr val="accent1">
+              <a:shade val="15000"/>
+            </a:schemeClr>
+          </a:lnRef>
+          <a:fillRef idx="1">
+            <a:schemeClr val="accent1"/>
+          </a:fillRef>
+          <a:effectRef idx="0">
+            <a:schemeClr val="accent1"/>
+          </a:effectRef>
+          <a:fontRef idx="minor">
+            <a:schemeClr val="lt1"/>
+          </a:fontRef>
+        </p:style>
+        <p:txBody>
+          <a:bodyPr rtlCol="0" anchor="ctr"/>
+          <a:lstStyle/>
+          <a:p>
+            <a:pPr algn="ctr"/>
+            <a:endParaRPr kumimoji="1" lang="ja-JP" altLang="en-US"/>
+          </a:p>
+        </p:txBody>
+      </p:sp>
+      <p:sp>
+        <p:nvSpPr>
+          <p:cNvPr id="10" name="楕円 9">
+            <a:extLst>
+              <a:ext uri="{FF2B5EF4-FFF2-40B4-BE49-F238E27FC236}">
+                <a16:creationId xmlns:a16="http://schemas.microsoft.com/office/drawing/2014/main" id="{932AE050-4691-15F0-53A0-D37BC374E289}"/>
+              </a:ext>
+            </a:extLst>
+          </p:cNvPr>
+          <p:cNvSpPr/>
+          <p:nvPr/>
+        </p:nvSpPr>
+        <p:spPr>
+          <a:xfrm>
+            <a:off x="5361499" y="4207174"/>
+            <a:ext cx="180000" cy="180000"/>
+          </a:xfrm>
+          <a:prstGeom prst="ellipse">
+            <a:avLst/>
+          </a:prstGeom>
+          <a:solidFill>
+            <a:schemeClr val="accent2">
+              <a:lumMod val="40000"/>
+              <a:lumOff val="60000"/>
+            </a:schemeClr>
+          </a:solidFill>
+          <a:ln>
+            <a:noFill/>
+          </a:ln>
+        </p:spPr>
+        <p:style>
+          <a:lnRef idx="2">
+            <a:schemeClr val="accent1">
+              <a:shade val="15000"/>
+            </a:schemeClr>
+          </a:lnRef>
+          <a:fillRef idx="1">
+            <a:schemeClr val="accent1"/>
+          </a:fillRef>
+          <a:effectRef idx="0">
+            <a:schemeClr val="accent1"/>
+          </a:effectRef>
+          <a:fontRef idx="minor">
+            <a:schemeClr val="lt1"/>
+          </a:fontRef>
+        </p:style>
+        <p:txBody>
+          <a:bodyPr rtlCol="0" anchor="ctr"/>
+          <a:lstStyle/>
+          <a:p>
+            <a:pPr algn="ctr"/>
+            <a:endParaRPr kumimoji="1" lang="ja-JP" altLang="en-US"/>
+          </a:p>
+        </p:txBody>
+      </p:sp>
+      <p:sp>
+        <p:nvSpPr>
+          <p:cNvPr id="11" name="楕円 10">
+            <a:extLst>
+              <a:ext uri="{FF2B5EF4-FFF2-40B4-BE49-F238E27FC236}">
+                <a16:creationId xmlns:a16="http://schemas.microsoft.com/office/drawing/2014/main" id="{2CD41F77-D1E8-F532-2315-1F0892DAE051}"/>
+              </a:ext>
+            </a:extLst>
+          </p:cNvPr>
+          <p:cNvSpPr/>
+          <p:nvPr/>
+        </p:nvSpPr>
+        <p:spPr>
+          <a:xfrm>
+            <a:off x="4565020" y="3354865"/>
+            <a:ext cx="180000" cy="180000"/>
+          </a:xfrm>
+          <a:prstGeom prst="ellipse">
+            <a:avLst/>
+          </a:prstGeom>
+          <a:solidFill>
+            <a:schemeClr val="accent2">
+              <a:lumMod val="40000"/>
+              <a:lumOff val="60000"/>
+            </a:schemeClr>
+          </a:solidFill>
+          <a:ln>
+            <a:noFill/>
+          </a:ln>
+        </p:spPr>
+        <p:style>
+          <a:lnRef idx="2">
+            <a:schemeClr val="accent1">
+              <a:shade val="15000"/>
+            </a:schemeClr>
+          </a:lnRef>
+          <a:fillRef idx="1">
+            <a:schemeClr val="accent1"/>
+          </a:fillRef>
+          <a:effectRef idx="0">
+            <a:schemeClr val="accent1"/>
+          </a:effectRef>
+          <a:fontRef idx="minor">
+            <a:schemeClr val="lt1"/>
+          </a:fontRef>
+        </p:style>
+        <p:txBody>
+          <a:bodyPr rtlCol="0" anchor="ctr"/>
+          <a:lstStyle/>
+          <a:p>
+            <a:pPr algn="ctr"/>
+            <a:endParaRPr kumimoji="1" lang="ja-JP" altLang="en-US"/>
+          </a:p>
+        </p:txBody>
+      </p:sp>
+      <p:sp>
+        <p:nvSpPr>
+          <p:cNvPr id="12" name="楕円 11">
+            <a:extLst>
+              <a:ext uri="{FF2B5EF4-FFF2-40B4-BE49-F238E27FC236}">
+                <a16:creationId xmlns:a16="http://schemas.microsoft.com/office/drawing/2014/main" id="{BE01826A-975D-8E0D-576D-7AD257813EA9}"/>
+              </a:ext>
+            </a:extLst>
+          </p:cNvPr>
+          <p:cNvSpPr/>
+          <p:nvPr/>
+        </p:nvSpPr>
+        <p:spPr>
+          <a:xfrm>
+            <a:off x="5361499" y="3354865"/>
+            <a:ext cx="180000" cy="180000"/>
+          </a:xfrm>
+          <a:prstGeom prst="ellipse">
+            <a:avLst/>
+          </a:prstGeom>
+          <a:solidFill>
+            <a:schemeClr val="accent2">
+              <a:lumMod val="40000"/>
+              <a:lumOff val="60000"/>
+            </a:schemeClr>
+          </a:solidFill>
+          <a:ln>
+            <a:noFill/>
+          </a:ln>
+        </p:spPr>
+        <p:style>
+          <a:lnRef idx="2">
+            <a:schemeClr val="accent1">
+              <a:shade val="15000"/>
+            </a:schemeClr>
+          </a:lnRef>
+          <a:fillRef idx="1">
+            <a:schemeClr val="accent1"/>
+          </a:fillRef>
+          <a:effectRef idx="0">
+            <a:schemeClr val="accent1"/>
+          </a:effectRef>
+          <a:fontRef idx="minor">
+            <a:schemeClr val="lt1"/>
+          </a:fontRef>
+        </p:style>
+        <p:txBody>
+          <a:bodyPr rtlCol="0" anchor="ctr"/>
+          <a:lstStyle/>
+          <a:p>
+            <a:pPr algn="ctr"/>
+            <a:endParaRPr kumimoji="1" lang="ja-JP" altLang="en-US"/>
+          </a:p>
+        </p:txBody>
+      </p:sp>
+      <p:cxnSp>
+        <p:nvCxnSpPr>
+          <p:cNvPr id="14" name="直線コネクタ 13">
+            <a:extLst>
+              <a:ext uri="{FF2B5EF4-FFF2-40B4-BE49-F238E27FC236}">
+                <a16:creationId xmlns:a16="http://schemas.microsoft.com/office/drawing/2014/main" id="{6585929F-602B-A6A7-4977-37952867431C}"/>
+              </a:ext>
+            </a:extLst>
+          </p:cNvPr>
+          <p:cNvCxnSpPr>
+            <a:stCxn id="5" idx="4"/>
+            <a:endCxn id="4" idx="1"/>
+          </p:cNvCxnSpPr>
+          <p:nvPr/>
+        </p:nvCxnSpPr>
+        <p:spPr>
+          <a:xfrm>
+            <a:off x="2623795" y="2546272"/>
+            <a:ext cx="208586" cy="334970"/>
+          </a:xfrm>
+          <a:prstGeom prst="line">
+            <a:avLst/>
+          </a:prstGeom>
+          <a:ln w="12700"/>
+        </p:spPr>
+        <p:style>
+          <a:lnRef idx="1">
+            <a:schemeClr val="accent1"/>
+          </a:lnRef>
+          <a:fillRef idx="0">
+            <a:schemeClr val="accent1"/>
+          </a:fillRef>
+          <a:effectRef idx="0">
+            <a:schemeClr val="accent1"/>
+          </a:effectRef>
+          <a:fontRef idx="minor">
+            <a:schemeClr val="tx1"/>
+          </a:fontRef>
+        </p:style>
+      </p:cxnSp>
+      <p:cxnSp>
+        <p:nvCxnSpPr>
+          <p:cNvPr id="15" name="直線コネクタ 14">
+            <a:extLst>
+              <a:ext uri="{FF2B5EF4-FFF2-40B4-BE49-F238E27FC236}">
+                <a16:creationId xmlns:a16="http://schemas.microsoft.com/office/drawing/2014/main" id="{46CD13EE-ABE2-C999-E64C-10F0380AC163}"/>
+              </a:ext>
+            </a:extLst>
+          </p:cNvPr>
+          <p:cNvCxnSpPr>
+            <a:cxnSpLocks/>
+            <a:stCxn id="7" idx="3"/>
+            <a:endCxn id="4" idx="6"/>
+          </p:cNvCxnSpPr>
+          <p:nvPr/>
+        </p:nvCxnSpPr>
+        <p:spPr>
+          <a:xfrm flipH="1">
+            <a:off x="2986021" y="2699912"/>
+            <a:ext cx="621157" cy="244970"/>
+          </a:xfrm>
+          <a:prstGeom prst="line">
+            <a:avLst/>
+          </a:prstGeom>
+          <a:ln w="12700"/>
+        </p:spPr>
+        <p:style>
+          <a:lnRef idx="1">
+            <a:schemeClr val="accent1"/>
+          </a:lnRef>
+          <a:fillRef idx="0">
+            <a:schemeClr val="accent1"/>
+          </a:fillRef>
+          <a:effectRef idx="0">
+            <a:schemeClr val="accent1"/>
+          </a:effectRef>
+          <a:fontRef idx="minor">
+            <a:schemeClr val="tx1"/>
+          </a:fontRef>
+        </p:style>
+      </p:cxnSp>
+      <p:cxnSp>
+        <p:nvCxnSpPr>
+          <p:cNvPr id="18" name="直線コネクタ 17">
+            <a:extLst>
+              <a:ext uri="{FF2B5EF4-FFF2-40B4-BE49-F238E27FC236}">
+                <a16:creationId xmlns:a16="http://schemas.microsoft.com/office/drawing/2014/main" id="{759B4DA9-ABCC-E500-C882-356CE4E5AF1A}"/>
+              </a:ext>
+            </a:extLst>
+          </p:cNvPr>
+          <p:cNvCxnSpPr>
+            <a:cxnSpLocks/>
+            <a:stCxn id="6" idx="0"/>
+            <a:endCxn id="4" idx="3"/>
+          </p:cNvCxnSpPr>
+          <p:nvPr/>
+        </p:nvCxnSpPr>
+        <p:spPr>
+          <a:xfrm flipV="1">
+            <a:off x="2716021" y="3008522"/>
+            <a:ext cx="116360" cy="346343"/>
+          </a:xfrm>
+          <a:prstGeom prst="line">
+            <a:avLst/>
+          </a:prstGeom>
+          <a:ln w="12700"/>
+        </p:spPr>
+        <p:style>
+          <a:lnRef idx="1">
+            <a:schemeClr val="accent1"/>
+          </a:lnRef>
+          <a:fillRef idx="0">
+            <a:schemeClr val="accent1"/>
+          </a:fillRef>
+          <a:effectRef idx="0">
+            <a:schemeClr val="accent1"/>
+          </a:effectRef>
+          <a:fontRef idx="minor">
+            <a:schemeClr val="tx1"/>
+          </a:fontRef>
+        </p:style>
+      </p:cxnSp>
+      <p:cxnSp>
+        <p:nvCxnSpPr>
+          <p:cNvPr id="22" name="直線コネクタ 21">
+            <a:extLst>
+              <a:ext uri="{FF2B5EF4-FFF2-40B4-BE49-F238E27FC236}">
+                <a16:creationId xmlns:a16="http://schemas.microsoft.com/office/drawing/2014/main" id="{10FAF4AE-E510-C706-A63E-64FEC3F0752C}"/>
+              </a:ext>
+            </a:extLst>
+          </p:cNvPr>
+          <p:cNvCxnSpPr>
+            <a:cxnSpLocks/>
+            <a:stCxn id="12" idx="3"/>
+            <a:endCxn id="8" idx="0"/>
+          </p:cNvCxnSpPr>
+          <p:nvPr/>
+        </p:nvCxnSpPr>
+        <p:spPr>
+          <a:xfrm flipH="1">
+            <a:off x="5178531" y="3508505"/>
+            <a:ext cx="209328" cy="430657"/>
+          </a:xfrm>
+          <a:prstGeom prst="line">
+            <a:avLst/>
+          </a:prstGeom>
+          <a:ln w="12700"/>
+        </p:spPr>
+        <p:style>
+          <a:lnRef idx="1">
+            <a:schemeClr val="accent2"/>
+          </a:lnRef>
+          <a:fillRef idx="0">
+            <a:schemeClr val="accent2"/>
+          </a:fillRef>
+          <a:effectRef idx="0">
+            <a:schemeClr val="accent2"/>
+          </a:effectRef>
+          <a:fontRef idx="minor">
+            <a:schemeClr val="tx1"/>
+          </a:fontRef>
+        </p:style>
+      </p:cxnSp>
+      <p:cxnSp>
+        <p:nvCxnSpPr>
+          <p:cNvPr id="25" name="直線コネクタ 24">
+            <a:extLst>
+              <a:ext uri="{FF2B5EF4-FFF2-40B4-BE49-F238E27FC236}">
+                <a16:creationId xmlns:a16="http://schemas.microsoft.com/office/drawing/2014/main" id="{B0B53B67-ACAF-B8A5-C818-6C4FBBEDF73A}"/>
+              </a:ext>
+            </a:extLst>
+          </p:cNvPr>
+          <p:cNvCxnSpPr>
+            <a:cxnSpLocks/>
+            <a:stCxn id="11" idx="5"/>
+            <a:endCxn id="8" idx="1"/>
+          </p:cNvCxnSpPr>
+          <p:nvPr/>
+        </p:nvCxnSpPr>
+        <p:spPr>
+          <a:xfrm>
+            <a:off x="4718660" y="3508505"/>
+            <a:ext cx="396231" cy="457017"/>
+          </a:xfrm>
+          <a:prstGeom prst="line">
+            <a:avLst/>
+          </a:prstGeom>
+          <a:ln w="12700"/>
+        </p:spPr>
+        <p:style>
+          <a:lnRef idx="1">
+            <a:schemeClr val="accent2"/>
+          </a:lnRef>
+          <a:fillRef idx="0">
+            <a:schemeClr val="accent2"/>
+          </a:fillRef>
+          <a:effectRef idx="0">
+            <a:schemeClr val="accent2"/>
+          </a:effectRef>
+          <a:fontRef idx="minor">
+            <a:schemeClr val="tx1"/>
+          </a:fontRef>
+        </p:style>
+      </p:cxnSp>
+      <p:cxnSp>
+        <p:nvCxnSpPr>
+          <p:cNvPr id="28" name="直線コネクタ 27">
+            <a:extLst>
+              <a:ext uri="{FF2B5EF4-FFF2-40B4-BE49-F238E27FC236}">
+                <a16:creationId xmlns:a16="http://schemas.microsoft.com/office/drawing/2014/main" id="{7F850E5A-30FB-2FE7-D5F3-90B3215ACDD4}"/>
+              </a:ext>
+            </a:extLst>
+          </p:cNvPr>
+          <p:cNvCxnSpPr>
+            <a:cxnSpLocks/>
+            <a:stCxn id="9" idx="7"/>
+            <a:endCxn id="8" idx="2"/>
+          </p:cNvCxnSpPr>
+          <p:nvPr/>
+        </p:nvCxnSpPr>
+        <p:spPr>
+          <a:xfrm flipV="1">
+            <a:off x="4718660" y="4029162"/>
+            <a:ext cx="369871" cy="138509"/>
+          </a:xfrm>
+          <a:prstGeom prst="line">
+            <a:avLst/>
+          </a:prstGeom>
+          <a:ln w="12700"/>
+        </p:spPr>
+        <p:style>
+          <a:lnRef idx="1">
+            <a:schemeClr val="accent2"/>
+          </a:lnRef>
+          <a:fillRef idx="0">
+            <a:schemeClr val="accent2"/>
+          </a:fillRef>
+          <a:effectRef idx="0">
+            <a:schemeClr val="accent2"/>
+          </a:effectRef>
+          <a:fontRef idx="minor">
+            <a:schemeClr val="tx1"/>
+          </a:fontRef>
+        </p:style>
+      </p:cxnSp>
+      <p:cxnSp>
+        <p:nvCxnSpPr>
+          <p:cNvPr id="31" name="直線コネクタ 30">
+            <a:extLst>
+              <a:ext uri="{FF2B5EF4-FFF2-40B4-BE49-F238E27FC236}">
+                <a16:creationId xmlns:a16="http://schemas.microsoft.com/office/drawing/2014/main" id="{70950AC0-CB34-C074-1B4D-BB3FAA7D977F}"/>
+              </a:ext>
+            </a:extLst>
+          </p:cNvPr>
+          <p:cNvCxnSpPr>
+            <a:cxnSpLocks/>
+            <a:stCxn id="8" idx="5"/>
+            <a:endCxn id="10" idx="1"/>
+          </p:cNvCxnSpPr>
+          <p:nvPr/>
+        </p:nvCxnSpPr>
+        <p:spPr>
+          <a:xfrm>
+            <a:off x="5242171" y="4092802"/>
+            <a:ext cx="145688" cy="140732"/>
+          </a:xfrm>
+          <a:prstGeom prst="line">
+            <a:avLst/>
+          </a:prstGeom>
+          <a:ln w="12700"/>
+        </p:spPr>
+        <p:style>
+          <a:lnRef idx="1">
+            <a:schemeClr val="accent2"/>
+          </a:lnRef>
+          <a:fillRef idx="0">
+            <a:schemeClr val="accent2"/>
+          </a:fillRef>
+          <a:effectRef idx="0">
+            <a:schemeClr val="accent2"/>
+          </a:effectRef>
+          <a:fontRef idx="minor">
+            <a:schemeClr val="tx1"/>
+          </a:fontRef>
+        </p:style>
+      </p:cxnSp>
+      <p:sp>
+        <p:nvSpPr>
+          <p:cNvPr id="42" name="テキスト ボックス 41">
+            <a:extLst>
+              <a:ext uri="{FF2B5EF4-FFF2-40B4-BE49-F238E27FC236}">
+                <a16:creationId xmlns:a16="http://schemas.microsoft.com/office/drawing/2014/main" id="{15A8CBAA-7E05-F3B0-1195-31BE82AF7DE1}"/>
+              </a:ext>
+            </a:extLst>
+          </p:cNvPr>
+          <p:cNvSpPr txBox="1"/>
+          <p:nvPr/>
+        </p:nvSpPr>
+        <p:spPr>
+          <a:xfrm>
+            <a:off x="5265718" y="3868868"/>
+            <a:ext cx="312906" cy="369332"/>
+          </a:xfrm>
+          <a:prstGeom prst="rect">
+            <a:avLst/>
+          </a:prstGeom>
+          <a:noFill/>
+        </p:spPr>
+        <p:txBody>
+          <a:bodyPr wrap="none" rtlCol="0">
+            <a:spAutoFit/>
+          </a:bodyPr>
+          <a:lstStyle/>
+          <a:p>
+            <a:r>
+              <a:rPr kumimoji="1" lang="en-US" altLang="ja-JP" dirty="0"/>
+              <a:t>1</a:t>
+            </a:r>
+            <a:endParaRPr kumimoji="1" lang="ja-JP" altLang="en-US" dirty="0"/>
+          </a:p>
+        </p:txBody>
+      </p:sp>
+      <p:sp>
+        <p:nvSpPr>
+          <p:cNvPr id="43" name="テキスト ボックス 42">
+            <a:extLst>
+              <a:ext uri="{FF2B5EF4-FFF2-40B4-BE49-F238E27FC236}">
+                <a16:creationId xmlns:a16="http://schemas.microsoft.com/office/drawing/2014/main" id="{63E9EABB-01EA-58D3-98F0-8B30B6BD0ADE}"/>
+              </a:ext>
+            </a:extLst>
+          </p:cNvPr>
+          <p:cNvSpPr txBox="1"/>
+          <p:nvPr/>
+        </p:nvSpPr>
+        <p:spPr>
+          <a:xfrm>
+            <a:off x="4799172" y="4077671"/>
+            <a:ext cx="312906" cy="369332"/>
+          </a:xfrm>
+          <a:prstGeom prst="rect">
+            <a:avLst/>
+          </a:prstGeom>
+          <a:noFill/>
+        </p:spPr>
+        <p:txBody>
+          <a:bodyPr wrap="none" rtlCol="0">
+            <a:spAutoFit/>
+          </a:bodyPr>
+          <a:lstStyle/>
+          <a:p>
+            <a:r>
+              <a:rPr kumimoji="1" lang="en-US" altLang="ja-JP" dirty="0"/>
+              <a:t>2</a:t>
+            </a:r>
+            <a:endParaRPr kumimoji="1" lang="ja-JP" altLang="en-US" dirty="0"/>
+          </a:p>
+        </p:txBody>
+      </p:sp>
+      <p:sp>
+        <p:nvSpPr>
+          <p:cNvPr id="44" name="テキスト ボックス 43">
+            <a:extLst>
+              <a:ext uri="{FF2B5EF4-FFF2-40B4-BE49-F238E27FC236}">
+                <a16:creationId xmlns:a16="http://schemas.microsoft.com/office/drawing/2014/main" id="{BBBEA8D5-8D07-A59E-33DE-65B6F4A74D9C}"/>
+              </a:ext>
+            </a:extLst>
+          </p:cNvPr>
+          <p:cNvSpPr txBox="1"/>
+          <p:nvPr/>
+        </p:nvSpPr>
+        <p:spPr>
+          <a:xfrm>
+            <a:off x="5060250" y="3463333"/>
+            <a:ext cx="312906" cy="369332"/>
+          </a:xfrm>
+          <a:prstGeom prst="rect">
+            <a:avLst/>
+          </a:prstGeom>
+          <a:noFill/>
+        </p:spPr>
+        <p:txBody>
+          <a:bodyPr wrap="none" rtlCol="0">
+            <a:spAutoFit/>
+          </a:bodyPr>
+          <a:lstStyle/>
+          <a:p>
+            <a:r>
+              <a:rPr kumimoji="1" lang="en-US" altLang="ja-JP" dirty="0"/>
+              <a:t>3</a:t>
+            </a:r>
+            <a:endParaRPr kumimoji="1" lang="ja-JP" altLang="en-US" dirty="0"/>
+          </a:p>
+        </p:txBody>
+      </p:sp>
+      <p:sp>
+        <p:nvSpPr>
+          <p:cNvPr id="45" name="テキスト ボックス 44">
+            <a:extLst>
+              <a:ext uri="{FF2B5EF4-FFF2-40B4-BE49-F238E27FC236}">
+                <a16:creationId xmlns:a16="http://schemas.microsoft.com/office/drawing/2014/main" id="{191C4460-3035-90EF-4544-07D2FDA026DB}"/>
+              </a:ext>
+            </a:extLst>
+          </p:cNvPr>
+          <p:cNvSpPr txBox="1"/>
+          <p:nvPr/>
+        </p:nvSpPr>
+        <p:spPr>
+          <a:xfrm>
+            <a:off x="4620579" y="3644699"/>
+            <a:ext cx="312906" cy="369332"/>
+          </a:xfrm>
+          <a:prstGeom prst="rect">
+            <a:avLst/>
+          </a:prstGeom>
+          <a:noFill/>
+        </p:spPr>
+        <p:txBody>
+          <a:bodyPr wrap="none" rtlCol="0">
+            <a:spAutoFit/>
+          </a:bodyPr>
+          <a:lstStyle/>
+          <a:p>
+            <a:r>
+              <a:rPr kumimoji="1" lang="en-US" altLang="ja-JP" dirty="0"/>
+              <a:t>3</a:t>
+            </a:r>
+            <a:endParaRPr kumimoji="1" lang="ja-JP" altLang="en-US" dirty="0"/>
+          </a:p>
+        </p:txBody>
+      </p:sp>
+      <p:sp>
+        <p:nvSpPr>
+          <p:cNvPr id="46" name="テキスト ボックス 45">
+            <a:extLst>
+              <a:ext uri="{FF2B5EF4-FFF2-40B4-BE49-F238E27FC236}">
+                <a16:creationId xmlns:a16="http://schemas.microsoft.com/office/drawing/2014/main" id="{8E0C14BA-5FD6-4CEA-E696-90FC1C49B2AF}"/>
+              </a:ext>
+            </a:extLst>
+          </p:cNvPr>
+          <p:cNvSpPr txBox="1"/>
+          <p:nvPr/>
+        </p:nvSpPr>
+        <p:spPr>
+          <a:xfrm>
+            <a:off x="2424568" y="3061639"/>
+            <a:ext cx="312906" cy="369332"/>
+          </a:xfrm>
+          <a:prstGeom prst="rect">
+            <a:avLst/>
+          </a:prstGeom>
+          <a:noFill/>
+        </p:spPr>
+        <p:txBody>
+          <a:bodyPr wrap="none" rtlCol="0">
+            <a:spAutoFit/>
+          </a:bodyPr>
+          <a:lstStyle/>
+          <a:p>
+            <a:r>
+              <a:rPr kumimoji="1" lang="en-US" altLang="ja-JP" dirty="0"/>
+              <a:t>3</a:t>
+            </a:r>
+            <a:endParaRPr kumimoji="1" lang="ja-JP" altLang="en-US" dirty="0"/>
+          </a:p>
+        </p:txBody>
+      </p:sp>
+      <p:sp>
+        <p:nvSpPr>
+          <p:cNvPr id="47" name="テキスト ボックス 46">
+            <a:extLst>
+              <a:ext uri="{FF2B5EF4-FFF2-40B4-BE49-F238E27FC236}">
+                <a16:creationId xmlns:a16="http://schemas.microsoft.com/office/drawing/2014/main" id="{46358495-0074-A4FE-B6D5-3781E5D49CB3}"/>
+              </a:ext>
+            </a:extLst>
+          </p:cNvPr>
+          <p:cNvSpPr txBox="1"/>
+          <p:nvPr/>
+        </p:nvSpPr>
+        <p:spPr>
+          <a:xfrm>
+            <a:off x="2699475" y="2457141"/>
+            <a:ext cx="312906" cy="369332"/>
+          </a:xfrm>
+          <a:prstGeom prst="rect">
+            <a:avLst/>
+          </a:prstGeom>
+          <a:noFill/>
+        </p:spPr>
+        <p:txBody>
+          <a:bodyPr wrap="none" rtlCol="0">
+            <a:spAutoFit/>
+          </a:bodyPr>
+          <a:lstStyle/>
+          <a:p>
+            <a:r>
+              <a:rPr kumimoji="1" lang="en-US" altLang="ja-JP" dirty="0"/>
+              <a:t>4</a:t>
+            </a:r>
+            <a:endParaRPr kumimoji="1" lang="ja-JP" altLang="en-US" dirty="0"/>
+          </a:p>
+        </p:txBody>
+      </p:sp>
+      <p:sp>
+        <p:nvSpPr>
+          <p:cNvPr id="48" name="テキスト ボックス 47">
+            <a:extLst>
+              <a:ext uri="{FF2B5EF4-FFF2-40B4-BE49-F238E27FC236}">
+                <a16:creationId xmlns:a16="http://schemas.microsoft.com/office/drawing/2014/main" id="{04E44A02-870E-353C-5EBF-DBC62E6488E3}"/>
+              </a:ext>
+            </a:extLst>
+          </p:cNvPr>
+          <p:cNvSpPr txBox="1"/>
+          <p:nvPr/>
+        </p:nvSpPr>
+        <p:spPr>
+          <a:xfrm>
+            <a:off x="3263679" y="2822199"/>
+            <a:ext cx="312906" cy="369332"/>
+          </a:xfrm>
+          <a:prstGeom prst="rect">
+            <a:avLst/>
+          </a:prstGeom>
+          <a:noFill/>
+        </p:spPr>
+        <p:txBody>
+          <a:bodyPr wrap="none" rtlCol="0">
+            <a:spAutoFit/>
+          </a:bodyPr>
+          <a:lstStyle/>
+          <a:p>
+            <a:r>
+              <a:rPr kumimoji="1" lang="en-US" altLang="ja-JP" dirty="0"/>
+              <a:t>5</a:t>
+            </a:r>
+            <a:endParaRPr kumimoji="1" lang="ja-JP" altLang="en-US" dirty="0"/>
+          </a:p>
+        </p:txBody>
+      </p:sp>
+      <p:sp>
+        <p:nvSpPr>
+          <p:cNvPr id="49" name="テキスト ボックス 48">
+            <a:extLst>
+              <a:ext uri="{FF2B5EF4-FFF2-40B4-BE49-F238E27FC236}">
+                <a16:creationId xmlns:a16="http://schemas.microsoft.com/office/drawing/2014/main" id="{D150864B-E749-C498-7B36-C8E1C291DADC}"/>
+              </a:ext>
+            </a:extLst>
+          </p:cNvPr>
+          <p:cNvSpPr txBox="1"/>
+          <p:nvPr/>
+        </p:nvSpPr>
+        <p:spPr>
+          <a:xfrm>
+            <a:off x="2525647" y="1914004"/>
+            <a:ext cx="1119217" cy="338554"/>
+          </a:xfrm>
+          <a:prstGeom prst="rect">
+            <a:avLst/>
+          </a:prstGeom>
+          <a:noFill/>
+        </p:spPr>
+        <p:txBody>
+          <a:bodyPr wrap="none" rtlCol="0">
+            <a:spAutoFit/>
+          </a:bodyPr>
+          <a:lstStyle/>
+          <a:p>
+            <a:r>
+              <a:rPr kumimoji="1" lang="ja-JP" altLang="en-US" sz="1600" dirty="0"/>
+              <a:t>クラスタ</a:t>
+            </a:r>
+            <a:r>
+              <a:rPr kumimoji="1" lang="en-US" altLang="ja-JP" sz="1600" dirty="0"/>
+              <a:t>0</a:t>
+            </a:r>
+            <a:endParaRPr kumimoji="1" lang="ja-JP" altLang="en-US" sz="1600" dirty="0"/>
+          </a:p>
+        </p:txBody>
+      </p:sp>
+      <p:sp>
+        <p:nvSpPr>
+          <p:cNvPr id="50" name="テキスト ボックス 49">
+            <a:extLst>
+              <a:ext uri="{FF2B5EF4-FFF2-40B4-BE49-F238E27FC236}">
+                <a16:creationId xmlns:a16="http://schemas.microsoft.com/office/drawing/2014/main" id="{5CE39D7B-9AF1-57EF-CE9E-E09EA7FDE3D1}"/>
+              </a:ext>
+            </a:extLst>
+          </p:cNvPr>
+          <p:cNvSpPr txBox="1"/>
+          <p:nvPr/>
+        </p:nvSpPr>
+        <p:spPr>
+          <a:xfrm>
+            <a:off x="4528922" y="2911908"/>
+            <a:ext cx="1119217" cy="338554"/>
+          </a:xfrm>
+          <a:prstGeom prst="rect">
+            <a:avLst/>
+          </a:prstGeom>
+          <a:noFill/>
+        </p:spPr>
+        <p:txBody>
+          <a:bodyPr wrap="none" rtlCol="0">
+            <a:spAutoFit/>
+          </a:bodyPr>
+          <a:lstStyle/>
+          <a:p>
+            <a:r>
+              <a:rPr kumimoji="1" lang="ja-JP" altLang="en-US" sz="1600" dirty="0"/>
+              <a:t>クラスタ</a:t>
+            </a:r>
+            <a:r>
+              <a:rPr kumimoji="1" lang="en-US" altLang="ja-JP" sz="1600" dirty="0"/>
+              <a:t>1</a:t>
+            </a:r>
+            <a:endParaRPr kumimoji="1" lang="ja-JP" altLang="en-US" sz="1600" dirty="0"/>
+          </a:p>
+        </p:txBody>
+      </p:sp>
+      <p:grpSp>
+        <p:nvGrpSpPr>
+          <p:cNvPr id="97" name="グループ化 96">
+            <a:extLst>
+              <a:ext uri="{FF2B5EF4-FFF2-40B4-BE49-F238E27FC236}">
+                <a16:creationId xmlns:a16="http://schemas.microsoft.com/office/drawing/2014/main" id="{F50F3ED1-1F5C-9FA5-3647-1F9DF5BE1C5B}"/>
+              </a:ext>
+            </a:extLst>
+          </p:cNvPr>
+          <p:cNvGrpSpPr/>
+          <p:nvPr/>
+        </p:nvGrpSpPr>
+        <p:grpSpPr>
+          <a:xfrm>
+            <a:off x="6804143" y="1730577"/>
+            <a:ext cx="4285814" cy="3063124"/>
+            <a:chOff x="6804143" y="1730577"/>
+            <a:chExt cx="4285814" cy="3063124"/>
+          </a:xfrm>
+        </p:grpSpPr>
+        <p:cxnSp>
+          <p:nvCxnSpPr>
+            <p:cNvPr id="52" name="直線矢印コネクタ 51">
+              <a:extLst>
+                <a:ext uri="{FF2B5EF4-FFF2-40B4-BE49-F238E27FC236}">
+                  <a16:creationId xmlns:a16="http://schemas.microsoft.com/office/drawing/2014/main" id="{A4861814-604A-FC42-0FC2-2D68542E20A1}"/>
+                </a:ext>
+              </a:extLst>
+            </p:cNvPr>
+            <p:cNvCxnSpPr>
+              <a:cxnSpLocks/>
+            </p:cNvCxnSpPr>
+            <p:nvPr/>
+          </p:nvCxnSpPr>
+          <p:spPr>
+            <a:xfrm>
+              <a:off x="6804143" y="4648282"/>
+              <a:ext cx="4285814" cy="0"/>
+            </a:xfrm>
+            <a:prstGeom prst="straightConnector1">
+              <a:avLst/>
+            </a:prstGeom>
+            <a:ln w="19050">
+              <a:tailEnd type="triangle"/>
+            </a:ln>
+          </p:spPr>
+          <p:style>
+            <a:lnRef idx="1">
+              <a:schemeClr val="dk1"/>
+            </a:lnRef>
+            <a:fillRef idx="0">
+              <a:schemeClr val="dk1"/>
+            </a:fillRef>
+            <a:effectRef idx="0">
+              <a:schemeClr val="dk1"/>
+            </a:effectRef>
+            <a:fontRef idx="minor">
+              <a:schemeClr val="tx1"/>
+            </a:fontRef>
+          </p:style>
+        </p:cxnSp>
+        <p:cxnSp>
+          <p:nvCxnSpPr>
+            <p:cNvPr id="53" name="直線矢印コネクタ 52">
+              <a:extLst>
+                <a:ext uri="{FF2B5EF4-FFF2-40B4-BE49-F238E27FC236}">
+                  <a16:creationId xmlns:a16="http://schemas.microsoft.com/office/drawing/2014/main" id="{885D9AAC-1AA6-C313-BF7B-5E49782701E1}"/>
+                </a:ext>
+              </a:extLst>
+            </p:cNvPr>
+            <p:cNvCxnSpPr>
+              <a:cxnSpLocks/>
+            </p:cNvCxnSpPr>
+            <p:nvPr/>
+          </p:nvCxnSpPr>
+          <p:spPr>
+            <a:xfrm flipV="1">
+              <a:off x="6914662" y="1730577"/>
+              <a:ext cx="0" cy="3063124"/>
+            </a:xfrm>
+            <a:prstGeom prst="straightConnector1">
+              <a:avLst/>
+            </a:prstGeom>
+            <a:ln w="19050">
+              <a:tailEnd type="triangle"/>
+            </a:ln>
+          </p:spPr>
+          <p:style>
+            <a:lnRef idx="1">
+              <a:schemeClr val="dk1"/>
+            </a:lnRef>
+            <a:fillRef idx="0">
+              <a:schemeClr val="dk1"/>
+            </a:fillRef>
+            <a:effectRef idx="0">
+              <a:schemeClr val="dk1"/>
+            </a:effectRef>
+            <a:fontRef idx="minor">
+              <a:schemeClr val="tx1"/>
+            </a:fontRef>
+          </p:style>
+        </p:cxnSp>
+        <p:sp>
+          <p:nvSpPr>
+            <p:cNvPr id="55" name="楕円 54">
+              <a:extLst>
+                <a:ext uri="{FF2B5EF4-FFF2-40B4-BE49-F238E27FC236}">
+                  <a16:creationId xmlns:a16="http://schemas.microsoft.com/office/drawing/2014/main" id="{73EEEAEE-7129-7744-E284-CB29181F58B7}"/>
+                </a:ext>
+              </a:extLst>
+            </p:cNvPr>
+            <p:cNvSpPr/>
+            <p:nvPr/>
+          </p:nvSpPr>
+          <p:spPr>
+            <a:xfrm>
+              <a:off x="7608595" y="2311095"/>
+              <a:ext cx="180000" cy="180000"/>
+            </a:xfrm>
+            <a:prstGeom prst="ellipse">
+              <a:avLst/>
+            </a:prstGeom>
+            <a:solidFill>
+              <a:schemeClr val="accent1">
+                <a:lumMod val="60000"/>
+                <a:lumOff val="40000"/>
+              </a:schemeClr>
+            </a:solidFill>
+            <a:ln>
+              <a:noFill/>
+            </a:ln>
+          </p:spPr>
+          <p:style>
+            <a:lnRef idx="2">
+              <a:schemeClr val="accent1">
+                <a:shade val="15000"/>
+              </a:schemeClr>
+            </a:lnRef>
+            <a:fillRef idx="1">
+              <a:schemeClr val="accent1"/>
+            </a:fillRef>
+            <a:effectRef idx="0">
+              <a:schemeClr val="accent1"/>
+            </a:effectRef>
+            <a:fontRef idx="minor">
+              <a:schemeClr val="lt1"/>
+            </a:fontRef>
+          </p:style>
+          <p:txBody>
+            <a:bodyPr rtlCol="0" anchor="ctr"/>
+            <a:lstStyle/>
+            <a:p>
+              <a:pPr algn="ctr"/>
+              <a:endParaRPr kumimoji="1" lang="ja-JP" altLang="en-US"/>
+            </a:p>
+          </p:txBody>
+        </p:sp>
+        <p:sp>
+          <p:nvSpPr>
+            <p:cNvPr id="56" name="楕円 55">
+              <a:extLst>
+                <a:ext uri="{FF2B5EF4-FFF2-40B4-BE49-F238E27FC236}">
+                  <a16:creationId xmlns:a16="http://schemas.microsoft.com/office/drawing/2014/main" id="{3CE4D342-2071-4366-BACD-AF34692EB047}"/>
+                </a:ext>
+              </a:extLst>
+            </p:cNvPr>
+            <p:cNvSpPr/>
+            <p:nvPr/>
+          </p:nvSpPr>
+          <p:spPr>
+            <a:xfrm>
+              <a:off x="7907180" y="2927874"/>
+              <a:ext cx="180000" cy="180000"/>
+            </a:xfrm>
+            <a:prstGeom prst="ellipse">
+              <a:avLst/>
+            </a:prstGeom>
+            <a:solidFill>
+              <a:schemeClr val="accent1">
+                <a:lumMod val="60000"/>
+                <a:lumOff val="40000"/>
+              </a:schemeClr>
+            </a:solidFill>
+            <a:ln>
+              <a:noFill/>
+            </a:ln>
+          </p:spPr>
+          <p:style>
+            <a:lnRef idx="2">
+              <a:schemeClr val="accent1">
+                <a:shade val="15000"/>
+              </a:schemeClr>
+            </a:lnRef>
+            <a:fillRef idx="1">
+              <a:schemeClr val="accent1"/>
+            </a:fillRef>
+            <a:effectRef idx="0">
+              <a:schemeClr val="accent1"/>
+            </a:effectRef>
+            <a:fontRef idx="minor">
+              <a:schemeClr val="lt1"/>
+            </a:fontRef>
+          </p:style>
+          <p:txBody>
+            <a:bodyPr rtlCol="0" anchor="ctr"/>
+            <a:lstStyle/>
+            <a:p>
+              <a:pPr algn="ctr"/>
+              <a:endParaRPr kumimoji="1" lang="ja-JP" altLang="en-US"/>
+            </a:p>
+          </p:txBody>
+        </p:sp>
+        <p:sp>
+          <p:nvSpPr>
+            <p:cNvPr id="57" name="楕円 56">
+              <a:extLst>
+                <a:ext uri="{FF2B5EF4-FFF2-40B4-BE49-F238E27FC236}">
+                  <a16:creationId xmlns:a16="http://schemas.microsoft.com/office/drawing/2014/main" id="{45BA551C-B3CF-47B4-EA9B-730D3D9E066B}"/>
+                </a:ext>
+              </a:extLst>
+            </p:cNvPr>
+            <p:cNvSpPr/>
+            <p:nvPr/>
+          </p:nvSpPr>
+          <p:spPr>
+            <a:xfrm>
+              <a:off x="8604825" y="2791242"/>
+              <a:ext cx="180000" cy="180000"/>
+            </a:xfrm>
+            <a:prstGeom prst="ellipse">
+              <a:avLst/>
+            </a:prstGeom>
+            <a:solidFill>
+              <a:schemeClr val="accent1">
+                <a:lumMod val="60000"/>
+                <a:lumOff val="40000"/>
+              </a:schemeClr>
+            </a:solidFill>
+            <a:ln>
+              <a:noFill/>
+            </a:ln>
+          </p:spPr>
+          <p:style>
+            <a:lnRef idx="2">
+              <a:schemeClr val="accent1">
+                <a:shade val="15000"/>
+              </a:schemeClr>
+            </a:lnRef>
+            <a:fillRef idx="1">
+              <a:schemeClr val="accent1"/>
+            </a:fillRef>
+            <a:effectRef idx="0">
+              <a:schemeClr val="accent1"/>
+            </a:effectRef>
+            <a:fontRef idx="minor">
+              <a:schemeClr val="lt1"/>
+            </a:fontRef>
+          </p:style>
+          <p:txBody>
+            <a:bodyPr rtlCol="0" anchor="ctr"/>
+            <a:lstStyle/>
+            <a:p>
+              <a:pPr algn="ctr"/>
+              <a:endParaRPr kumimoji="1" lang="ja-JP" altLang="en-US"/>
+            </a:p>
+          </p:txBody>
+        </p:sp>
+        <p:sp>
+          <p:nvSpPr>
+            <p:cNvPr id="59" name="楕円 58">
+              <a:extLst>
+                <a:ext uri="{FF2B5EF4-FFF2-40B4-BE49-F238E27FC236}">
+                  <a16:creationId xmlns:a16="http://schemas.microsoft.com/office/drawing/2014/main" id="{E1CFC574-0705-BB2A-CBC3-9633DE9F3A4C}"/>
+                </a:ext>
+              </a:extLst>
+            </p:cNvPr>
+            <p:cNvSpPr/>
+            <p:nvPr/>
+          </p:nvSpPr>
+          <p:spPr>
+            <a:xfrm>
+              <a:off x="9978507" y="4066519"/>
+              <a:ext cx="180000" cy="180000"/>
+            </a:xfrm>
+            <a:prstGeom prst="ellipse">
+              <a:avLst/>
+            </a:prstGeom>
+            <a:solidFill>
+              <a:schemeClr val="accent2">
+                <a:lumMod val="40000"/>
+                <a:lumOff val="60000"/>
+              </a:schemeClr>
+            </a:solidFill>
+            <a:ln>
+              <a:noFill/>
+            </a:ln>
+          </p:spPr>
+          <p:style>
+            <a:lnRef idx="2">
+              <a:schemeClr val="accent1">
+                <a:shade val="15000"/>
+              </a:schemeClr>
+            </a:lnRef>
+            <a:fillRef idx="1">
+              <a:schemeClr val="accent1"/>
+            </a:fillRef>
+            <a:effectRef idx="0">
+              <a:schemeClr val="accent1"/>
+            </a:effectRef>
+            <a:fontRef idx="minor">
+              <a:schemeClr val="lt1"/>
+            </a:fontRef>
+          </p:style>
+          <p:txBody>
+            <a:bodyPr rtlCol="0" anchor="ctr"/>
+            <a:lstStyle/>
+            <a:p>
+              <a:pPr algn="ctr"/>
+              <a:endParaRPr kumimoji="1" lang="ja-JP" altLang="en-US"/>
+            </a:p>
+          </p:txBody>
+        </p:sp>
+        <p:sp>
+          <p:nvSpPr>
+            <p:cNvPr id="60" name="楕円 59">
+              <a:extLst>
+                <a:ext uri="{FF2B5EF4-FFF2-40B4-BE49-F238E27FC236}">
+                  <a16:creationId xmlns:a16="http://schemas.microsoft.com/office/drawing/2014/main" id="{86B25F84-CA28-C86D-1A07-C0D23632EB66}"/>
+                </a:ext>
+              </a:extLst>
+            </p:cNvPr>
+            <p:cNvSpPr/>
+            <p:nvPr/>
+          </p:nvSpPr>
+          <p:spPr>
+            <a:xfrm>
+              <a:off x="10436299" y="4151997"/>
+              <a:ext cx="180000" cy="180000"/>
+            </a:xfrm>
+            <a:prstGeom prst="ellipse">
+              <a:avLst/>
+            </a:prstGeom>
+            <a:solidFill>
+              <a:schemeClr val="accent2">
+                <a:lumMod val="40000"/>
+                <a:lumOff val="60000"/>
+              </a:schemeClr>
+            </a:solidFill>
+            <a:ln>
+              <a:noFill/>
+            </a:ln>
+          </p:spPr>
+          <p:style>
+            <a:lnRef idx="2">
+              <a:schemeClr val="accent1">
+                <a:shade val="15000"/>
+              </a:schemeClr>
+            </a:lnRef>
+            <a:fillRef idx="1">
+              <a:schemeClr val="accent1"/>
+            </a:fillRef>
+            <a:effectRef idx="0">
+              <a:schemeClr val="accent1"/>
+            </a:effectRef>
+            <a:fontRef idx="minor">
+              <a:schemeClr val="lt1"/>
+            </a:fontRef>
+          </p:style>
+          <p:txBody>
+            <a:bodyPr rtlCol="0" anchor="ctr"/>
+            <a:lstStyle/>
+            <a:p>
+              <a:pPr algn="ctr"/>
+              <a:endParaRPr kumimoji="1" lang="ja-JP" altLang="en-US"/>
+            </a:p>
+          </p:txBody>
+        </p:sp>
+        <p:sp>
+          <p:nvSpPr>
+            <p:cNvPr id="61" name="楕円 60">
+              <a:extLst>
+                <a:ext uri="{FF2B5EF4-FFF2-40B4-BE49-F238E27FC236}">
+                  <a16:creationId xmlns:a16="http://schemas.microsoft.com/office/drawing/2014/main" id="{835AD712-2F38-D06F-53C2-D19CE9D42E05}"/>
+                </a:ext>
+              </a:extLst>
+            </p:cNvPr>
+            <p:cNvSpPr/>
+            <p:nvPr/>
+          </p:nvSpPr>
+          <p:spPr>
+            <a:xfrm>
+              <a:off x="9639820" y="3299688"/>
+              <a:ext cx="180000" cy="180000"/>
+            </a:xfrm>
+            <a:prstGeom prst="ellipse">
+              <a:avLst/>
+            </a:prstGeom>
+            <a:solidFill>
+              <a:schemeClr val="accent2">
+                <a:lumMod val="40000"/>
+                <a:lumOff val="60000"/>
+              </a:schemeClr>
+            </a:solidFill>
+            <a:ln>
+              <a:noFill/>
+            </a:ln>
+          </p:spPr>
+          <p:style>
+            <a:lnRef idx="2">
+              <a:schemeClr val="accent1">
+                <a:shade val="15000"/>
+              </a:schemeClr>
+            </a:lnRef>
+            <a:fillRef idx="1">
+              <a:schemeClr val="accent1"/>
+            </a:fillRef>
+            <a:effectRef idx="0">
+              <a:schemeClr val="accent1"/>
+            </a:effectRef>
+            <a:fontRef idx="minor">
+              <a:schemeClr val="lt1"/>
+            </a:fontRef>
+          </p:style>
+          <p:txBody>
+            <a:bodyPr rtlCol="0" anchor="ctr"/>
+            <a:lstStyle/>
+            <a:p>
+              <a:pPr algn="ctr"/>
+              <a:endParaRPr kumimoji="1" lang="ja-JP" altLang="en-US"/>
+            </a:p>
+          </p:txBody>
+        </p:sp>
+        <p:sp>
+          <p:nvSpPr>
+            <p:cNvPr id="62" name="楕円 61">
+              <a:extLst>
+                <a:ext uri="{FF2B5EF4-FFF2-40B4-BE49-F238E27FC236}">
+                  <a16:creationId xmlns:a16="http://schemas.microsoft.com/office/drawing/2014/main" id="{26B5E337-7793-6CD3-8194-3F79AFD05E84}"/>
+                </a:ext>
+              </a:extLst>
+            </p:cNvPr>
+            <p:cNvSpPr/>
+            <p:nvPr/>
+          </p:nvSpPr>
+          <p:spPr>
+            <a:xfrm>
+              <a:off x="10436299" y="3444705"/>
+              <a:ext cx="180000" cy="180000"/>
+            </a:xfrm>
+            <a:prstGeom prst="ellipse">
+              <a:avLst/>
+            </a:prstGeom>
+            <a:solidFill>
+              <a:schemeClr val="accent2">
+                <a:lumMod val="40000"/>
+                <a:lumOff val="60000"/>
+              </a:schemeClr>
+            </a:solidFill>
+            <a:ln>
+              <a:noFill/>
+            </a:ln>
+          </p:spPr>
+          <p:style>
+            <a:lnRef idx="2">
+              <a:schemeClr val="accent1">
+                <a:shade val="15000"/>
+              </a:schemeClr>
+            </a:lnRef>
+            <a:fillRef idx="1">
+              <a:schemeClr val="accent1"/>
+            </a:fillRef>
+            <a:effectRef idx="0">
+              <a:schemeClr val="accent1"/>
+            </a:effectRef>
+            <a:fontRef idx="minor">
+              <a:schemeClr val="lt1"/>
+            </a:fontRef>
+          </p:style>
+          <p:txBody>
+            <a:bodyPr rtlCol="0" anchor="ctr"/>
+            <a:lstStyle/>
+            <a:p>
+              <a:pPr algn="ctr"/>
+              <a:endParaRPr kumimoji="1" lang="ja-JP" altLang="en-US"/>
+            </a:p>
+          </p:txBody>
+        </p:sp>
+        <p:sp>
+          <p:nvSpPr>
+            <p:cNvPr id="77" name="テキスト ボックス 76">
+              <a:extLst>
+                <a:ext uri="{FF2B5EF4-FFF2-40B4-BE49-F238E27FC236}">
+                  <a16:creationId xmlns:a16="http://schemas.microsoft.com/office/drawing/2014/main" id="{B6DAC8AF-DB72-B39A-CEBA-621443B1FAA0}"/>
+                </a:ext>
+              </a:extLst>
+            </p:cNvPr>
+            <p:cNvSpPr txBox="1"/>
+            <p:nvPr/>
+          </p:nvSpPr>
+          <p:spPr>
+            <a:xfrm>
+              <a:off x="7600447" y="1858827"/>
+              <a:ext cx="1119217" cy="338554"/>
+            </a:xfrm>
+            <a:prstGeom prst="rect">
+              <a:avLst/>
+            </a:prstGeom>
+            <a:noFill/>
+          </p:spPr>
+          <p:txBody>
+            <a:bodyPr wrap="none" rtlCol="0">
+              <a:spAutoFit/>
+            </a:bodyPr>
+            <a:lstStyle/>
+            <a:p>
+              <a:r>
+                <a:rPr kumimoji="1" lang="ja-JP" altLang="en-US" sz="1600" dirty="0"/>
+                <a:t>クラスタ</a:t>
+              </a:r>
+              <a:r>
+                <a:rPr kumimoji="1" lang="en-US" altLang="ja-JP" sz="1600" dirty="0"/>
+                <a:t>0</a:t>
+              </a:r>
+              <a:endParaRPr kumimoji="1" lang="ja-JP" altLang="en-US" sz="1600" dirty="0"/>
+            </a:p>
+          </p:txBody>
+        </p:sp>
+        <p:sp>
+          <p:nvSpPr>
+            <p:cNvPr id="78" name="テキスト ボックス 77">
+              <a:extLst>
+                <a:ext uri="{FF2B5EF4-FFF2-40B4-BE49-F238E27FC236}">
+                  <a16:creationId xmlns:a16="http://schemas.microsoft.com/office/drawing/2014/main" id="{208938FA-251F-7EBC-DCCC-6F0B7411B35F}"/>
+                </a:ext>
+              </a:extLst>
+            </p:cNvPr>
+            <p:cNvSpPr txBox="1"/>
+            <p:nvPr/>
+          </p:nvSpPr>
+          <p:spPr>
+            <a:xfrm>
+              <a:off x="9603722" y="2856731"/>
+              <a:ext cx="1119217" cy="338554"/>
+            </a:xfrm>
+            <a:prstGeom prst="rect">
+              <a:avLst/>
+            </a:prstGeom>
+            <a:noFill/>
+          </p:spPr>
+          <p:txBody>
+            <a:bodyPr wrap="none" rtlCol="0">
+              <a:spAutoFit/>
+            </a:bodyPr>
+            <a:lstStyle/>
+            <a:p>
+              <a:r>
+                <a:rPr kumimoji="1" lang="ja-JP" altLang="en-US" sz="1600" dirty="0"/>
+                <a:t>クラスタ</a:t>
+              </a:r>
+              <a:r>
+                <a:rPr kumimoji="1" lang="en-US" altLang="ja-JP" sz="1600" dirty="0"/>
+                <a:t>1</a:t>
+              </a:r>
+              <a:endParaRPr kumimoji="1" lang="ja-JP" altLang="en-US" sz="1600" dirty="0"/>
+            </a:p>
+          </p:txBody>
+        </p:sp>
+        <p:sp>
+          <p:nvSpPr>
+            <p:cNvPr id="79" name="楕円 78">
+              <a:extLst>
+                <a:ext uri="{FF2B5EF4-FFF2-40B4-BE49-F238E27FC236}">
+                  <a16:creationId xmlns:a16="http://schemas.microsoft.com/office/drawing/2014/main" id="{06C6766D-5E0E-FBC6-C752-4F6A15062EB2}"/>
+                </a:ext>
+              </a:extLst>
+            </p:cNvPr>
+            <p:cNvSpPr/>
+            <p:nvPr/>
+          </p:nvSpPr>
+          <p:spPr>
+            <a:xfrm>
+              <a:off x="8351466" y="3726189"/>
+              <a:ext cx="180000" cy="180000"/>
+            </a:xfrm>
+            <a:prstGeom prst="ellipse">
+              <a:avLst/>
+            </a:prstGeom>
+            <a:solidFill>
+              <a:schemeClr val="accent6">
+                <a:lumMod val="60000"/>
+                <a:lumOff val="40000"/>
+              </a:schemeClr>
+            </a:solidFill>
+            <a:ln>
+              <a:noFill/>
+            </a:ln>
+          </p:spPr>
+          <p:style>
+            <a:lnRef idx="2">
+              <a:schemeClr val="accent1">
+                <a:shade val="15000"/>
+              </a:schemeClr>
+            </a:lnRef>
+            <a:fillRef idx="1">
+              <a:schemeClr val="accent1"/>
+            </a:fillRef>
+            <a:effectRef idx="0">
+              <a:schemeClr val="accent1"/>
+            </a:effectRef>
+            <a:fontRef idx="minor">
+              <a:schemeClr val="lt1"/>
+            </a:fontRef>
+          </p:style>
+          <p:txBody>
+            <a:bodyPr rtlCol="0" anchor="ctr"/>
+            <a:lstStyle/>
+            <a:p>
+              <a:pPr algn="ctr"/>
+              <a:endParaRPr kumimoji="1" lang="ja-JP" altLang="en-US"/>
+            </a:p>
+          </p:txBody>
+        </p:sp>
+        <p:sp>
+          <p:nvSpPr>
+            <p:cNvPr id="80" name="楕円 79">
+              <a:extLst>
+                <a:ext uri="{FF2B5EF4-FFF2-40B4-BE49-F238E27FC236}">
+                  <a16:creationId xmlns:a16="http://schemas.microsoft.com/office/drawing/2014/main" id="{761B138F-D5A1-9480-91C4-688D647F9198}"/>
+                </a:ext>
+              </a:extLst>
+            </p:cNvPr>
+            <p:cNvSpPr/>
+            <p:nvPr/>
+          </p:nvSpPr>
+          <p:spPr>
+            <a:xfrm>
+              <a:off x="8537247" y="4124264"/>
+              <a:ext cx="180000" cy="180000"/>
+            </a:xfrm>
+            <a:prstGeom prst="ellipse">
+              <a:avLst/>
+            </a:prstGeom>
+            <a:solidFill>
+              <a:schemeClr val="accent6">
+                <a:lumMod val="60000"/>
+                <a:lumOff val="40000"/>
+              </a:schemeClr>
+            </a:solidFill>
+            <a:ln>
+              <a:noFill/>
+            </a:ln>
+          </p:spPr>
+          <p:style>
+            <a:lnRef idx="2">
+              <a:schemeClr val="accent1">
+                <a:shade val="15000"/>
+              </a:schemeClr>
+            </a:lnRef>
+            <a:fillRef idx="1">
+              <a:schemeClr val="accent1"/>
+            </a:fillRef>
+            <a:effectRef idx="0">
+              <a:schemeClr val="accent1"/>
+            </a:effectRef>
+            <a:fontRef idx="minor">
+              <a:schemeClr val="lt1"/>
+            </a:fontRef>
+          </p:style>
+          <p:txBody>
+            <a:bodyPr rtlCol="0" anchor="ctr"/>
+            <a:lstStyle/>
+            <a:p>
+              <a:pPr algn="ctr"/>
+              <a:endParaRPr kumimoji="1" lang="ja-JP" altLang="en-US"/>
+            </a:p>
+          </p:txBody>
+        </p:sp>
+        <p:sp>
+          <p:nvSpPr>
+            <p:cNvPr id="81" name="テキスト ボックス 80">
+              <a:extLst>
+                <a:ext uri="{FF2B5EF4-FFF2-40B4-BE49-F238E27FC236}">
+                  <a16:creationId xmlns:a16="http://schemas.microsoft.com/office/drawing/2014/main" id="{6C16CCFC-CEF2-86A8-8177-4CA02F0F0F24}"/>
+                </a:ext>
+              </a:extLst>
+            </p:cNvPr>
+            <p:cNvSpPr txBox="1"/>
+            <p:nvPr/>
+          </p:nvSpPr>
+          <p:spPr>
+            <a:xfrm>
+              <a:off x="7814168" y="4310324"/>
+              <a:ext cx="1119217" cy="338554"/>
+            </a:xfrm>
+            <a:prstGeom prst="rect">
+              <a:avLst/>
+            </a:prstGeom>
+            <a:noFill/>
+          </p:spPr>
+          <p:txBody>
+            <a:bodyPr wrap="none" rtlCol="0">
+              <a:spAutoFit/>
+            </a:bodyPr>
+            <a:lstStyle/>
+            <a:p>
+              <a:r>
+                <a:rPr kumimoji="1" lang="ja-JP" altLang="en-US" sz="1600" dirty="0"/>
+                <a:t>クラスタ</a:t>
+              </a:r>
+              <a:r>
+                <a:rPr lang="en-US" altLang="ja-JP" sz="1600" dirty="0"/>
+                <a:t>2</a:t>
+              </a:r>
+              <a:endParaRPr kumimoji="1" lang="ja-JP" altLang="en-US" sz="1600" dirty="0"/>
+            </a:p>
+          </p:txBody>
+        </p:sp>
+        <p:cxnSp>
+          <p:nvCxnSpPr>
+            <p:cNvPr id="83" name="直線コネクタ 82">
+              <a:extLst>
+                <a:ext uri="{FF2B5EF4-FFF2-40B4-BE49-F238E27FC236}">
+                  <a16:creationId xmlns:a16="http://schemas.microsoft.com/office/drawing/2014/main" id="{0ECA873A-2293-1944-C185-9EBCB4EA78C4}"/>
+                </a:ext>
+              </a:extLst>
+            </p:cNvPr>
+            <p:cNvCxnSpPr>
+              <a:cxnSpLocks/>
+            </p:cNvCxnSpPr>
+            <p:nvPr/>
+          </p:nvCxnSpPr>
+          <p:spPr>
+            <a:xfrm flipH="1" flipV="1">
+              <a:off x="7776749" y="2428018"/>
+              <a:ext cx="842590" cy="416507"/>
+            </a:xfrm>
+            <a:prstGeom prst="line">
+              <a:avLst/>
+            </a:prstGeom>
+            <a:ln w="12700"/>
+          </p:spPr>
+          <p:style>
+            <a:lnRef idx="1">
+              <a:schemeClr val="accent1"/>
+            </a:lnRef>
+            <a:fillRef idx="0">
+              <a:schemeClr val="accent1"/>
+            </a:fillRef>
+            <a:effectRef idx="0">
+              <a:schemeClr val="accent1"/>
+            </a:effectRef>
+            <a:fontRef idx="minor">
+              <a:schemeClr val="tx1"/>
+            </a:fontRef>
+          </p:style>
+        </p:cxnSp>
+        <p:cxnSp>
+          <p:nvCxnSpPr>
+            <p:cNvPr id="84" name="直線コネクタ 83">
+              <a:extLst>
+                <a:ext uri="{FF2B5EF4-FFF2-40B4-BE49-F238E27FC236}">
+                  <a16:creationId xmlns:a16="http://schemas.microsoft.com/office/drawing/2014/main" id="{1BD54F92-5325-A0AF-B1E7-1FBF32A45FC6}"/>
+                </a:ext>
+              </a:extLst>
+            </p:cNvPr>
+            <p:cNvCxnSpPr>
+              <a:cxnSpLocks/>
+              <a:stCxn id="57" idx="2"/>
+              <a:endCxn id="56" idx="6"/>
+            </p:cNvCxnSpPr>
+            <p:nvPr/>
+          </p:nvCxnSpPr>
+          <p:spPr>
+            <a:xfrm flipH="1">
+              <a:off x="8087180" y="2881242"/>
+              <a:ext cx="517645" cy="136632"/>
+            </a:xfrm>
+            <a:prstGeom prst="line">
+              <a:avLst/>
+            </a:prstGeom>
+            <a:ln w="12700"/>
+          </p:spPr>
+          <p:style>
+            <a:lnRef idx="1">
+              <a:schemeClr val="accent1"/>
+            </a:lnRef>
+            <a:fillRef idx="0">
+              <a:schemeClr val="accent1"/>
+            </a:fillRef>
+            <a:effectRef idx="0">
+              <a:schemeClr val="accent1"/>
+            </a:effectRef>
+            <a:fontRef idx="minor">
+              <a:schemeClr val="tx1"/>
+            </a:fontRef>
+          </p:style>
+        </p:cxnSp>
+        <p:cxnSp>
+          <p:nvCxnSpPr>
+            <p:cNvPr id="87" name="直線コネクタ 86">
+              <a:extLst>
+                <a:ext uri="{FF2B5EF4-FFF2-40B4-BE49-F238E27FC236}">
+                  <a16:creationId xmlns:a16="http://schemas.microsoft.com/office/drawing/2014/main" id="{690C4760-9C35-6F8C-C5B7-B200F1AA4232}"/>
+                </a:ext>
+              </a:extLst>
+            </p:cNvPr>
+            <p:cNvCxnSpPr>
+              <a:cxnSpLocks/>
+              <a:stCxn id="57" idx="4"/>
+              <a:endCxn id="79" idx="0"/>
+            </p:cNvCxnSpPr>
+            <p:nvPr/>
+          </p:nvCxnSpPr>
+          <p:spPr>
+            <a:xfrm flipH="1">
+              <a:off x="8441466" y="2971242"/>
+              <a:ext cx="253359" cy="754947"/>
+            </a:xfrm>
+            <a:prstGeom prst="line">
+              <a:avLst/>
+            </a:prstGeom>
+            <a:ln w="12700">
+              <a:solidFill>
+                <a:srgbClr val="FF0000"/>
+              </a:solidFill>
+            </a:ln>
+          </p:spPr>
+          <p:style>
+            <a:lnRef idx="1">
+              <a:schemeClr val="accent1"/>
+            </a:lnRef>
+            <a:fillRef idx="0">
+              <a:schemeClr val="accent1"/>
+            </a:fillRef>
+            <a:effectRef idx="0">
+              <a:schemeClr val="accent1"/>
+            </a:effectRef>
+            <a:fontRef idx="minor">
+              <a:schemeClr val="tx1"/>
+            </a:fontRef>
+          </p:style>
+        </p:cxnSp>
+        <p:cxnSp>
+          <p:nvCxnSpPr>
+            <p:cNvPr id="91" name="直線コネクタ 90">
+              <a:extLst>
+                <a:ext uri="{FF2B5EF4-FFF2-40B4-BE49-F238E27FC236}">
+                  <a16:creationId xmlns:a16="http://schemas.microsoft.com/office/drawing/2014/main" id="{1DAD7BFE-0D09-84D0-8C2B-0EBCA633834A}"/>
+                </a:ext>
+              </a:extLst>
+            </p:cNvPr>
+            <p:cNvCxnSpPr>
+              <a:cxnSpLocks/>
+              <a:stCxn id="57" idx="5"/>
+              <a:endCxn id="61" idx="1"/>
+            </p:cNvCxnSpPr>
+            <p:nvPr/>
+          </p:nvCxnSpPr>
+          <p:spPr>
+            <a:xfrm>
+              <a:off x="8758465" y="2944882"/>
+              <a:ext cx="907715" cy="381166"/>
+            </a:xfrm>
+            <a:prstGeom prst="line">
+              <a:avLst/>
+            </a:prstGeom>
+            <a:ln w="12700">
+              <a:solidFill>
+                <a:srgbClr val="FF0000"/>
+              </a:solidFill>
+            </a:ln>
+          </p:spPr>
+          <p:style>
+            <a:lnRef idx="1">
+              <a:schemeClr val="accent1"/>
+            </a:lnRef>
+            <a:fillRef idx="0">
+              <a:schemeClr val="accent1"/>
+            </a:fillRef>
+            <a:effectRef idx="0">
+              <a:schemeClr val="accent1"/>
+            </a:effectRef>
+            <a:fontRef idx="minor">
+              <a:schemeClr val="tx1"/>
+            </a:fontRef>
+          </p:style>
+        </p:cxnSp>
+        <p:sp>
+          <p:nvSpPr>
+            <p:cNvPr id="95" name="テキスト ボックス 94">
+              <a:extLst>
+                <a:ext uri="{FF2B5EF4-FFF2-40B4-BE49-F238E27FC236}">
+                  <a16:creationId xmlns:a16="http://schemas.microsoft.com/office/drawing/2014/main" id="{C54BD85C-A11B-F3F1-13AD-E3192A2E316E}"/>
+                </a:ext>
+              </a:extLst>
+            </p:cNvPr>
+            <p:cNvSpPr txBox="1"/>
+            <p:nvPr/>
+          </p:nvSpPr>
+          <p:spPr>
+            <a:xfrm>
+              <a:off x="8287826" y="2331117"/>
+              <a:ext cx="877163" cy="369332"/>
+            </a:xfrm>
+            <a:prstGeom prst="rect">
+              <a:avLst/>
+            </a:prstGeom>
+            <a:noFill/>
+          </p:spPr>
+          <p:txBody>
+            <a:bodyPr wrap="none" rtlCol="0">
+              <a:spAutoFit/>
+            </a:bodyPr>
+            <a:lstStyle/>
+            <a:p>
+              <a:r>
+                <a:rPr lang="ja-JP" altLang="en-US" dirty="0">
+                  <a:solidFill>
+                    <a:schemeClr val="accent1"/>
+                  </a:solidFill>
+                </a:rPr>
+                <a:t>凝集度</a:t>
+              </a:r>
+              <a:endParaRPr kumimoji="1" lang="ja-JP" altLang="en-US" dirty="0">
+                <a:solidFill>
+                  <a:schemeClr val="accent1"/>
+                </a:solidFill>
+              </a:endParaRPr>
+            </a:p>
+          </p:txBody>
+        </p:sp>
+        <p:sp>
+          <p:nvSpPr>
+            <p:cNvPr id="96" name="テキスト ボックス 95">
+              <a:extLst>
+                <a:ext uri="{FF2B5EF4-FFF2-40B4-BE49-F238E27FC236}">
+                  <a16:creationId xmlns:a16="http://schemas.microsoft.com/office/drawing/2014/main" id="{129FE46A-7E04-FA28-F8C5-D01A2AFEE8C0}"/>
+                </a:ext>
+              </a:extLst>
+            </p:cNvPr>
+            <p:cNvSpPr txBox="1"/>
+            <p:nvPr/>
+          </p:nvSpPr>
+          <p:spPr>
+            <a:xfrm>
+              <a:off x="8577184" y="3315281"/>
+              <a:ext cx="877163" cy="369332"/>
+            </a:xfrm>
+            <a:prstGeom prst="rect">
+              <a:avLst/>
+            </a:prstGeom>
+            <a:noFill/>
+          </p:spPr>
+          <p:txBody>
+            <a:bodyPr wrap="none" rtlCol="0">
+              <a:spAutoFit/>
+            </a:bodyPr>
+            <a:lstStyle/>
+            <a:p>
+              <a:r>
+                <a:rPr lang="ja-JP" altLang="en-US" dirty="0">
+                  <a:solidFill>
+                    <a:srgbClr val="FF0000"/>
+                  </a:solidFill>
+                </a:rPr>
+                <a:t>乖離度</a:t>
+              </a:r>
+              <a:endParaRPr kumimoji="1" lang="ja-JP" altLang="en-US" dirty="0">
+                <a:solidFill>
+                  <a:srgbClr val="FF0000"/>
+                </a:solidFill>
+              </a:endParaRPr>
+            </a:p>
+          </p:txBody>
+        </p:sp>
+      </p:grpSp>
+    </p:spTree>
+    <p:extLst>
+      <p:ext uri="{BB962C8B-B14F-4D97-AF65-F5344CB8AC3E}">
+        <p14:creationId xmlns:p14="http://schemas.microsoft.com/office/powerpoint/2010/main" val="2554833960"/>
       </p:ext>
     </p:extLst>
   </p:cSld>
